--- a/slides/a-practical-introduction-to-typescript.pptx
+++ b/slides/a-practical-introduction-to-typescript.pptx
@@ -5,7 +5,7 @@
     <p:sldMasterId id="2147483652" r:id="rId1"/>
   </p:sldMasterIdLst>
   <p:notesMasterIdLst>
-    <p:notesMasterId r:id="rId21"/>
+    <p:notesMasterId r:id="rId22"/>
   </p:notesMasterIdLst>
   <p:sldIdLst>
     <p:sldId id="256" r:id="rId2"/>
@@ -13,20 +13,21 @@
     <p:sldId id="471" r:id="rId4"/>
     <p:sldId id="478" r:id="rId5"/>
     <p:sldId id="499" r:id="rId6"/>
-    <p:sldId id="505" r:id="rId7"/>
-    <p:sldId id="504" r:id="rId8"/>
-    <p:sldId id="481" r:id="rId9"/>
-    <p:sldId id="490" r:id="rId10"/>
-    <p:sldId id="491" r:id="rId11"/>
-    <p:sldId id="503" r:id="rId12"/>
-    <p:sldId id="502" r:id="rId13"/>
-    <p:sldId id="501" r:id="rId14"/>
+    <p:sldId id="504" r:id="rId7"/>
+    <p:sldId id="481" r:id="rId8"/>
+    <p:sldId id="490" r:id="rId9"/>
+    <p:sldId id="491" r:id="rId10"/>
+    <p:sldId id="503" r:id="rId11"/>
+    <p:sldId id="502" r:id="rId12"/>
+    <p:sldId id="501" r:id="rId13"/>
+    <p:sldId id="506" r:id="rId14"/>
     <p:sldId id="483" r:id="rId15"/>
     <p:sldId id="493" r:id="rId16"/>
     <p:sldId id="498" r:id="rId17"/>
     <p:sldId id="484" r:id="rId18"/>
     <p:sldId id="500" r:id="rId19"/>
-    <p:sldId id="477" r:id="rId20"/>
+    <p:sldId id="505" r:id="rId20"/>
+    <p:sldId id="477" r:id="rId21"/>
   </p:sldIdLst>
   <p:sldSz cx="9906000" cy="6858000" type="A4"/>
   <p:notesSz cx="6858000" cy="9144000"/>
@@ -226,7 +227,7 @@
           <a:p>
             <a:fld id="{963854BB-5908-0843-BA41-B7E7E599A04D}" type="datetimeFigureOut">
               <a:rPr lang="de-DE" smtClean="0"/>
-              <a:t>10.03.18</a:t>
+              <a:t>11.03.18</a:t>
             </a:fld>
             <a:endParaRPr lang="de-DE"/>
           </a:p>
@@ -810,7 +811,7 @@
           <a:p>
             <a:fld id="{3C67E9B5-BB04-A741-9555-7CF01DDDA8C6}" type="slidenum">
               <a:rPr lang="de-DE" smtClean="0"/>
-              <a:t>7</a:t>
+              <a:t>6</a:t>
             </a:fld>
             <a:endParaRPr lang="de-DE"/>
           </a:p>
@@ -1290,7 +1291,7 @@
           <a:p>
             <a:fld id="{C764DE79-268F-4C1A-8933-263129D2AF90}" type="datetimeFigureOut">
               <a:rPr lang="en-US" dirty="0"/>
-              <a:t>3/10/18</a:t>
+              <a:t>3/11/18</a:t>
             </a:fld>
             <a:endParaRPr lang="en-US" dirty="0"/>
           </a:p>
@@ -2142,7 +2143,7 @@
                 <a:ea typeface="Source Sans Pro" charset="0"/>
                 <a:cs typeface="Source Sans Pro" charset="0"/>
               </a:rPr>
-              <a:t>Using</a:t>
+              <a:t>any</a:t>
             </a:r>
             <a:r>
               <a:rPr lang="de-DE" sz="2400" b="1" dirty="0">
@@ -2153,27 +2154,8 @@
                 <a:ea typeface="Source Sans Pro" charset="0"/>
                 <a:cs typeface="Source Sans Pro" charset="0"/>
               </a:rPr>
-              <a:t> </a:t>
-            </a:r>
-            <a:r>
-              <a:rPr lang="de-DE" sz="2400" b="1" dirty="0" err="1">
-                <a:solidFill>
-                  <a:srgbClr val="EF7D1D"/>
-                </a:solidFill>
-                <a:latin typeface="Source Sans Pro" charset="0"/>
-                <a:ea typeface="Source Sans Pro" charset="0"/>
-                <a:cs typeface="Source Sans Pro" charset="0"/>
-              </a:rPr>
-              <a:t>Types</a:t>
-            </a:r>
-            <a:endParaRPr lang="de-DE" sz="2400" b="1" dirty="0">
-              <a:solidFill>
-                <a:srgbClr val="EF7D1D"/>
-              </a:solidFill>
-              <a:latin typeface="Source Sans Pro" charset="0"/>
-              <a:ea typeface="Source Sans Pro" charset="0"/>
-              <a:cs typeface="Source Sans Pro" charset="0"/>
-            </a:endParaRPr>
+              <a:t> Type</a:t>
+            </a:r>
           </a:p>
         </p:txBody>
       </p:sp>
@@ -2186,7 +2168,7 @@
         <p:spPr>
           <a:xfrm>
             <a:off x="320736" y="1929621"/>
-            <a:ext cx="9279032" cy="3781933"/>
+            <a:ext cx="9279032" cy="1916294"/>
           </a:xfrm>
           <a:prstGeom prst="rect">
             <a:avLst/>
@@ -2205,33 +2187,15 @@
               </a:lnSpc>
             </a:pPr>
             <a:r>
-              <a:rPr lang="en-US" sz="1463" b="1" dirty="0">
-                <a:solidFill>
-                  <a:srgbClr val="36544F"/>
-                </a:solidFill>
-                <a:latin typeface="Source Code Pro Medium" charset="0"/>
-                <a:ea typeface="Source Code Pro Medium" charset="0"/>
-                <a:cs typeface="Source Code Pro Medium" charset="0"/>
-              </a:rPr>
-              <a:t>Variables</a:t>
-            </a:r>
-          </a:p>
-          <a:p>
-            <a:pPr>
-              <a:lnSpc>
-                <a:spcPct val="120000"/>
-              </a:lnSpc>
-            </a:pPr>
-            <a:r>
-              <a:rPr lang="en-US" sz="1463" dirty="0">
-                <a:solidFill>
-                  <a:srgbClr val="025249"/>
-                </a:solidFill>
-                <a:latin typeface="Source Code Pro Medium" charset="0"/>
-                <a:ea typeface="Source Code Pro Medium" charset="0"/>
-                <a:cs typeface="Source Code Pro Medium" charset="0"/>
-              </a:rPr>
-              <a:t>let foo: string; // built-in types, for example: string, number, </a:t>
+              <a:rPr lang="en-US" sz="1463" dirty="0">
+                <a:solidFill>
+                  <a:srgbClr val="025249"/>
+                </a:solidFill>
+                <a:latin typeface="Source Code Pro Medium" charset="0"/>
+                <a:ea typeface="Source Code Pro Medium" charset="0"/>
+                <a:cs typeface="Source Code Pro Medium" charset="0"/>
+              </a:rPr>
+              <a:t>let foo: any; // allow usage of all types, no </a:t>
             </a:r>
             <a:r>
               <a:rPr lang="en-US" sz="1463" dirty="0" err="1">
@@ -2242,7 +2206,7 @@
                 <a:ea typeface="Source Code Pro Medium" charset="0"/>
                 <a:cs typeface="Source Code Pro Medium" charset="0"/>
               </a:rPr>
-              <a:t>boolean</a:t>
+              <a:t>typechecking</a:t>
             </a:r>
             <a:endParaRPr lang="en-US" sz="1463" dirty="0">
               <a:solidFill>
@@ -2259,6 +2223,75 @@
                 <a:spcPct val="120000"/>
               </a:lnSpc>
             </a:pPr>
+            <a:endParaRPr lang="en-US" sz="1463" dirty="0">
+              <a:solidFill>
+                <a:srgbClr val="025249"/>
+              </a:solidFill>
+              <a:latin typeface="Source Code Pro Medium" charset="0"/>
+              <a:ea typeface="Source Code Pro Medium" charset="0"/>
+              <a:cs typeface="Source Code Pro Medium" charset="0"/>
+            </a:endParaRPr>
+          </a:p>
+          <a:p>
+            <a:pPr>
+              <a:lnSpc>
+                <a:spcPct val="120000"/>
+              </a:lnSpc>
+            </a:pPr>
+            <a:r>
+              <a:rPr lang="en-US" sz="1463" dirty="0">
+                <a:solidFill>
+                  <a:srgbClr val="025249"/>
+                </a:solidFill>
+                <a:latin typeface="Source Code Pro Medium" charset="0"/>
+                <a:ea typeface="Source Code Pro Medium" charset="0"/>
+                <a:cs typeface="Source Code Pro Medium" charset="0"/>
+              </a:rPr>
+              <a:t>foo = "Klaus"; // OK</a:t>
+            </a:r>
+          </a:p>
+          <a:p>
+            <a:pPr>
+              <a:lnSpc>
+                <a:spcPct val="120000"/>
+              </a:lnSpc>
+            </a:pPr>
+            <a:r>
+              <a:rPr lang="en-US" sz="1463" dirty="0">
+                <a:solidFill>
+                  <a:srgbClr val="025249"/>
+                </a:solidFill>
+                <a:latin typeface="Source Code Pro Medium" charset="0"/>
+                <a:ea typeface="Source Code Pro Medium" charset="0"/>
+                <a:cs typeface="Source Code Pro Medium" charset="0"/>
+              </a:rPr>
+              <a:t>foo = 7; // OK</a:t>
+            </a:r>
+          </a:p>
+          <a:p>
+            <a:pPr>
+              <a:lnSpc>
+                <a:spcPct val="120000"/>
+              </a:lnSpc>
+            </a:pPr>
+            <a:r>
+              <a:rPr lang="en-US" sz="1463" dirty="0">
+                <a:solidFill>
+                  <a:srgbClr val="025249"/>
+                </a:solidFill>
+                <a:latin typeface="Source Code Pro Medium" charset="0"/>
+                <a:ea typeface="Source Code Pro Medium" charset="0"/>
+                <a:cs typeface="Source Code Pro Medium" charset="0"/>
+              </a:rPr>
+              <a:t>foo = null; // OK</a:t>
+            </a:r>
+          </a:p>
+          <a:p>
+            <a:pPr>
+              <a:lnSpc>
+                <a:spcPct val="120000"/>
+              </a:lnSpc>
+            </a:pPr>
             <a:endParaRPr lang="en-US" sz="1463" b="1" dirty="0">
               <a:solidFill>
                 <a:srgbClr val="EF7D1D"/>
@@ -2274,280 +2307,46 @@
                 <a:spcPct val="120000"/>
               </a:lnSpc>
             </a:pPr>
-            <a:endParaRPr lang="en-US" sz="1463" b="1" dirty="0">
-              <a:solidFill>
-                <a:srgbClr val="EF7D1D"/>
-              </a:solidFill>
-              <a:latin typeface="Source Code Pro" charset="0"/>
-              <a:ea typeface="Source Code Pro" charset="0"/>
-              <a:cs typeface="Source Code Pro" charset="0"/>
-            </a:endParaRPr>
-          </a:p>
-          <a:p>
-            <a:pPr>
-              <a:lnSpc>
-                <a:spcPct val="120000"/>
-              </a:lnSpc>
-            </a:pPr>
-            <a:r>
-              <a:rPr lang="en-US" sz="1463" b="1" dirty="0">
-                <a:solidFill>
-                  <a:srgbClr val="36544F"/>
-                </a:solidFill>
-                <a:latin typeface="Source Code Pro" charset="0"/>
-                <a:ea typeface="Source Code Pro" charset="0"/>
-                <a:cs typeface="Source Code Pro" charset="0"/>
-              </a:rPr>
-              <a:t>Functions</a:t>
-            </a:r>
-          </a:p>
-          <a:p>
-            <a:pPr>
-              <a:lnSpc>
-                <a:spcPct val="120000"/>
-              </a:lnSpc>
-            </a:pPr>
-            <a:r>
-              <a:rPr lang="en-US" sz="1463" dirty="0">
-                <a:solidFill>
-                  <a:srgbClr val="025249"/>
-                </a:solidFill>
-                <a:latin typeface="Source Code Pro" charset="0"/>
-                <a:ea typeface="Source Code Pro" charset="0"/>
-                <a:cs typeface="Source Code Pro" charset="0"/>
-              </a:rPr>
-              <a:t>function </a:t>
-            </a:r>
-            <a:r>
-              <a:rPr lang="en-US" sz="1463" dirty="0" err="1">
-                <a:solidFill>
-                  <a:srgbClr val="025249"/>
-                </a:solidFill>
-                <a:latin typeface="Source Code Pro" charset="0"/>
-                <a:ea typeface="Source Code Pro" charset="0"/>
-                <a:cs typeface="Source Code Pro" charset="0"/>
-              </a:rPr>
-              <a:t>sayIt</a:t>
-            </a:r>
-            <a:r>
-              <a:rPr lang="en-US" sz="1463" dirty="0">
-                <a:solidFill>
-                  <a:srgbClr val="025249"/>
-                </a:solidFill>
-                <a:latin typeface="Source Code Pro" charset="0"/>
-                <a:ea typeface="Source Code Pro" charset="0"/>
-                <a:cs typeface="Source Code Pro" charset="0"/>
-              </a:rPr>
-              <a:t>(what: string) {</a:t>
-            </a:r>
-          </a:p>
-          <a:p>
-            <a:pPr>
-              <a:lnSpc>
-                <a:spcPct val="120000"/>
-              </a:lnSpc>
-            </a:pPr>
-            <a:r>
-              <a:rPr lang="en-US" sz="1463" dirty="0">
-                <a:solidFill>
-                  <a:srgbClr val="025249"/>
-                </a:solidFill>
-                <a:latin typeface="Source Code Pro" charset="0"/>
-                <a:ea typeface="Source Code Pro" charset="0"/>
-                <a:cs typeface="Source Code Pro" charset="0"/>
-              </a:rPr>
-              <a:t>   return `Saying: ${what}`; </a:t>
-            </a:r>
-          </a:p>
-          <a:p>
-            <a:pPr>
-              <a:lnSpc>
-                <a:spcPct val="120000"/>
-              </a:lnSpc>
-            </a:pPr>
-            <a:r>
-              <a:rPr lang="en-US" sz="1463" dirty="0">
-                <a:solidFill>
-                  <a:srgbClr val="025249"/>
-                </a:solidFill>
-                <a:latin typeface="Source Code Pro" charset="0"/>
-                <a:ea typeface="Source Code Pro" charset="0"/>
-                <a:cs typeface="Source Code Pro" charset="0"/>
-              </a:rPr>
-              <a:t>}</a:t>
-            </a:r>
-          </a:p>
-          <a:p>
-            <a:pPr>
-              <a:lnSpc>
-                <a:spcPct val="120000"/>
-              </a:lnSpc>
-            </a:pPr>
-            <a:endParaRPr lang="en-US" sz="1463" dirty="0">
-              <a:solidFill>
-                <a:srgbClr val="025249"/>
-              </a:solidFill>
-              <a:latin typeface="Source Code Pro" charset="0"/>
-              <a:ea typeface="Source Code Pro" charset="0"/>
-              <a:cs typeface="Source Code Pro" charset="0"/>
-            </a:endParaRPr>
-          </a:p>
-          <a:p>
-            <a:pPr>
-              <a:lnSpc>
-                <a:spcPct val="120000"/>
-              </a:lnSpc>
-            </a:pPr>
-            <a:endParaRPr lang="en-US" sz="1463" dirty="0">
-              <a:solidFill>
-                <a:srgbClr val="025249"/>
-              </a:solidFill>
-              <a:latin typeface="Source Code Pro" charset="0"/>
-              <a:ea typeface="Source Code Pro" charset="0"/>
-              <a:cs typeface="Source Code Pro" charset="0"/>
-            </a:endParaRPr>
-          </a:p>
-          <a:p>
-            <a:pPr>
-              <a:lnSpc>
-                <a:spcPct val="120000"/>
-              </a:lnSpc>
-            </a:pPr>
-            <a:r>
-              <a:rPr lang="en-US" sz="1463" b="1" dirty="0">
-                <a:solidFill>
-                  <a:srgbClr val="EF7D1D"/>
-                </a:solidFill>
-                <a:latin typeface="Source Code Pro" charset="0"/>
-                <a:ea typeface="Source Code Pro" charset="0"/>
-                <a:cs typeface="Source Code Pro" charset="0"/>
-              </a:rPr>
-              <a:t>Specifying Types is optional, Types </a:t>
-            </a:r>
-            <a:r>
-              <a:rPr lang="en-US" sz="1463" b="1">
-                <a:solidFill>
-                  <a:srgbClr val="EF7D1D"/>
-                </a:solidFill>
-                <a:latin typeface="Source Code Pro" charset="0"/>
-                <a:ea typeface="Source Code Pro" charset="0"/>
-                <a:cs typeface="Source Code Pro" charset="0"/>
-              </a:rPr>
-              <a:t>will then be </a:t>
-            </a:r>
-            <a:r>
-              <a:rPr lang="en-US" sz="1463" b="1" dirty="0">
-                <a:solidFill>
-                  <a:srgbClr val="EF7D1D"/>
-                </a:solidFill>
-                <a:latin typeface="Source Code Pro" charset="0"/>
-                <a:ea typeface="Source Code Pro" charset="0"/>
-                <a:cs typeface="Source Code Pro" charset="0"/>
-              </a:rPr>
-              <a:t>inferred:</a:t>
-            </a:r>
-          </a:p>
-          <a:p>
-            <a:pPr>
-              <a:lnSpc>
-                <a:spcPct val="120000"/>
-              </a:lnSpc>
-            </a:pPr>
-            <a:r>
-              <a:rPr lang="en-US" sz="1463" dirty="0">
-                <a:solidFill>
-                  <a:srgbClr val="025249"/>
-                </a:solidFill>
-                <a:latin typeface="Source Code Pro" charset="0"/>
-                <a:ea typeface="Source Code Pro" charset="0"/>
-                <a:cs typeface="Source Code Pro" charset="0"/>
-              </a:rPr>
-              <a:t>let result = 7; inferred Type: number</a:t>
-            </a:r>
-          </a:p>
-          <a:p>
-            <a:pPr>
-              <a:lnSpc>
-                <a:spcPct val="120000"/>
-              </a:lnSpc>
-            </a:pPr>
-            <a:r>
-              <a:rPr lang="en-US" sz="1463" dirty="0">
-                <a:solidFill>
-                  <a:srgbClr val="025249"/>
-                </a:solidFill>
-                <a:latin typeface="Source Code Pro" charset="0"/>
-                <a:ea typeface="Source Code Pro" charset="0"/>
-                <a:cs typeface="Source Code Pro" charset="0"/>
-              </a:rPr>
-              <a:t>result = </a:t>
-            </a:r>
-            <a:r>
-              <a:rPr lang="en-US" sz="1463" dirty="0" err="1">
-                <a:solidFill>
-                  <a:srgbClr val="025249"/>
-                </a:solidFill>
-                <a:latin typeface="Source Code Pro" charset="0"/>
-                <a:ea typeface="Source Code Pro" charset="0"/>
-                <a:cs typeface="Source Code Pro" charset="0"/>
-              </a:rPr>
-              <a:t>sayIt</a:t>
-            </a:r>
-            <a:r>
-              <a:rPr lang="en-US" sz="1463" dirty="0">
-                <a:solidFill>
-                  <a:srgbClr val="025249"/>
-                </a:solidFill>
-                <a:latin typeface="Source Code Pro" charset="0"/>
-                <a:ea typeface="Source Code Pro" charset="0"/>
-                <a:cs typeface="Source Code Pro" charset="0"/>
-              </a:rPr>
-              <a:t>('Lars') // Error (inferred type of </a:t>
-            </a:r>
-            <a:r>
-              <a:rPr lang="en-US" sz="1463" b="1" dirty="0" err="1">
-                <a:solidFill>
-                  <a:srgbClr val="025249"/>
-                </a:solidFill>
-                <a:latin typeface="Source Code Pro" charset="0"/>
-                <a:ea typeface="Source Code Pro" charset="0"/>
-                <a:cs typeface="Source Code Pro" charset="0"/>
-              </a:rPr>
-              <a:t>sayIt</a:t>
-            </a:r>
-            <a:r>
-              <a:rPr lang="en-US" sz="1463" dirty="0">
-                <a:solidFill>
-                  <a:srgbClr val="025249"/>
-                </a:solidFill>
-                <a:latin typeface="Source Code Pro" charset="0"/>
-                <a:ea typeface="Source Code Pro" charset="0"/>
-                <a:cs typeface="Source Code Pro" charset="0"/>
-              </a:rPr>
-              <a:t>: string)</a:t>
-            </a:r>
-          </a:p>
-          <a:p>
-            <a:pPr>
-              <a:lnSpc>
-                <a:spcPct val="120000"/>
-              </a:lnSpc>
-            </a:pPr>
-            <a:endParaRPr lang="en-US" sz="1463" dirty="0">
-              <a:solidFill>
-                <a:srgbClr val="025249"/>
-              </a:solidFill>
-              <a:latin typeface="Source Code Pro Medium" charset="0"/>
-              <a:ea typeface="Source Code Pro Medium" charset="0"/>
-              <a:cs typeface="Source Code Pro Medium" charset="0"/>
-            </a:endParaRPr>
+            <a:r>
+              <a:rPr lang="en-US" sz="1600" dirty="0">
+                <a:solidFill>
+                  <a:srgbClr val="41719C"/>
+                </a:solidFill>
+                <a:latin typeface="Source Sans Pro Semibold" panose="020B0503030403020204" pitchFamily="34" charset="77"/>
+                <a:ea typeface="Source Code Pro Medium" charset="0"/>
+                <a:cs typeface="Source Code Pro Medium" charset="0"/>
+              </a:rPr>
+              <a:t>In "strict mode" </a:t>
+            </a:r>
+            <a:r>
+              <a:rPr lang="en-US" sz="1600" dirty="0" err="1">
+                <a:solidFill>
+                  <a:srgbClr val="41719C"/>
+                </a:solidFill>
+                <a:latin typeface="Source Sans Pro Semibold" panose="020B0503030403020204" pitchFamily="34" charset="77"/>
+                <a:ea typeface="Source Code Pro Medium" charset="0"/>
+                <a:cs typeface="Source Code Pro Medium" charset="0"/>
+              </a:rPr>
+              <a:t>TypeScript</a:t>
+            </a:r>
+            <a:r>
+              <a:rPr lang="en-US" sz="1600" dirty="0">
+                <a:solidFill>
+                  <a:srgbClr val="41719C"/>
+                </a:solidFill>
+                <a:latin typeface="Source Sans Pro Semibold" panose="020B0503030403020204" pitchFamily="34" charset="77"/>
+                <a:ea typeface="Source Code Pro Medium" charset="0"/>
+                <a:cs typeface="Source Code Pro Medium" charset="0"/>
+              </a:rPr>
+              <a:t> will never assign any to a type (but you can use it explicitly)</a:t>
+            </a:r>
           </a:p>
         </p:txBody>
       </p:sp>
     </p:spTree>
     <p:extLst>
       <p:ext uri="{BB962C8B-B14F-4D97-AF65-F5344CB8AC3E}">
-        <p14:creationId xmlns:p14="http://schemas.microsoft.com/office/powerpoint/2010/main" val="4186973994"/>
+        <p14:creationId xmlns:p14="http://schemas.microsoft.com/office/powerpoint/2010/main" val="731047369"/>
       </p:ext>
     </p:extLst>
   </p:cSld>
@@ -2591,11 +2390,11 @@
           <a:p>
             <a:r>
               <a:rPr lang="de-DE" dirty="0"/>
-              <a:t>Type </a:t>
+              <a:t>Union </a:t>
             </a:r>
             <a:r>
               <a:rPr lang="de-DE" dirty="0" err="1"/>
-              <a:t>annotations</a:t>
+              <a:t>Types</a:t>
             </a:r>
             <a:endParaRPr lang="de-DE" dirty="0"/>
           </a:p>
@@ -2629,6 +2428,28 @@
               </a:lnSpc>
             </a:pPr>
             <a:r>
+              <a:rPr lang="de-DE" sz="2400" b="1" dirty="0">
+                <a:solidFill>
+                  <a:srgbClr val="EF7D1D"/>
+                </a:solidFill>
+                <a:latin typeface="Source Sans Pro" charset="0"/>
+                <a:ea typeface="Source Sans Pro" charset="0"/>
+                <a:cs typeface="Source Sans Pro" charset="0"/>
+              </a:rPr>
+              <a:t>A </a:t>
+            </a:r>
+            <a:r>
+              <a:rPr lang="de-DE" sz="2400" b="1" i="1" dirty="0">
+                <a:solidFill>
+                  <a:srgbClr val="EF7D1D"/>
+                </a:solidFill>
+                <a:latin typeface="Source Sans Pro" panose="020B0503030403020204" pitchFamily="34" charset="77"/>
+                <a:ea typeface="Source Sans Pro" charset="0"/>
+                <a:cs typeface="Source Sans Pro" charset="0"/>
+              </a:rPr>
+              <a:t>Union Type </a:t>
+            </a:r>
+            <a:r>
               <a:rPr lang="de-DE" sz="2400" b="1" dirty="0" err="1">
                 <a:solidFill>
                   <a:srgbClr val="EF7D1D"/>
@@ -2637,7 +2458,7 @@
                 <a:ea typeface="Source Sans Pro" charset="0"/>
                 <a:cs typeface="Source Sans Pro" charset="0"/>
               </a:rPr>
-              <a:t>any</a:t>
+              <a:t>indicates</a:t>
             </a:r>
             <a:r>
               <a:rPr lang="de-DE" sz="2400" b="1" dirty="0">
@@ -2648,8 +2469,181 @@
                 <a:ea typeface="Source Sans Pro" charset="0"/>
                 <a:cs typeface="Source Sans Pro" charset="0"/>
               </a:rPr>
-              <a:t> Type</a:t>
-            </a:r>
+              <a:t> </a:t>
+            </a:r>
+            <a:r>
+              <a:rPr lang="de-DE" sz="2400" b="1" dirty="0" err="1">
+                <a:solidFill>
+                  <a:srgbClr val="EF7D1D"/>
+                </a:solidFill>
+                <a:latin typeface="Source Sans Pro" charset="0"/>
+                <a:ea typeface="Source Sans Pro" charset="0"/>
+                <a:cs typeface="Source Sans Pro" charset="0"/>
+              </a:rPr>
+              <a:t>that</a:t>
+            </a:r>
+            <a:r>
+              <a:rPr lang="de-DE" sz="2400" b="1" dirty="0">
+                <a:solidFill>
+                  <a:srgbClr val="EF7D1D"/>
+                </a:solidFill>
+                <a:latin typeface="Source Sans Pro" charset="0"/>
+                <a:ea typeface="Source Sans Pro" charset="0"/>
+                <a:cs typeface="Source Sans Pro" charset="0"/>
+              </a:rPr>
+              <a:t> a </a:t>
+            </a:r>
+            <a:r>
+              <a:rPr lang="de-DE" sz="2400" b="1" dirty="0" err="1">
+                <a:solidFill>
+                  <a:srgbClr val="EF7D1D"/>
+                </a:solidFill>
+                <a:latin typeface="Source Sans Pro" charset="0"/>
+                <a:ea typeface="Source Sans Pro" charset="0"/>
+                <a:cs typeface="Source Sans Pro" charset="0"/>
+              </a:rPr>
+              <a:t>value</a:t>
+            </a:r>
+            <a:r>
+              <a:rPr lang="de-DE" sz="2400" b="1" dirty="0">
+                <a:solidFill>
+                  <a:srgbClr val="EF7D1D"/>
+                </a:solidFill>
+                <a:latin typeface="Source Sans Pro" charset="0"/>
+                <a:ea typeface="Source Sans Pro" charset="0"/>
+                <a:cs typeface="Source Sans Pro" charset="0"/>
+              </a:rPr>
+              <a:t> </a:t>
+            </a:r>
+            <a:r>
+              <a:rPr lang="de-DE" sz="2400" b="1" dirty="0" err="1">
+                <a:solidFill>
+                  <a:srgbClr val="EF7D1D"/>
+                </a:solidFill>
+                <a:latin typeface="Source Sans Pro" charset="0"/>
+                <a:ea typeface="Source Sans Pro" charset="0"/>
+                <a:cs typeface="Source Sans Pro" charset="0"/>
+              </a:rPr>
+              <a:t>can</a:t>
+            </a:r>
+            <a:r>
+              <a:rPr lang="de-DE" sz="2400" b="1" dirty="0">
+                <a:solidFill>
+                  <a:srgbClr val="EF7D1D"/>
+                </a:solidFill>
+                <a:latin typeface="Source Sans Pro" charset="0"/>
+                <a:ea typeface="Source Sans Pro" charset="0"/>
+                <a:cs typeface="Source Sans Pro" charset="0"/>
+              </a:rPr>
+              <a:t> </a:t>
+            </a:r>
+            <a:r>
+              <a:rPr lang="de-DE" sz="2400" b="1" dirty="0" err="1">
+                <a:solidFill>
+                  <a:srgbClr val="EF7D1D"/>
+                </a:solidFill>
+                <a:latin typeface="Source Sans Pro" charset="0"/>
+                <a:ea typeface="Source Sans Pro" charset="0"/>
+                <a:cs typeface="Source Sans Pro" charset="0"/>
+              </a:rPr>
+              <a:t>be</a:t>
+            </a:r>
+            <a:r>
+              <a:rPr lang="de-DE" sz="2400" b="1" dirty="0">
+                <a:solidFill>
+                  <a:srgbClr val="EF7D1D"/>
+                </a:solidFill>
+                <a:latin typeface="Source Sans Pro" charset="0"/>
+                <a:ea typeface="Source Sans Pro" charset="0"/>
+                <a:cs typeface="Source Sans Pro" charset="0"/>
+              </a:rPr>
+              <a:t> </a:t>
+            </a:r>
+            <a:r>
+              <a:rPr lang="de-DE" sz="2400" b="1" dirty="0" err="1">
+                <a:solidFill>
+                  <a:srgbClr val="EF7D1D"/>
+                </a:solidFill>
+                <a:latin typeface="Source Sans Pro" charset="0"/>
+                <a:ea typeface="Source Sans Pro" charset="0"/>
+                <a:cs typeface="Source Sans Pro" charset="0"/>
+              </a:rPr>
+              <a:t>one</a:t>
+            </a:r>
+            <a:r>
+              <a:rPr lang="de-DE" sz="2400" b="1" dirty="0">
+                <a:solidFill>
+                  <a:srgbClr val="EF7D1D"/>
+                </a:solidFill>
+                <a:latin typeface="Source Sans Pro" charset="0"/>
+                <a:ea typeface="Source Sans Pro" charset="0"/>
+                <a:cs typeface="Source Sans Pro" charset="0"/>
+              </a:rPr>
+              <a:t> </a:t>
+            </a:r>
+            <a:r>
+              <a:rPr lang="de-DE" sz="2400" b="1" dirty="0" err="1">
+                <a:solidFill>
+                  <a:srgbClr val="EF7D1D"/>
+                </a:solidFill>
+                <a:latin typeface="Source Sans Pro" charset="0"/>
+                <a:ea typeface="Source Sans Pro" charset="0"/>
+                <a:cs typeface="Source Sans Pro" charset="0"/>
+              </a:rPr>
+              <a:t>of</a:t>
+            </a:r>
+            <a:r>
+              <a:rPr lang="de-DE" sz="2400" b="1" dirty="0">
+                <a:solidFill>
+                  <a:srgbClr val="EF7D1D"/>
+                </a:solidFill>
+                <a:latin typeface="Source Sans Pro" charset="0"/>
+                <a:ea typeface="Source Sans Pro" charset="0"/>
+                <a:cs typeface="Source Sans Pro" charset="0"/>
+              </a:rPr>
+              <a:t> </a:t>
+            </a:r>
+            <a:r>
+              <a:rPr lang="de-DE" sz="2400" b="1" i="1" dirty="0" err="1">
+                <a:solidFill>
+                  <a:srgbClr val="EF7D1D"/>
+                </a:solidFill>
+                <a:latin typeface="Source Sans Pro" panose="020B0503030403020204" pitchFamily="34" charset="77"/>
+                <a:ea typeface="Source Sans Pro" charset="0"/>
+                <a:cs typeface="Source Sans Pro" charset="0"/>
+              </a:rPr>
+              <a:t>several</a:t>
+            </a:r>
+            <a:r>
+              <a:rPr lang="de-DE" sz="2400" b="1" i="1" dirty="0">
+                <a:solidFill>
+                  <a:srgbClr val="EF7D1D"/>
+                </a:solidFill>
+                <a:latin typeface="Source Sans Pro" panose="020B0503030403020204" pitchFamily="34" charset="77"/>
+                <a:ea typeface="Source Sans Pro" charset="0"/>
+                <a:cs typeface="Source Sans Pro" charset="0"/>
+              </a:rPr>
+              <a:t> </a:t>
+            </a:r>
+            <a:r>
+              <a:rPr lang="de-DE" sz="2400" b="1" i="1" dirty="0" err="1">
+                <a:solidFill>
+                  <a:srgbClr val="EF7D1D"/>
+                </a:solidFill>
+                <a:latin typeface="Source Sans Pro" panose="020B0503030403020204" pitchFamily="34" charset="77"/>
+                <a:ea typeface="Source Sans Pro" charset="0"/>
+                <a:cs typeface="Source Sans Pro" charset="0"/>
+              </a:rPr>
+              <a:t>types</a:t>
+            </a:r>
+            <a:endParaRPr lang="de-DE" sz="2400" b="1" i="1" dirty="0">
+              <a:solidFill>
+                <a:srgbClr val="EF7D1D"/>
+              </a:solidFill>
+              <a:latin typeface="Source Sans Pro" panose="020B0503030403020204" pitchFamily="34" charset="77"/>
+              <a:ea typeface="Source Sans Pro" charset="0"/>
+              <a:cs typeface="Source Sans Pro" charset="0"/>
+            </a:endParaRPr>
           </a:p>
         </p:txBody>
       </p:sp>
@@ -2662,7 +2656,7 @@
         <p:spPr>
           <a:xfrm>
             <a:off x="320736" y="1929621"/>
-            <a:ext cx="9279032" cy="1916294"/>
+            <a:ext cx="9279032" cy="1890967"/>
           </a:xfrm>
           <a:prstGeom prst="rect">
             <a:avLst/>
@@ -2689,19 +2683,59 @@
                 <a:ea typeface="Source Code Pro Medium" charset="0"/>
                 <a:cs typeface="Source Code Pro Medium" charset="0"/>
               </a:rPr>
-              <a:t>let foo: any; // allow usage of all types, no </a:t>
-            </a:r>
-            <a:r>
-              <a:rPr lang="en-US" sz="1463" dirty="0" err="1">
-                <a:solidFill>
-                  <a:srgbClr val="025249"/>
-                </a:solidFill>
-                <a:latin typeface="Source Code Pro Medium" charset="0"/>
-                <a:ea typeface="Source Code Pro Medium" charset="0"/>
-                <a:cs typeface="Source Code Pro Medium" charset="0"/>
-              </a:rPr>
-              <a:t>typechecking</a:t>
-            </a:r>
+              <a:t>let foo: </a:t>
+            </a:r>
+            <a:r>
+              <a:rPr lang="en-US" sz="1463" dirty="0">
+                <a:solidFill>
+                  <a:srgbClr val="41719C"/>
+                </a:solidFill>
+                <a:latin typeface="Source Code Pro Medium" charset="0"/>
+                <a:ea typeface="Source Code Pro Medium" charset="0"/>
+                <a:cs typeface="Source Code Pro Medium" charset="0"/>
+              </a:rPr>
+              <a:t>string </a:t>
+            </a:r>
+            <a:r>
+              <a:rPr lang="en-US" sz="1463" dirty="0">
+                <a:solidFill>
+                  <a:srgbClr val="57A2C5"/>
+                </a:solidFill>
+                <a:latin typeface="Source Code Pro Medium" charset="0"/>
+                <a:ea typeface="Source Code Pro Medium" charset="0"/>
+                <a:cs typeface="Source Code Pro Medium" charset="0"/>
+              </a:rPr>
+              <a:t>|</a:t>
+            </a:r>
+            <a:r>
+              <a:rPr lang="en-US" sz="1463" dirty="0">
+                <a:solidFill>
+                  <a:srgbClr val="41719C"/>
+                </a:solidFill>
+                <a:latin typeface="Source Code Pro Medium" charset="0"/>
+                <a:ea typeface="Source Code Pro Medium" charset="0"/>
+                <a:cs typeface="Source Code Pro Medium" charset="0"/>
+              </a:rPr>
+              <a:t> number</a:t>
+            </a:r>
+            <a:r>
+              <a:rPr lang="en-US" sz="1463" dirty="0">
+                <a:solidFill>
+                  <a:srgbClr val="025249"/>
+                </a:solidFill>
+                <a:latin typeface="Source Code Pro Medium" charset="0"/>
+                <a:ea typeface="Source Code Pro Medium" charset="0"/>
+                <a:cs typeface="Source Code Pro Medium" charset="0"/>
+              </a:rPr>
+              <a:t>;</a:t>
+            </a:r>
+          </a:p>
+          <a:p>
+            <a:pPr>
+              <a:lnSpc>
+                <a:spcPct val="120000"/>
+              </a:lnSpc>
+            </a:pPr>
             <a:endParaRPr lang="en-US" sz="1463" dirty="0">
               <a:solidFill>
                 <a:srgbClr val="025249"/>
@@ -2717,6 +2751,83 @@
                 <a:spcPct val="120000"/>
               </a:lnSpc>
             </a:pPr>
+            <a:r>
+              <a:rPr lang="en-US" sz="1463" dirty="0">
+                <a:solidFill>
+                  <a:srgbClr val="025249"/>
+                </a:solidFill>
+                <a:latin typeface="Source Code Pro" panose="020B0509030403020204" pitchFamily="49" charset="0"/>
+                <a:ea typeface="Source Code Pro" panose="020B0509030403020204" pitchFamily="49" charset="0"/>
+                <a:cs typeface="Source Code Pro Medium" charset="0"/>
+              </a:rPr>
+              <a:t>foo = 7; // OK </a:t>
+            </a:r>
+          </a:p>
+          <a:p>
+            <a:pPr>
+              <a:lnSpc>
+                <a:spcPct val="120000"/>
+              </a:lnSpc>
+            </a:pPr>
+            <a:r>
+              <a:rPr lang="en-US" sz="1463" dirty="0">
+                <a:solidFill>
+                  <a:srgbClr val="025249"/>
+                </a:solidFill>
+                <a:latin typeface="Source Code Pro" panose="020B0509030403020204" pitchFamily="49" charset="0"/>
+                <a:ea typeface="Source Code Pro" panose="020B0509030403020204" pitchFamily="49" charset="0"/>
+                <a:cs typeface="Source Code Pro" charset="0"/>
+              </a:rPr>
+              <a:t>foo = "Seven"; // also OK</a:t>
+            </a:r>
+          </a:p>
+          <a:p>
+            <a:pPr>
+              <a:lnSpc>
+                <a:spcPct val="120000"/>
+              </a:lnSpc>
+            </a:pPr>
+            <a:endParaRPr lang="en-US" sz="1463" dirty="0">
+              <a:solidFill>
+                <a:srgbClr val="025249"/>
+              </a:solidFill>
+              <a:latin typeface="Source Code Pro" panose="020B0509030403020204" pitchFamily="49" charset="0"/>
+              <a:ea typeface="Source Code Pro" panose="020B0509030403020204" pitchFamily="49" charset="0"/>
+              <a:cs typeface="Source Code Pro" charset="0"/>
+            </a:endParaRPr>
+          </a:p>
+          <a:p>
+            <a:pPr>
+              <a:lnSpc>
+                <a:spcPct val="120000"/>
+              </a:lnSpc>
+            </a:pPr>
+            <a:r>
+              <a:rPr lang="en-US" sz="1463" dirty="0">
+                <a:solidFill>
+                  <a:srgbClr val="025249"/>
+                </a:solidFill>
+                <a:latin typeface="Source Code Pro" panose="020B0509030403020204" pitchFamily="49" charset="0"/>
+                <a:ea typeface="Source Code Pro" panose="020B0509030403020204" pitchFamily="49" charset="0"/>
+                <a:cs typeface="Source Code Pro" charset="0"/>
+              </a:rPr>
+              <a:t>foo = false; // ERROR</a:t>
+            </a:r>
+            <a:endParaRPr lang="en-US" sz="1463" dirty="0">
+              <a:solidFill>
+                <a:srgbClr val="EF7D1D"/>
+              </a:solidFill>
+              <a:latin typeface="Source Code Pro" panose="020B0509030403020204" pitchFamily="49" charset="0"/>
+              <a:ea typeface="Source Code Pro" panose="020B0509030403020204" pitchFamily="49" charset="0"/>
+              <a:cs typeface="Source Code Pro" charset="0"/>
+            </a:endParaRPr>
+          </a:p>
+          <a:p>
+            <a:pPr>
+              <a:lnSpc>
+                <a:spcPct val="120000"/>
+              </a:lnSpc>
+            </a:pPr>
             <a:endParaRPr lang="en-US" sz="1463" dirty="0">
               <a:solidFill>
                 <a:srgbClr val="025249"/>
@@ -2726,121 +2837,12 @@
               <a:cs typeface="Source Code Pro Medium" charset="0"/>
             </a:endParaRPr>
           </a:p>
-          <a:p>
-            <a:pPr>
-              <a:lnSpc>
-                <a:spcPct val="120000"/>
-              </a:lnSpc>
-            </a:pPr>
-            <a:r>
-              <a:rPr lang="en-US" sz="1463" dirty="0">
-                <a:solidFill>
-                  <a:srgbClr val="025249"/>
-                </a:solidFill>
-                <a:latin typeface="Source Code Pro Medium" charset="0"/>
-                <a:ea typeface="Source Code Pro Medium" charset="0"/>
-                <a:cs typeface="Source Code Pro Medium" charset="0"/>
-              </a:rPr>
-              <a:t>foo = "Klaus"; // OK</a:t>
-            </a:r>
-          </a:p>
-          <a:p>
-            <a:pPr>
-              <a:lnSpc>
-                <a:spcPct val="120000"/>
-              </a:lnSpc>
-            </a:pPr>
-            <a:r>
-              <a:rPr lang="en-US" sz="1463" dirty="0">
-                <a:solidFill>
-                  <a:srgbClr val="025249"/>
-                </a:solidFill>
-                <a:latin typeface="Source Code Pro Medium" charset="0"/>
-                <a:ea typeface="Source Code Pro Medium" charset="0"/>
-                <a:cs typeface="Source Code Pro Medium" charset="0"/>
-              </a:rPr>
-              <a:t>foo = 7; // OK</a:t>
-            </a:r>
-          </a:p>
-          <a:p>
-            <a:pPr>
-              <a:lnSpc>
-                <a:spcPct val="120000"/>
-              </a:lnSpc>
-            </a:pPr>
-            <a:r>
-              <a:rPr lang="en-US" sz="1463" dirty="0">
-                <a:solidFill>
-                  <a:srgbClr val="025249"/>
-                </a:solidFill>
-                <a:latin typeface="Source Code Pro Medium" charset="0"/>
-                <a:ea typeface="Source Code Pro Medium" charset="0"/>
-                <a:cs typeface="Source Code Pro Medium" charset="0"/>
-              </a:rPr>
-              <a:t>foo = null; // OK</a:t>
-            </a:r>
-          </a:p>
-          <a:p>
-            <a:pPr>
-              <a:lnSpc>
-                <a:spcPct val="120000"/>
-              </a:lnSpc>
-            </a:pPr>
-            <a:endParaRPr lang="en-US" sz="1463" b="1" dirty="0">
-              <a:solidFill>
-                <a:srgbClr val="EF7D1D"/>
-              </a:solidFill>
-              <a:latin typeface="Source Code Pro" charset="0"/>
-              <a:ea typeface="Source Code Pro" charset="0"/>
-              <a:cs typeface="Source Code Pro" charset="0"/>
-            </a:endParaRPr>
-          </a:p>
-          <a:p>
-            <a:pPr>
-              <a:lnSpc>
-                <a:spcPct val="120000"/>
-              </a:lnSpc>
-            </a:pPr>
-            <a:r>
-              <a:rPr lang="en-US" sz="1600" dirty="0">
-                <a:solidFill>
-                  <a:srgbClr val="41719C"/>
-                </a:solidFill>
-                <a:latin typeface="Source Sans Pro Semibold" panose="020B0503030403020204" pitchFamily="34" charset="77"/>
-                <a:ea typeface="Source Code Pro Medium" charset="0"/>
-                <a:cs typeface="Source Code Pro Medium" charset="0"/>
-              </a:rPr>
-              <a:t>In "strict mode" </a:t>
-            </a:r>
-            <a:r>
-              <a:rPr lang="en-US" sz="1600" dirty="0" err="1">
-                <a:solidFill>
-                  <a:srgbClr val="41719C"/>
-                </a:solidFill>
-                <a:latin typeface="Source Sans Pro Semibold" panose="020B0503030403020204" pitchFamily="34" charset="77"/>
-                <a:ea typeface="Source Code Pro Medium" charset="0"/>
-                <a:cs typeface="Source Code Pro Medium" charset="0"/>
-              </a:rPr>
-              <a:t>TypeScript</a:t>
-            </a:r>
-            <a:r>
-              <a:rPr lang="en-US" sz="1600" dirty="0">
-                <a:solidFill>
-                  <a:srgbClr val="41719C"/>
-                </a:solidFill>
-                <a:latin typeface="Source Sans Pro Semibold" panose="020B0503030403020204" pitchFamily="34" charset="77"/>
-                <a:ea typeface="Source Code Pro Medium" charset="0"/>
-                <a:cs typeface="Source Code Pro Medium" charset="0"/>
-              </a:rPr>
-              <a:t> will never assign any to a type (but you can use it explicitly)</a:t>
-            </a:r>
-          </a:p>
         </p:txBody>
       </p:sp>
     </p:spTree>
     <p:extLst>
       <p:ext uri="{BB962C8B-B14F-4D97-AF65-F5344CB8AC3E}">
-        <p14:creationId xmlns:p14="http://schemas.microsoft.com/office/powerpoint/2010/main" val="731047369"/>
+        <p14:creationId xmlns:p14="http://schemas.microsoft.com/office/powerpoint/2010/main" val="3395414087"/>
       </p:ext>
     </p:extLst>
   </p:cSld>
@@ -2884,11 +2886,19 @@
           <a:p>
             <a:r>
               <a:rPr lang="de-DE" dirty="0"/>
-              <a:t>Union </a:t>
+              <a:t>Null </a:t>
             </a:r>
             <a:r>
               <a:rPr lang="de-DE" dirty="0" err="1"/>
-              <a:t>Types</a:t>
+              <a:t>and</a:t>
+            </a:r>
+            <a:r>
+              <a:rPr lang="de-DE" dirty="0"/>
+              <a:t> </a:t>
+            </a:r>
+            <a:r>
+              <a:rPr lang="de-DE" dirty="0" err="1"/>
+              <a:t>undefined</a:t>
             </a:r>
             <a:endParaRPr lang="de-DE" dirty="0"/>
           </a:p>
@@ -2922,6 +2932,17 @@
               </a:lnSpc>
             </a:pPr>
             <a:r>
+              <a:rPr lang="de-DE" sz="2400" b="1" i="1" dirty="0">
+                <a:solidFill>
+                  <a:srgbClr val="EF7D1D"/>
+                </a:solidFill>
+                <a:latin typeface="Source Code Pro" panose="020B0509030403020204" pitchFamily="49" charset="0"/>
+                <a:ea typeface="Source Code Pro" panose="020B0509030403020204" pitchFamily="49" charset="0"/>
+                <a:cs typeface="Source Sans Pro" charset="0"/>
+              </a:rPr>
+              <a:t>null</a:t>
+            </a:r>
+            <a:r>
               <a:rPr lang="de-DE" sz="2400" b="1" dirty="0">
                 <a:solidFill>
                   <a:srgbClr val="EF7D1D"/>
@@ -2930,18 +2951,7 @@
                 <a:ea typeface="Source Sans Pro" charset="0"/>
                 <a:cs typeface="Source Sans Pro" charset="0"/>
               </a:rPr>
-              <a:t>A </a:t>
-            </a:r>
-            <a:r>
-              <a:rPr lang="de-DE" sz="2400" b="1" i="1" dirty="0">
-                <a:solidFill>
-                  <a:srgbClr val="EF7D1D"/>
-                </a:solidFill>
-                <a:latin typeface="Source Sans Pro" panose="020B0503030403020204" pitchFamily="34" charset="77"/>
-                <a:ea typeface="Source Sans Pro" charset="0"/>
-                <a:cs typeface="Source Sans Pro" charset="0"/>
-              </a:rPr>
-              <a:t>Union Type </a:t>
+              <a:t> </a:t>
             </a:r>
             <a:r>
               <a:rPr lang="de-DE" sz="2400" b="1" dirty="0" err="1">
@@ -2952,7 +2962,7 @@
                 <a:ea typeface="Source Sans Pro" charset="0"/>
                 <a:cs typeface="Source Sans Pro" charset="0"/>
               </a:rPr>
-              <a:t>indicates</a:t>
+              <a:t>and</a:t>
             </a:r>
             <a:r>
               <a:rPr lang="de-DE" sz="2400" b="1" dirty="0">
@@ -2966,6 +2976,28 @@
               <a:t> </a:t>
             </a:r>
             <a:r>
+              <a:rPr lang="de-DE" sz="2400" b="1" i="1" dirty="0" err="1">
+                <a:solidFill>
+                  <a:srgbClr val="EF7D1D"/>
+                </a:solidFill>
+                <a:latin typeface="Source Code Pro" panose="020B0509030403020204" pitchFamily="49" charset="0"/>
+                <a:ea typeface="Source Code Pro" panose="020B0509030403020204" pitchFamily="49" charset="0"/>
+                <a:cs typeface="Source Sans Pro" charset="0"/>
+              </a:rPr>
+              <a:t>undefined</a:t>
+            </a:r>
+            <a:r>
+              <a:rPr lang="de-DE" sz="2400" b="1" dirty="0">
+                <a:solidFill>
+                  <a:srgbClr val="EF7D1D"/>
+                </a:solidFill>
+                <a:latin typeface="Source Sans Pro" charset="0"/>
+                <a:ea typeface="Source Sans Pro" charset="0"/>
+                <a:cs typeface="Source Sans Pro" charset="0"/>
+              </a:rPr>
+              <a:t> </a:t>
+            </a:r>
+            <a:r>
               <a:rPr lang="de-DE" sz="2400" b="1" dirty="0" err="1">
                 <a:solidFill>
                   <a:srgbClr val="EF7D1D"/>
@@ -2974,7 +3006,7 @@
                 <a:ea typeface="Source Sans Pro" charset="0"/>
                 <a:cs typeface="Source Sans Pro" charset="0"/>
               </a:rPr>
-              <a:t>that</a:t>
+              <a:t>are</a:t>
             </a:r>
             <a:r>
               <a:rPr lang="de-DE" sz="2400" b="1" dirty="0">
@@ -2985,7 +3017,7 @@
                 <a:ea typeface="Source Sans Pro" charset="0"/>
                 <a:cs typeface="Source Sans Pro" charset="0"/>
               </a:rPr>
-              <a:t> a </a:t>
+              <a:t> </a:t>
             </a:r>
             <a:r>
               <a:rPr lang="de-DE" sz="2400" b="1" dirty="0" err="1">
@@ -2996,7 +3028,7 @@
                 <a:ea typeface="Source Sans Pro" charset="0"/>
                 <a:cs typeface="Source Sans Pro" charset="0"/>
               </a:rPr>
-              <a:t>value</a:t>
+              <a:t>own</a:t>
             </a:r>
             <a:r>
               <a:rPr lang="de-DE" sz="2400" b="1" dirty="0">
@@ -3018,7 +3050,7 @@
                 <a:ea typeface="Source Sans Pro" charset="0"/>
                 <a:cs typeface="Source Sans Pro" charset="0"/>
               </a:rPr>
-              <a:t>can</a:t>
+              <a:t>types</a:t>
             </a:r>
             <a:r>
               <a:rPr lang="de-DE" sz="2400" b="1" dirty="0">
@@ -3029,7 +3061,7 @@
                 <a:ea typeface="Source Sans Pro" charset="0"/>
                 <a:cs typeface="Source Sans Pro" charset="0"/>
               </a:rPr>
-              <a:t> </a:t>
+              <a:t> in </a:t>
             </a:r>
             <a:r>
               <a:rPr lang="de-DE" sz="2400" b="1" dirty="0" err="1">
@@ -3040,95 +3072,7 @@
                 <a:ea typeface="Source Sans Pro" charset="0"/>
                 <a:cs typeface="Source Sans Pro" charset="0"/>
               </a:rPr>
-              <a:t>be</a:t>
-            </a:r>
-            <a:r>
-              <a:rPr lang="de-DE" sz="2400" b="1" dirty="0">
-                <a:solidFill>
-                  <a:srgbClr val="EF7D1D"/>
-                </a:solidFill>
-                <a:latin typeface="Source Sans Pro" charset="0"/>
-                <a:ea typeface="Source Sans Pro" charset="0"/>
-                <a:cs typeface="Source Sans Pro" charset="0"/>
-              </a:rPr>
-              <a:t> </a:t>
-            </a:r>
-            <a:r>
-              <a:rPr lang="de-DE" sz="2400" b="1" dirty="0" err="1">
-                <a:solidFill>
-                  <a:srgbClr val="EF7D1D"/>
-                </a:solidFill>
-                <a:latin typeface="Source Sans Pro" charset="0"/>
-                <a:ea typeface="Source Sans Pro" charset="0"/>
-                <a:cs typeface="Source Sans Pro" charset="0"/>
-              </a:rPr>
-              <a:t>one</a:t>
-            </a:r>
-            <a:r>
-              <a:rPr lang="de-DE" sz="2400" b="1" dirty="0">
-                <a:solidFill>
-                  <a:srgbClr val="EF7D1D"/>
-                </a:solidFill>
-                <a:latin typeface="Source Sans Pro" charset="0"/>
-                <a:ea typeface="Source Sans Pro" charset="0"/>
-                <a:cs typeface="Source Sans Pro" charset="0"/>
-              </a:rPr>
-              <a:t> </a:t>
-            </a:r>
-            <a:r>
-              <a:rPr lang="de-DE" sz="2400" b="1" dirty="0" err="1">
-                <a:solidFill>
-                  <a:srgbClr val="EF7D1D"/>
-                </a:solidFill>
-                <a:latin typeface="Source Sans Pro" charset="0"/>
-                <a:ea typeface="Source Sans Pro" charset="0"/>
-                <a:cs typeface="Source Sans Pro" charset="0"/>
-              </a:rPr>
-              <a:t>of</a:t>
-            </a:r>
-            <a:r>
-              <a:rPr lang="de-DE" sz="2400" b="1" dirty="0">
-                <a:solidFill>
-                  <a:srgbClr val="EF7D1D"/>
-                </a:solidFill>
-                <a:latin typeface="Source Sans Pro" charset="0"/>
-                <a:ea typeface="Source Sans Pro" charset="0"/>
-                <a:cs typeface="Source Sans Pro" charset="0"/>
-              </a:rPr>
-              <a:t> </a:t>
-            </a:r>
-            <a:r>
-              <a:rPr lang="de-DE" sz="2400" b="1" i="1" dirty="0" err="1">
-                <a:solidFill>
-                  <a:srgbClr val="EF7D1D"/>
-                </a:solidFill>
-                <a:latin typeface="Source Sans Pro" panose="020B0503030403020204" pitchFamily="34" charset="77"/>
-                <a:ea typeface="Source Sans Pro" charset="0"/>
-                <a:cs typeface="Source Sans Pro" charset="0"/>
-              </a:rPr>
-              <a:t>several</a:t>
-            </a:r>
-            <a:r>
-              <a:rPr lang="de-DE" sz="2400" b="1" i="1" dirty="0">
-                <a:solidFill>
-                  <a:srgbClr val="EF7D1D"/>
-                </a:solidFill>
-                <a:latin typeface="Source Sans Pro" panose="020B0503030403020204" pitchFamily="34" charset="77"/>
-                <a:ea typeface="Source Sans Pro" charset="0"/>
-                <a:cs typeface="Source Sans Pro" charset="0"/>
-              </a:rPr>
-              <a:t> </a:t>
-            </a:r>
-            <a:r>
-              <a:rPr lang="de-DE" sz="2400" b="1" i="1" dirty="0" err="1">
-                <a:solidFill>
-                  <a:srgbClr val="EF7D1D"/>
-                </a:solidFill>
-                <a:latin typeface="Source Sans Pro" panose="020B0503030403020204" pitchFamily="34" charset="77"/>
-                <a:ea typeface="Source Sans Pro" charset="0"/>
-                <a:cs typeface="Source Sans Pro" charset="0"/>
-              </a:rPr>
-              <a:t>types</a:t>
+              <a:t>TypeScript</a:t>
             </a:r>
             <a:endParaRPr lang="de-DE" sz="2400" b="1" i="1" dirty="0">
               <a:solidFill>
@@ -3150,7 +3094,7 @@
         <p:spPr>
           <a:xfrm>
             <a:off x="320736" y="1929621"/>
-            <a:ext cx="9279032" cy="1890967"/>
+            <a:ext cx="9279032" cy="4081117"/>
           </a:xfrm>
           <a:prstGeom prst="rect">
             <a:avLst/>
@@ -3163,180 +3107,653 @@
           </a:bodyPr>
           <a:lstStyle/>
           <a:p>
-            <a:pPr>
-              <a:lnSpc>
-                <a:spcPct val="120000"/>
-              </a:lnSpc>
-            </a:pPr>
-            <a:r>
-              <a:rPr lang="en-US" sz="1463" dirty="0">
-                <a:solidFill>
-                  <a:srgbClr val="025249"/>
-                </a:solidFill>
-                <a:latin typeface="Source Code Pro Medium" charset="0"/>
-                <a:ea typeface="Source Code Pro Medium" charset="0"/>
-                <a:cs typeface="Source Code Pro Medium" charset="0"/>
-              </a:rPr>
-              <a:t>let foo: </a:t>
-            </a:r>
-            <a:r>
-              <a:rPr lang="en-US" sz="1463" dirty="0">
-                <a:solidFill>
-                  <a:srgbClr val="41719C"/>
-                </a:solidFill>
-                <a:latin typeface="Source Code Pro Medium" charset="0"/>
-                <a:ea typeface="Source Code Pro Medium" charset="0"/>
-                <a:cs typeface="Source Code Pro Medium" charset="0"/>
-              </a:rPr>
-              <a:t>string </a:t>
-            </a:r>
-            <a:r>
-              <a:rPr lang="en-US" sz="1463" dirty="0">
-                <a:solidFill>
-                  <a:srgbClr val="57A2C5"/>
-                </a:solidFill>
-                <a:latin typeface="Source Code Pro Medium" charset="0"/>
-                <a:ea typeface="Source Code Pro Medium" charset="0"/>
-                <a:cs typeface="Source Code Pro Medium" charset="0"/>
-              </a:rPr>
-              <a:t>|</a:t>
-            </a:r>
-            <a:r>
-              <a:rPr lang="en-US" sz="1463" dirty="0">
-                <a:solidFill>
-                  <a:srgbClr val="41719C"/>
-                </a:solidFill>
-                <a:latin typeface="Source Code Pro Medium" charset="0"/>
-                <a:ea typeface="Source Code Pro Medium" charset="0"/>
-                <a:cs typeface="Source Code Pro Medium" charset="0"/>
-              </a:rPr>
-              <a:t> number</a:t>
-            </a:r>
-            <a:r>
-              <a:rPr lang="en-US" sz="1463" dirty="0">
-                <a:solidFill>
-                  <a:srgbClr val="025249"/>
-                </a:solidFill>
-                <a:latin typeface="Source Code Pro Medium" charset="0"/>
-                <a:ea typeface="Source Code Pro Medium" charset="0"/>
-                <a:cs typeface="Source Code Pro Medium" charset="0"/>
-              </a:rPr>
-              <a:t>;</a:t>
-            </a:r>
-          </a:p>
-          <a:p>
-            <a:pPr>
-              <a:lnSpc>
-                <a:spcPct val="120000"/>
-              </a:lnSpc>
-            </a:pPr>
-            <a:endParaRPr lang="en-US" sz="1463" dirty="0">
+            <a:pPr marL="285750" indent="-285750">
+              <a:lnSpc>
+                <a:spcPct val="130000"/>
+              </a:lnSpc>
+              <a:buFont typeface="Arial" charset="0"/>
+              <a:buChar char="•"/>
+            </a:pPr>
+            <a:r>
+              <a:rPr lang="de-DE" sz="2000" dirty="0" err="1">
+                <a:solidFill>
+                  <a:srgbClr val="025249"/>
+                </a:solidFill>
+                <a:latin typeface="Source Sans Pro" charset="0"/>
+                <a:ea typeface="Source Sans Pro" charset="0"/>
+                <a:cs typeface="Source Sans Pro" charset="0"/>
+              </a:rPr>
+              <a:t>Types</a:t>
+            </a:r>
+            <a:r>
+              <a:rPr lang="de-DE" sz="2000" dirty="0">
+                <a:solidFill>
+                  <a:srgbClr val="025249"/>
+                </a:solidFill>
+                <a:latin typeface="Source Sans Pro" charset="0"/>
+                <a:ea typeface="Source Sans Pro" charset="0"/>
+                <a:cs typeface="Source Sans Pro" charset="0"/>
+              </a:rPr>
+              <a:t> </a:t>
+            </a:r>
+            <a:r>
+              <a:rPr lang="de-DE" sz="2000" dirty="0" err="1">
+                <a:solidFill>
+                  <a:srgbClr val="025249"/>
+                </a:solidFill>
+                <a:latin typeface="Source Sans Pro" charset="0"/>
+                <a:ea typeface="Source Sans Pro" charset="0"/>
+                <a:cs typeface="Source Sans Pro" charset="0"/>
+              </a:rPr>
+              <a:t>are</a:t>
+            </a:r>
+            <a:r>
+              <a:rPr lang="de-DE" sz="2000" dirty="0">
+                <a:solidFill>
+                  <a:srgbClr val="025249"/>
+                </a:solidFill>
+                <a:latin typeface="Source Sans Pro" charset="0"/>
+                <a:ea typeface="Source Sans Pro" charset="0"/>
+                <a:cs typeface="Source Sans Pro" charset="0"/>
+              </a:rPr>
+              <a:t> not </a:t>
+            </a:r>
+            <a:r>
+              <a:rPr lang="de-DE" sz="2000" dirty="0" err="1">
+                <a:solidFill>
+                  <a:srgbClr val="025249"/>
+                </a:solidFill>
+                <a:latin typeface="Source Sans Pro" charset="0"/>
+                <a:ea typeface="Source Sans Pro" charset="0"/>
+                <a:cs typeface="Source Sans Pro" charset="0"/>
+              </a:rPr>
+              <a:t>nullable</a:t>
+            </a:r>
+            <a:r>
+              <a:rPr lang="de-DE" sz="2000" dirty="0">
+                <a:solidFill>
+                  <a:srgbClr val="025249"/>
+                </a:solidFill>
+                <a:latin typeface="Source Sans Pro" charset="0"/>
+                <a:ea typeface="Source Sans Pro" charset="0"/>
+                <a:cs typeface="Source Sans Pro" charset="0"/>
+              </a:rPr>
+              <a:t> </a:t>
+            </a:r>
+            <a:r>
+              <a:rPr lang="de-DE" sz="2000" dirty="0" err="1">
+                <a:solidFill>
+                  <a:srgbClr val="025249"/>
+                </a:solidFill>
+                <a:latin typeface="Source Sans Pro" charset="0"/>
+                <a:ea typeface="Source Sans Pro" charset="0"/>
+                <a:cs typeface="Source Sans Pro" charset="0"/>
+              </a:rPr>
+              <a:t>and</a:t>
+            </a:r>
+            <a:r>
+              <a:rPr lang="de-DE" sz="2000" dirty="0">
+                <a:solidFill>
+                  <a:srgbClr val="025249"/>
+                </a:solidFill>
+                <a:latin typeface="Source Sans Pro" charset="0"/>
+                <a:ea typeface="Source Sans Pro" charset="0"/>
+                <a:cs typeface="Source Sans Pro" charset="0"/>
+              </a:rPr>
+              <a:t> </a:t>
+            </a:r>
+            <a:r>
+              <a:rPr lang="de-DE" sz="2000" dirty="0" err="1">
+                <a:solidFill>
+                  <a:srgbClr val="025249"/>
+                </a:solidFill>
+                <a:latin typeface="Source Sans Pro" charset="0"/>
+                <a:ea typeface="Source Sans Pro" charset="0"/>
+                <a:cs typeface="Source Sans Pro" charset="0"/>
+              </a:rPr>
+              <a:t>cannot</a:t>
+            </a:r>
+            <a:r>
+              <a:rPr lang="de-DE" sz="2000" dirty="0">
+                <a:solidFill>
+                  <a:srgbClr val="025249"/>
+                </a:solidFill>
+                <a:latin typeface="Source Sans Pro" charset="0"/>
+                <a:ea typeface="Source Sans Pro" charset="0"/>
+                <a:cs typeface="Source Sans Pro" charset="0"/>
+              </a:rPr>
+              <a:t> </a:t>
+            </a:r>
+            <a:r>
+              <a:rPr lang="de-DE" sz="2000" dirty="0" err="1">
+                <a:solidFill>
+                  <a:srgbClr val="025249"/>
+                </a:solidFill>
+                <a:latin typeface="Source Sans Pro" charset="0"/>
+                <a:ea typeface="Source Sans Pro" charset="0"/>
+                <a:cs typeface="Source Sans Pro" charset="0"/>
+              </a:rPr>
+              <a:t>be</a:t>
+            </a:r>
+            <a:r>
+              <a:rPr lang="de-DE" sz="2000" dirty="0">
+                <a:solidFill>
+                  <a:srgbClr val="025249"/>
+                </a:solidFill>
+                <a:latin typeface="Source Sans Pro" charset="0"/>
+                <a:ea typeface="Source Sans Pro" charset="0"/>
+                <a:cs typeface="Source Sans Pro" charset="0"/>
+              </a:rPr>
+              <a:t> </a:t>
+            </a:r>
+            <a:r>
+              <a:rPr lang="de-DE" sz="2000" dirty="0" err="1">
+                <a:solidFill>
+                  <a:srgbClr val="025249"/>
+                </a:solidFill>
+                <a:latin typeface="Source Sans Pro" charset="0"/>
+                <a:ea typeface="Source Sans Pro" charset="0"/>
+                <a:cs typeface="Source Sans Pro" charset="0"/>
+              </a:rPr>
+              <a:t>undefined</a:t>
+            </a:r>
+            <a:r>
+              <a:rPr lang="de-DE" sz="2000" dirty="0">
+                <a:solidFill>
+                  <a:srgbClr val="025249"/>
+                </a:solidFill>
+                <a:latin typeface="Source Sans Pro" charset="0"/>
+                <a:ea typeface="Source Sans Pro" charset="0"/>
+                <a:cs typeface="Source Sans Pro" charset="0"/>
+              </a:rPr>
+              <a:t> (</a:t>
+            </a:r>
+            <a:r>
+              <a:rPr lang="de-DE" sz="2000" dirty="0" err="1">
+                <a:solidFill>
+                  <a:srgbClr val="025249"/>
+                </a:solidFill>
+                <a:latin typeface="Source Sans Pro" charset="0"/>
+                <a:ea typeface="Source Sans Pro" charset="0"/>
+                <a:cs typeface="Source Sans Pro" charset="0"/>
+              </a:rPr>
+              <a:t>with</a:t>
+            </a:r>
+            <a:r>
+              <a:rPr lang="de-DE" sz="2000" dirty="0">
+                <a:solidFill>
+                  <a:srgbClr val="025249"/>
+                </a:solidFill>
+                <a:latin typeface="Source Sans Pro" charset="0"/>
+                <a:ea typeface="Source Sans Pro" charset="0"/>
+                <a:cs typeface="Source Sans Pro" charset="0"/>
+              </a:rPr>
+              <a:t> "</a:t>
+            </a:r>
+            <a:r>
+              <a:rPr lang="de-DE" sz="2000" dirty="0" err="1">
+                <a:solidFill>
+                  <a:srgbClr val="025249"/>
+                </a:solidFill>
+                <a:latin typeface="Source Sans Pro" charset="0"/>
+                <a:ea typeface="Source Sans Pro" charset="0"/>
+                <a:cs typeface="Source Sans Pro" charset="0"/>
+              </a:rPr>
+              <a:t>strictNullChecks</a:t>
+            </a:r>
+            <a:r>
+              <a:rPr lang="de-DE" sz="2000" dirty="0">
+                <a:solidFill>
+                  <a:srgbClr val="025249"/>
+                </a:solidFill>
+                <a:latin typeface="Source Sans Pro" charset="0"/>
+                <a:ea typeface="Source Sans Pro" charset="0"/>
+                <a:cs typeface="Source Sans Pro" charset="0"/>
+              </a:rPr>
+              <a:t>")</a:t>
+            </a:r>
+          </a:p>
+          <a:p>
+            <a:pPr>
+              <a:lnSpc>
+                <a:spcPct val="130000"/>
+              </a:lnSpc>
+            </a:pPr>
+            <a:endParaRPr lang="de-DE" sz="2000" dirty="0">
               <a:solidFill>
                 <a:srgbClr val="025249"/>
               </a:solidFill>
-              <a:latin typeface="Source Code Pro Medium" charset="0"/>
-              <a:ea typeface="Source Code Pro Medium" charset="0"/>
-              <a:cs typeface="Source Code Pro Medium" charset="0"/>
+              <a:latin typeface="Source Sans Pro" charset="0"/>
+              <a:ea typeface="Source Sans Pro" charset="0"/>
+              <a:cs typeface="Source Sans Pro" charset="0"/>
             </a:endParaRPr>
           </a:p>
           <a:p>
             <a:pPr>
               <a:lnSpc>
-                <a:spcPct val="120000"/>
-              </a:lnSpc>
-            </a:pPr>
-            <a:r>
-              <a:rPr lang="en-US" sz="1463" dirty="0">
+                <a:spcPct val="130000"/>
+              </a:lnSpc>
+            </a:pPr>
+            <a:r>
+              <a:rPr lang="de-DE" sz="1600" dirty="0" err="1">
                 <a:solidFill>
                   <a:srgbClr val="025249"/>
                 </a:solidFill>
                 <a:latin typeface="Source Code Pro" panose="020B0509030403020204" pitchFamily="49" charset="0"/>
                 <a:ea typeface="Source Code Pro" panose="020B0509030403020204" pitchFamily="49" charset="0"/>
-                <a:cs typeface="Source Code Pro Medium" charset="0"/>
-              </a:rPr>
-              <a:t>foo = 7; // OK </a:t>
-            </a:r>
-          </a:p>
-          <a:p>
-            <a:pPr>
-              <a:lnSpc>
-                <a:spcPct val="120000"/>
-              </a:lnSpc>
-            </a:pPr>
-            <a:r>
-              <a:rPr lang="en-US" sz="1463" dirty="0">
+                <a:cs typeface="Source Sans Pro" charset="0"/>
+              </a:rPr>
+              <a:t>let</a:t>
+            </a:r>
+            <a:r>
+              <a:rPr lang="de-DE" sz="1600" dirty="0">
                 <a:solidFill>
                   <a:srgbClr val="025249"/>
                 </a:solidFill>
                 <a:latin typeface="Source Code Pro" panose="020B0509030403020204" pitchFamily="49" charset="0"/>
                 <a:ea typeface="Source Code Pro" panose="020B0509030403020204" pitchFamily="49" charset="0"/>
-                <a:cs typeface="Source Code Pro" charset="0"/>
-              </a:rPr>
-              <a:t>foo = "Seven"; // also OK</a:t>
-            </a:r>
-          </a:p>
-          <a:p>
-            <a:pPr>
-              <a:lnSpc>
-                <a:spcPct val="120000"/>
-              </a:lnSpc>
-            </a:pPr>
-            <a:endParaRPr lang="en-US" sz="1463" dirty="0">
+                <a:cs typeface="Source Sans Pro" charset="0"/>
+              </a:rPr>
+              <a:t> a: </a:t>
+            </a:r>
+            <a:r>
+              <a:rPr lang="de-DE" sz="1600" dirty="0" err="1">
+                <a:solidFill>
+                  <a:srgbClr val="025249"/>
+                </a:solidFill>
+                <a:latin typeface="Source Code Pro" panose="020B0509030403020204" pitchFamily="49" charset="0"/>
+                <a:ea typeface="Source Code Pro" panose="020B0509030403020204" pitchFamily="49" charset="0"/>
+                <a:cs typeface="Source Sans Pro" charset="0"/>
+              </a:rPr>
+              <a:t>string</a:t>
+            </a:r>
+            <a:r>
+              <a:rPr lang="de-DE" sz="1600" dirty="0">
+                <a:solidFill>
+                  <a:srgbClr val="025249"/>
+                </a:solidFill>
+                <a:latin typeface="Source Code Pro" panose="020B0509030403020204" pitchFamily="49" charset="0"/>
+                <a:ea typeface="Source Code Pro" panose="020B0509030403020204" pitchFamily="49" charset="0"/>
+                <a:cs typeface="Source Sans Pro" charset="0"/>
+              </a:rPr>
+              <a:t> = "Klaus";</a:t>
+            </a:r>
+          </a:p>
+          <a:p>
+            <a:pPr>
+              <a:lnSpc>
+                <a:spcPct val="130000"/>
+              </a:lnSpc>
+            </a:pPr>
+            <a:r>
+              <a:rPr lang="de-DE" sz="1600" dirty="0">
+                <a:solidFill>
+                  <a:srgbClr val="025249"/>
+                </a:solidFill>
+                <a:latin typeface="Source Code Pro" panose="020B0509030403020204" pitchFamily="49" charset="0"/>
+                <a:ea typeface="Source Code Pro" panose="020B0509030403020204" pitchFamily="49" charset="0"/>
+                <a:cs typeface="Source Sans Pro" charset="0"/>
+              </a:rPr>
+              <a:t>a = null; // Error</a:t>
+            </a:r>
+          </a:p>
+          <a:p>
+            <a:pPr>
+              <a:lnSpc>
+                <a:spcPct val="130000"/>
+              </a:lnSpc>
+            </a:pPr>
+            <a:endParaRPr lang="de-DE" sz="2000" dirty="0">
               <a:solidFill>
                 <a:srgbClr val="025249"/>
               </a:solidFill>
-              <a:latin typeface="Source Code Pro" panose="020B0509030403020204" pitchFamily="49" charset="0"/>
-              <a:ea typeface="Source Code Pro" panose="020B0509030403020204" pitchFamily="49" charset="0"/>
-              <a:cs typeface="Source Code Pro" charset="0"/>
+              <a:latin typeface="Source Sans Pro" charset="0"/>
+              <a:ea typeface="Source Sans Pro" charset="0"/>
+              <a:cs typeface="Source Sans Pro" charset="0"/>
             </a:endParaRPr>
           </a:p>
           <a:p>
             <a:pPr>
               <a:lnSpc>
-                <a:spcPct val="120000"/>
-              </a:lnSpc>
-            </a:pPr>
-            <a:r>
-              <a:rPr lang="en-US" sz="1463" dirty="0">
+                <a:spcPct val="130000"/>
+              </a:lnSpc>
+            </a:pPr>
+            <a:r>
+              <a:rPr lang="de-DE" sz="2000" dirty="0" err="1">
+                <a:solidFill>
+                  <a:srgbClr val="41719C"/>
+                </a:solidFill>
+                <a:latin typeface="Source Sans Pro" panose="020B0503030403020204" pitchFamily="34" charset="77"/>
+                <a:ea typeface="Source Sans Pro" charset="0"/>
+                <a:cs typeface="Source Sans Pro" charset="0"/>
+              </a:rPr>
+              <a:t>Use</a:t>
+            </a:r>
+            <a:r>
+              <a:rPr lang="de-DE" sz="2000" dirty="0">
+                <a:solidFill>
+                  <a:srgbClr val="41719C"/>
+                </a:solidFill>
+                <a:latin typeface="Source Sans Pro" panose="020B0503030403020204" pitchFamily="34" charset="77"/>
+                <a:ea typeface="Source Sans Pro" charset="0"/>
+                <a:cs typeface="Source Sans Pro" charset="0"/>
+              </a:rPr>
+              <a:t> </a:t>
+            </a:r>
+            <a:r>
+              <a:rPr lang="de-DE" sz="2000" dirty="0" err="1">
+                <a:solidFill>
+                  <a:srgbClr val="41719C"/>
+                </a:solidFill>
+                <a:latin typeface="Source Sans Pro" panose="020B0503030403020204" pitchFamily="34" charset="77"/>
+                <a:ea typeface="Source Sans Pro" charset="0"/>
+                <a:cs typeface="Source Sans Pro" charset="0"/>
+              </a:rPr>
+              <a:t>union</a:t>
+            </a:r>
+            <a:r>
+              <a:rPr lang="de-DE" sz="2000" dirty="0">
+                <a:solidFill>
+                  <a:srgbClr val="41719C"/>
+                </a:solidFill>
+                <a:latin typeface="Source Sans Pro" panose="020B0503030403020204" pitchFamily="34" charset="77"/>
+                <a:ea typeface="Source Sans Pro" charset="0"/>
+                <a:cs typeface="Source Sans Pro" charset="0"/>
+              </a:rPr>
+              <a:t> type </a:t>
+            </a:r>
+            <a:r>
+              <a:rPr lang="de-DE" sz="2000" dirty="0" err="1">
+                <a:solidFill>
+                  <a:srgbClr val="41719C"/>
+                </a:solidFill>
+                <a:latin typeface="Source Sans Pro" panose="020B0503030403020204" pitchFamily="34" charset="77"/>
+                <a:ea typeface="Source Sans Pro" charset="0"/>
+                <a:cs typeface="Source Sans Pro" charset="0"/>
+              </a:rPr>
+              <a:t>to</a:t>
+            </a:r>
+            <a:r>
+              <a:rPr lang="de-DE" sz="2000" dirty="0">
+                <a:solidFill>
+                  <a:srgbClr val="41719C"/>
+                </a:solidFill>
+                <a:latin typeface="Source Sans Pro" panose="020B0503030403020204" pitchFamily="34" charset="77"/>
+                <a:ea typeface="Source Sans Pro" charset="0"/>
+                <a:cs typeface="Source Sans Pro" charset="0"/>
+              </a:rPr>
+              <a:t> </a:t>
+            </a:r>
+            <a:r>
+              <a:rPr lang="de-DE" sz="2000" dirty="0" err="1">
+                <a:solidFill>
+                  <a:srgbClr val="41719C"/>
+                </a:solidFill>
+                <a:latin typeface="Source Sans Pro" panose="020B0503030403020204" pitchFamily="34" charset="77"/>
+                <a:ea typeface="Source Sans Pro" charset="0"/>
+                <a:cs typeface="Source Sans Pro" charset="0"/>
+              </a:rPr>
+              <a:t>allow</a:t>
+            </a:r>
+            <a:r>
+              <a:rPr lang="de-DE" sz="2000" dirty="0">
+                <a:solidFill>
+                  <a:srgbClr val="41719C"/>
+                </a:solidFill>
+                <a:latin typeface="Source Sans Pro" panose="020B0503030403020204" pitchFamily="34" charset="77"/>
+                <a:ea typeface="Source Sans Pro" charset="0"/>
+                <a:cs typeface="Source Sans Pro" charset="0"/>
+              </a:rPr>
+              <a:t> </a:t>
+            </a:r>
+            <a:r>
+              <a:rPr lang="de-DE" sz="2000" dirty="0">
+                <a:solidFill>
+                  <a:srgbClr val="41719C"/>
+                </a:solidFill>
+                <a:latin typeface="Source Sans Pro" panose="020B0503030403020204" pitchFamily="34" charset="77"/>
+                <a:ea typeface="Source Code Pro" panose="020B0509030403020204" pitchFamily="49" charset="0"/>
+                <a:cs typeface="Source Sans Pro" charset="0"/>
+              </a:rPr>
+              <a:t>null</a:t>
+            </a:r>
+            <a:r>
+              <a:rPr lang="de-DE" sz="2000" dirty="0">
+                <a:solidFill>
+                  <a:srgbClr val="41719C"/>
+                </a:solidFill>
+                <a:latin typeface="Source Sans Pro" panose="020B0503030403020204" pitchFamily="34" charset="77"/>
+                <a:ea typeface="Source Sans Pro" charset="0"/>
+                <a:cs typeface="Source Sans Pro" charset="0"/>
+              </a:rPr>
+              <a:t>:</a:t>
+            </a:r>
+          </a:p>
+          <a:p>
+            <a:pPr>
+              <a:lnSpc>
+                <a:spcPct val="130000"/>
+              </a:lnSpc>
+            </a:pPr>
+            <a:r>
+              <a:rPr lang="de-DE" sz="1600" dirty="0" err="1">
                 <a:solidFill>
                   <a:srgbClr val="025249"/>
                 </a:solidFill>
                 <a:latin typeface="Source Code Pro" panose="020B0509030403020204" pitchFamily="49" charset="0"/>
                 <a:ea typeface="Source Code Pro" panose="020B0509030403020204" pitchFamily="49" charset="0"/>
-                <a:cs typeface="Source Code Pro" charset="0"/>
-              </a:rPr>
-              <a:t>foo = false; // ERROR</a:t>
-            </a:r>
-            <a:endParaRPr lang="en-US" sz="1463" dirty="0">
-              <a:solidFill>
-                <a:srgbClr val="EF7D1D"/>
-              </a:solidFill>
-              <a:latin typeface="Source Code Pro" panose="020B0509030403020204" pitchFamily="49" charset="0"/>
-              <a:ea typeface="Source Code Pro" panose="020B0509030403020204" pitchFamily="49" charset="0"/>
-              <a:cs typeface="Source Code Pro" charset="0"/>
-            </a:endParaRPr>
-          </a:p>
-          <a:p>
-            <a:pPr>
-              <a:lnSpc>
-                <a:spcPct val="120000"/>
-              </a:lnSpc>
-            </a:pPr>
-            <a:endParaRPr lang="en-US" sz="1463" dirty="0">
+                <a:cs typeface="Source Sans Pro" charset="0"/>
+              </a:rPr>
+              <a:t>let</a:t>
+            </a:r>
+            <a:r>
+              <a:rPr lang="de-DE" sz="1600" dirty="0">
+                <a:solidFill>
+                  <a:srgbClr val="025249"/>
+                </a:solidFill>
+                <a:latin typeface="Source Code Pro" panose="020B0509030403020204" pitchFamily="49" charset="0"/>
+                <a:ea typeface="Source Code Pro" panose="020B0509030403020204" pitchFamily="49" charset="0"/>
+                <a:cs typeface="Source Sans Pro" charset="0"/>
+              </a:rPr>
+              <a:t> a: </a:t>
+            </a:r>
+            <a:r>
+              <a:rPr lang="de-DE" sz="1600" dirty="0" err="1">
+                <a:solidFill>
+                  <a:srgbClr val="025249"/>
+                </a:solidFill>
+                <a:latin typeface="Source Code Pro" panose="020B0509030403020204" pitchFamily="49" charset="0"/>
+                <a:ea typeface="Source Code Pro" panose="020B0509030403020204" pitchFamily="49" charset="0"/>
+                <a:cs typeface="Source Sans Pro" charset="0"/>
+              </a:rPr>
+              <a:t>string</a:t>
+            </a:r>
+            <a:r>
+              <a:rPr lang="de-DE" sz="1600" dirty="0">
+                <a:solidFill>
+                  <a:srgbClr val="025249"/>
+                </a:solidFill>
+                <a:latin typeface="Source Code Pro" panose="020B0509030403020204" pitchFamily="49" charset="0"/>
+                <a:ea typeface="Source Code Pro" panose="020B0509030403020204" pitchFamily="49" charset="0"/>
+                <a:cs typeface="Source Sans Pro" charset="0"/>
+              </a:rPr>
+              <a:t> | null = "Klaus;</a:t>
+            </a:r>
+          </a:p>
+          <a:p>
+            <a:pPr>
+              <a:lnSpc>
+                <a:spcPct val="130000"/>
+              </a:lnSpc>
+            </a:pPr>
+            <a:r>
+              <a:rPr lang="de-DE" sz="1600" dirty="0">
+                <a:solidFill>
+                  <a:srgbClr val="025249"/>
+                </a:solidFill>
+                <a:latin typeface="Source Code Pro" panose="020B0509030403020204" pitchFamily="49" charset="0"/>
+                <a:ea typeface="Source Code Pro" panose="020B0509030403020204" pitchFamily="49" charset="0"/>
+                <a:cs typeface="Source Sans Pro" charset="0"/>
+              </a:rPr>
+              <a:t>a = null; // OK</a:t>
+            </a:r>
+          </a:p>
+          <a:p>
+            <a:pPr>
+              <a:lnSpc>
+                <a:spcPct val="130000"/>
+              </a:lnSpc>
+            </a:pPr>
+            <a:endParaRPr lang="de-DE" sz="2000" dirty="0">
               <a:solidFill>
                 <a:srgbClr val="025249"/>
               </a:solidFill>
-              <a:latin typeface="Source Code Pro Medium" charset="0"/>
-              <a:ea typeface="Source Code Pro Medium" charset="0"/>
-              <a:cs typeface="Source Code Pro Medium" charset="0"/>
+              <a:latin typeface="Source Sans Pro" charset="0"/>
+              <a:ea typeface="Source Sans Pro" charset="0"/>
+              <a:cs typeface="Source Sans Pro" charset="0"/>
             </a:endParaRPr>
+          </a:p>
+          <a:p>
+            <a:pPr>
+              <a:lnSpc>
+                <a:spcPct val="130000"/>
+              </a:lnSpc>
+            </a:pPr>
+            <a:r>
+              <a:rPr lang="de-DE" sz="2000" dirty="0">
+                <a:solidFill>
+                  <a:srgbClr val="41719C"/>
+                </a:solidFill>
+                <a:latin typeface="Source Sans Pro" panose="020B0503030403020204" pitchFamily="34" charset="77"/>
+                <a:ea typeface="Source Sans Pro" charset="0"/>
+                <a:cs typeface="Source Sans Pro" charset="0"/>
+              </a:rPr>
+              <a:t>Same </a:t>
+            </a:r>
+            <a:r>
+              <a:rPr lang="de-DE" sz="2000" dirty="0" err="1">
+                <a:solidFill>
+                  <a:srgbClr val="41719C"/>
+                </a:solidFill>
+                <a:latin typeface="Source Sans Pro" panose="020B0503030403020204" pitchFamily="34" charset="77"/>
+                <a:ea typeface="Source Sans Pro" charset="0"/>
+                <a:cs typeface="Source Sans Pro" charset="0"/>
+              </a:rPr>
+              <a:t>for</a:t>
+            </a:r>
+            <a:r>
+              <a:rPr lang="de-DE" sz="2000" dirty="0">
+                <a:solidFill>
+                  <a:srgbClr val="41719C"/>
+                </a:solidFill>
+                <a:latin typeface="Source Sans Pro" panose="020B0503030403020204" pitchFamily="34" charset="77"/>
+                <a:ea typeface="Source Sans Pro" charset="0"/>
+                <a:cs typeface="Source Sans Pro" charset="0"/>
+              </a:rPr>
+              <a:t> </a:t>
+            </a:r>
+            <a:r>
+              <a:rPr lang="de-DE" sz="2000" dirty="0" err="1">
+                <a:solidFill>
+                  <a:srgbClr val="41719C"/>
+                </a:solidFill>
+                <a:latin typeface="Source Sans Pro" panose="020B0503030403020204" pitchFamily="34" charset="77"/>
+                <a:ea typeface="Source Code Pro" panose="020B0509030403020204" pitchFamily="49" charset="0"/>
+                <a:cs typeface="Source Sans Pro" charset="0"/>
+              </a:rPr>
+              <a:t>undefined</a:t>
+            </a:r>
+            <a:r>
+              <a:rPr lang="de-DE" sz="2000" dirty="0">
+                <a:solidFill>
+                  <a:srgbClr val="41719C"/>
+                </a:solidFill>
+                <a:latin typeface="Source Sans Pro" panose="020B0503030403020204" pitchFamily="34" charset="77"/>
+                <a:ea typeface="Source Sans Pro" charset="0"/>
+                <a:cs typeface="Source Sans Pro" charset="0"/>
+              </a:rPr>
+              <a:t>:</a:t>
+            </a:r>
+          </a:p>
+          <a:p>
+            <a:pPr>
+              <a:lnSpc>
+                <a:spcPct val="130000"/>
+              </a:lnSpc>
+            </a:pPr>
+            <a:r>
+              <a:rPr lang="de-DE" sz="1600" dirty="0" err="1">
+                <a:solidFill>
+                  <a:srgbClr val="025249"/>
+                </a:solidFill>
+                <a:latin typeface="Source Code Pro" panose="020B0509030403020204" pitchFamily="49" charset="0"/>
+                <a:ea typeface="Source Code Pro" panose="020B0509030403020204" pitchFamily="49" charset="0"/>
+                <a:cs typeface="Source Sans Pro" charset="0"/>
+              </a:rPr>
+              <a:t>let</a:t>
+            </a:r>
+            <a:r>
+              <a:rPr lang="de-DE" sz="1600" dirty="0">
+                <a:solidFill>
+                  <a:srgbClr val="025249"/>
+                </a:solidFill>
+                <a:latin typeface="Source Code Pro" panose="020B0509030403020204" pitchFamily="49" charset="0"/>
+                <a:ea typeface="Source Code Pro" panose="020B0509030403020204" pitchFamily="49" charset="0"/>
+                <a:cs typeface="Source Sans Pro" charset="0"/>
+              </a:rPr>
+              <a:t> a: </a:t>
+            </a:r>
+            <a:r>
+              <a:rPr lang="de-DE" sz="1600" dirty="0" err="1">
+                <a:solidFill>
+                  <a:srgbClr val="025249"/>
+                </a:solidFill>
+                <a:latin typeface="Source Code Pro" panose="020B0509030403020204" pitchFamily="49" charset="0"/>
+                <a:ea typeface="Source Code Pro" panose="020B0509030403020204" pitchFamily="49" charset="0"/>
+                <a:cs typeface="Source Sans Pro" charset="0"/>
+              </a:rPr>
+              <a:t>string</a:t>
+            </a:r>
+            <a:r>
+              <a:rPr lang="de-DE" sz="1600" dirty="0">
+                <a:solidFill>
+                  <a:srgbClr val="025249"/>
+                </a:solidFill>
+                <a:latin typeface="Source Code Pro" panose="020B0509030403020204" pitchFamily="49" charset="0"/>
+                <a:ea typeface="Source Code Pro" panose="020B0509030403020204" pitchFamily="49" charset="0"/>
+                <a:cs typeface="Source Sans Pro" charset="0"/>
+              </a:rPr>
+              <a:t> | </a:t>
+            </a:r>
+            <a:r>
+              <a:rPr lang="de-DE" sz="1600" dirty="0" err="1">
+                <a:solidFill>
+                  <a:srgbClr val="025249"/>
+                </a:solidFill>
+                <a:latin typeface="Source Code Pro" panose="020B0509030403020204" pitchFamily="49" charset="0"/>
+                <a:ea typeface="Source Code Pro" panose="020B0509030403020204" pitchFamily="49" charset="0"/>
+                <a:cs typeface="Source Sans Pro" charset="0"/>
+              </a:rPr>
+              <a:t>undefined</a:t>
+            </a:r>
+            <a:r>
+              <a:rPr lang="de-DE" sz="1600" dirty="0">
+                <a:solidFill>
+                  <a:srgbClr val="025249"/>
+                </a:solidFill>
+                <a:latin typeface="Source Code Pro" panose="020B0509030403020204" pitchFamily="49" charset="0"/>
+                <a:ea typeface="Source Code Pro" panose="020B0509030403020204" pitchFamily="49" charset="0"/>
+                <a:cs typeface="Source Sans Pro" charset="0"/>
+              </a:rPr>
+              <a:t>;</a:t>
+            </a:r>
           </a:p>
         </p:txBody>
       </p:sp>
     </p:spTree>
     <p:extLst>
       <p:ext uri="{BB962C8B-B14F-4D97-AF65-F5344CB8AC3E}">
-        <p14:creationId xmlns:p14="http://schemas.microsoft.com/office/powerpoint/2010/main" val="3395414087"/>
+        <p14:creationId xmlns:p14="http://schemas.microsoft.com/office/powerpoint/2010/main" val="3779021167"/>
       </p:ext>
     </p:extLst>
   </p:cSld>
@@ -3380,21 +3797,16 @@
           <a:p>
             <a:r>
               <a:rPr lang="de-DE" dirty="0"/>
-              <a:t>Null </a:t>
+              <a:t>String </a:t>
             </a:r>
             <a:r>
               <a:rPr lang="de-DE" dirty="0" err="1"/>
-              <a:t>and</a:t>
+              <a:t>Literal</a:t>
             </a:r>
             <a:r>
               <a:rPr lang="de-DE" dirty="0"/>
-              <a:t> </a:t>
-            </a:r>
-            <a:r>
-              <a:rPr lang="de-DE" dirty="0" err="1"/>
-              <a:t>undefined</a:t>
-            </a:r>
-            <a:endParaRPr lang="de-DE" dirty="0"/>
+              <a:t> Type</a:t>
+            </a:r>
           </a:p>
         </p:txBody>
       </p:sp>
@@ -3426,149 +3838,39 @@
               </a:lnSpc>
             </a:pPr>
             <a:r>
-              <a:rPr lang="de-DE" sz="2400" b="1" i="1" dirty="0">
-                <a:solidFill>
-                  <a:srgbClr val="EF7D1D"/>
-                </a:solidFill>
-                <a:latin typeface="Source Code Pro" panose="020B0509030403020204" pitchFamily="49" charset="0"/>
+              <a:rPr lang="de-DE" sz="2400" b="1" dirty="0">
+                <a:solidFill>
+                  <a:srgbClr val="EF7D1D"/>
+                </a:solidFill>
+                <a:latin typeface="Source Sans Pro" panose="020B0503030403020204" pitchFamily="34" charset="77"/>
                 <a:ea typeface="Source Code Pro" panose="020B0509030403020204" pitchFamily="49" charset="0"/>
                 <a:cs typeface="Source Sans Pro" charset="0"/>
               </a:rPr>
-              <a:t>null</a:t>
+              <a:t>String </a:t>
+            </a:r>
+            <a:r>
+              <a:rPr lang="de-DE" sz="2400" b="1" dirty="0" err="1">
+                <a:solidFill>
+                  <a:srgbClr val="EF7D1D"/>
+                </a:solidFill>
+                <a:latin typeface="Source Sans Pro" panose="020B0503030403020204" pitchFamily="34" charset="77"/>
+                <a:ea typeface="Source Code Pro" panose="020B0509030403020204" pitchFamily="49" charset="0"/>
+                <a:cs typeface="Source Sans Pro" charset="0"/>
+              </a:rPr>
+              <a:t>Literal</a:t>
             </a:r>
             <a:r>
               <a:rPr lang="de-DE" sz="2400" b="1" dirty="0">
                 <a:solidFill>
                   <a:srgbClr val="EF7D1D"/>
                 </a:solidFill>
-                <a:latin typeface="Source Sans Pro" charset="0"/>
-                <a:ea typeface="Source Sans Pro" charset="0"/>
-                <a:cs typeface="Source Sans Pro" charset="0"/>
-              </a:rPr>
-              <a:t> </a:t>
-            </a:r>
-            <a:r>
-              <a:rPr lang="de-DE" sz="2400" b="1" dirty="0" err="1">
-                <a:solidFill>
-                  <a:srgbClr val="EF7D1D"/>
-                </a:solidFill>
-                <a:latin typeface="Source Sans Pro" charset="0"/>
-                <a:ea typeface="Source Sans Pro" charset="0"/>
-                <a:cs typeface="Source Sans Pro" charset="0"/>
-              </a:rPr>
-              <a:t>and</a:t>
-            </a:r>
-            <a:r>
-              <a:rPr lang="de-DE" sz="2400" b="1" dirty="0">
-                <a:solidFill>
-                  <a:srgbClr val="EF7D1D"/>
-                </a:solidFill>
-                <a:latin typeface="Source Sans Pro" charset="0"/>
-                <a:ea typeface="Source Sans Pro" charset="0"/>
-                <a:cs typeface="Source Sans Pro" charset="0"/>
-              </a:rPr>
-              <a:t> </a:t>
-            </a:r>
-            <a:r>
-              <a:rPr lang="de-DE" sz="2400" b="1" i="1" dirty="0" err="1">
-                <a:solidFill>
-                  <a:srgbClr val="EF7D1D"/>
-                </a:solidFill>
-                <a:latin typeface="Source Code Pro" panose="020B0509030403020204" pitchFamily="49" charset="0"/>
+                <a:latin typeface="Source Sans Pro" panose="020B0503030403020204" pitchFamily="34" charset="77"/>
                 <a:ea typeface="Source Code Pro" panose="020B0509030403020204" pitchFamily="49" charset="0"/>
                 <a:cs typeface="Source Sans Pro" charset="0"/>
               </a:rPr>
-              <a:t>undefined</a:t>
-            </a:r>
-            <a:r>
-              <a:rPr lang="de-DE" sz="2400" b="1" dirty="0">
-                <a:solidFill>
-                  <a:srgbClr val="EF7D1D"/>
-                </a:solidFill>
-                <a:latin typeface="Source Sans Pro" charset="0"/>
-                <a:ea typeface="Source Sans Pro" charset="0"/>
-                <a:cs typeface="Source Sans Pro" charset="0"/>
-              </a:rPr>
-              <a:t> </a:t>
-            </a:r>
-            <a:r>
-              <a:rPr lang="de-DE" sz="2400" b="1" dirty="0" err="1">
-                <a:solidFill>
-                  <a:srgbClr val="EF7D1D"/>
-                </a:solidFill>
-                <a:latin typeface="Source Sans Pro" charset="0"/>
-                <a:ea typeface="Source Sans Pro" charset="0"/>
-                <a:cs typeface="Source Sans Pro" charset="0"/>
-              </a:rPr>
-              <a:t>are</a:t>
-            </a:r>
-            <a:r>
-              <a:rPr lang="de-DE" sz="2400" b="1" dirty="0">
-                <a:solidFill>
-                  <a:srgbClr val="EF7D1D"/>
-                </a:solidFill>
-                <a:latin typeface="Source Sans Pro" charset="0"/>
-                <a:ea typeface="Source Sans Pro" charset="0"/>
-                <a:cs typeface="Source Sans Pro" charset="0"/>
-              </a:rPr>
-              <a:t> </a:t>
-            </a:r>
-            <a:r>
-              <a:rPr lang="de-DE" sz="2400" b="1" dirty="0" err="1">
-                <a:solidFill>
-                  <a:srgbClr val="EF7D1D"/>
-                </a:solidFill>
-                <a:latin typeface="Source Sans Pro" charset="0"/>
-                <a:ea typeface="Source Sans Pro" charset="0"/>
-                <a:cs typeface="Source Sans Pro" charset="0"/>
-              </a:rPr>
-              <a:t>own</a:t>
-            </a:r>
-            <a:r>
-              <a:rPr lang="de-DE" sz="2400" b="1" dirty="0">
-                <a:solidFill>
-                  <a:srgbClr val="EF7D1D"/>
-                </a:solidFill>
-                <a:latin typeface="Source Sans Pro" charset="0"/>
-                <a:ea typeface="Source Sans Pro" charset="0"/>
-                <a:cs typeface="Source Sans Pro" charset="0"/>
-              </a:rPr>
-              <a:t> </a:t>
-            </a:r>
-            <a:r>
-              <a:rPr lang="de-DE" sz="2400" b="1" dirty="0" err="1">
-                <a:solidFill>
-                  <a:srgbClr val="EF7D1D"/>
-                </a:solidFill>
-                <a:latin typeface="Source Sans Pro" charset="0"/>
-                <a:ea typeface="Source Sans Pro" charset="0"/>
-                <a:cs typeface="Source Sans Pro" charset="0"/>
-              </a:rPr>
-              <a:t>types</a:t>
-            </a:r>
-            <a:r>
-              <a:rPr lang="de-DE" sz="2400" b="1" dirty="0">
-                <a:solidFill>
-                  <a:srgbClr val="EF7D1D"/>
-                </a:solidFill>
-                <a:latin typeface="Source Sans Pro" charset="0"/>
-                <a:ea typeface="Source Sans Pro" charset="0"/>
-                <a:cs typeface="Source Sans Pro" charset="0"/>
-              </a:rPr>
-              <a:t> in </a:t>
-            </a:r>
-            <a:r>
-              <a:rPr lang="de-DE" sz="2400" b="1" dirty="0" err="1">
-                <a:solidFill>
-                  <a:srgbClr val="EF7D1D"/>
-                </a:solidFill>
-                <a:latin typeface="Source Sans Pro" charset="0"/>
-                <a:ea typeface="Source Sans Pro" charset="0"/>
-                <a:cs typeface="Source Sans Pro" charset="0"/>
-              </a:rPr>
-              <a:t>TypeScript</a:t>
-            </a:r>
-            <a:endParaRPr lang="de-DE" sz="2400" b="1" i="1" dirty="0">
+              <a:t> Type</a:t>
+            </a:r>
+            <a:endParaRPr lang="de-DE" sz="2400" b="1" dirty="0">
               <a:solidFill>
                 <a:srgbClr val="EF7D1D"/>
               </a:solidFill>
@@ -3588,7 +3890,7 @@
         <p:spPr>
           <a:xfrm>
             <a:off x="320736" y="1929621"/>
-            <a:ext cx="9279032" cy="4081117"/>
+            <a:ext cx="9279032" cy="2480679"/>
           </a:xfrm>
           <a:prstGeom prst="rect">
             <a:avLst/>
@@ -3617,7 +3919,7 @@
                 <a:ea typeface="Source Sans Pro" charset="0"/>
                 <a:cs typeface="Source Sans Pro" charset="0"/>
               </a:rPr>
-              <a:t>Types</a:t>
+              <a:t>You</a:t>
             </a:r>
             <a:r>
               <a:rPr lang="de-DE" sz="2000" dirty="0">
@@ -3639,7 +3941,7 @@
                 <a:ea typeface="Source Sans Pro" charset="0"/>
                 <a:cs typeface="Source Sans Pro" charset="0"/>
               </a:rPr>
-              <a:t>are</a:t>
+              <a:t>can</a:t>
             </a:r>
             <a:r>
               <a:rPr lang="de-DE" sz="2000" dirty="0">
@@ -3650,7 +3952,7 @@
                 <a:ea typeface="Source Sans Pro" charset="0"/>
                 <a:cs typeface="Source Sans Pro" charset="0"/>
               </a:rPr>
-              <a:t> not </a:t>
+              <a:t> </a:t>
             </a:r>
             <a:r>
               <a:rPr lang="de-DE" sz="2000" dirty="0" err="1">
@@ -3661,7 +3963,7 @@
                 <a:ea typeface="Source Sans Pro" charset="0"/>
                 <a:cs typeface="Source Sans Pro" charset="0"/>
               </a:rPr>
-              <a:t>nullable</a:t>
+              <a:t>define</a:t>
             </a:r>
             <a:r>
               <a:rPr lang="de-DE" sz="2000" dirty="0">
@@ -3683,7 +3985,7 @@
                 <a:ea typeface="Source Sans Pro" charset="0"/>
                 <a:cs typeface="Source Sans Pro" charset="0"/>
               </a:rPr>
-              <a:t>and</a:t>
+              <a:t>what</a:t>
             </a:r>
             <a:r>
               <a:rPr lang="de-DE" sz="2000" dirty="0">
@@ -3705,7 +4007,7 @@
                 <a:ea typeface="Source Sans Pro" charset="0"/>
                 <a:cs typeface="Source Sans Pro" charset="0"/>
               </a:rPr>
-              <a:t>cannot</a:t>
+              <a:t>actual</a:t>
             </a:r>
             <a:r>
               <a:rPr lang="de-DE" sz="2000" dirty="0">
@@ -3727,7 +4029,7 @@
                 <a:ea typeface="Source Sans Pro" charset="0"/>
                 <a:cs typeface="Source Sans Pro" charset="0"/>
               </a:rPr>
-              <a:t>be</a:t>
+              <a:t>value</a:t>
             </a:r>
             <a:r>
               <a:rPr lang="de-DE" sz="2000" dirty="0">
@@ -3738,6 +4040,28 @@
                 <a:ea typeface="Source Sans Pro" charset="0"/>
                 <a:cs typeface="Source Sans Pro" charset="0"/>
               </a:rPr>
+              <a:t> a </a:t>
+            </a:r>
+            <a:r>
+              <a:rPr lang="de-DE" sz="2000" dirty="0" err="1">
+                <a:solidFill>
+                  <a:srgbClr val="025249"/>
+                </a:solidFill>
+                <a:latin typeface="Source Sans Pro" charset="0"/>
+                <a:ea typeface="Source Sans Pro" charset="0"/>
+                <a:cs typeface="Source Sans Pro" charset="0"/>
+              </a:rPr>
+              <a:t>string</a:t>
+            </a:r>
+            <a:r>
+              <a:rPr lang="de-DE" sz="2000" dirty="0">
+                <a:solidFill>
+                  <a:srgbClr val="025249"/>
+                </a:solidFill>
+                <a:latin typeface="Source Sans Pro" charset="0"/>
+                <a:ea typeface="Source Sans Pro" charset="0"/>
+                <a:cs typeface="Source Sans Pro" charset="0"/>
+              </a:rPr>
               <a:t> </a:t>
             </a:r>
             <a:r>
@@ -3749,7 +4073,7 @@
                 <a:ea typeface="Source Sans Pro" charset="0"/>
                 <a:cs typeface="Source Sans Pro" charset="0"/>
               </a:rPr>
-              <a:t>undefined</a:t>
+              <a:t>might</a:t>
             </a:r>
             <a:r>
               <a:rPr lang="de-DE" sz="2000" dirty="0">
@@ -3760,7 +4084,7 @@
                 <a:ea typeface="Source Sans Pro" charset="0"/>
                 <a:cs typeface="Source Sans Pro" charset="0"/>
               </a:rPr>
-              <a:t> (</a:t>
+              <a:t> </a:t>
             </a:r>
             <a:r>
               <a:rPr lang="de-DE" sz="2000" dirty="0" err="1">
@@ -3771,48 +4095,8 @@
                 <a:ea typeface="Source Sans Pro" charset="0"/>
                 <a:cs typeface="Source Sans Pro" charset="0"/>
               </a:rPr>
-              <a:t>with</a:t>
-            </a:r>
-            <a:r>
-              <a:rPr lang="de-DE" sz="2000" dirty="0">
-                <a:solidFill>
-                  <a:srgbClr val="025249"/>
-                </a:solidFill>
-                <a:latin typeface="Source Sans Pro" charset="0"/>
-                <a:ea typeface="Source Sans Pro" charset="0"/>
-                <a:cs typeface="Source Sans Pro" charset="0"/>
-              </a:rPr>
-              <a:t> "</a:t>
-            </a:r>
-            <a:r>
-              <a:rPr lang="de-DE" sz="2000" dirty="0" err="1">
-                <a:solidFill>
-                  <a:srgbClr val="025249"/>
-                </a:solidFill>
-                <a:latin typeface="Source Sans Pro" charset="0"/>
-                <a:ea typeface="Source Sans Pro" charset="0"/>
-                <a:cs typeface="Source Sans Pro" charset="0"/>
-              </a:rPr>
-              <a:t>strictNullChecks</a:t>
-            </a:r>
-            <a:r>
-              <a:rPr lang="de-DE" sz="2000" dirty="0">
-                <a:solidFill>
-                  <a:srgbClr val="025249"/>
-                </a:solidFill>
-                <a:latin typeface="Source Sans Pro" charset="0"/>
-                <a:ea typeface="Source Sans Pro" charset="0"/>
-                <a:cs typeface="Source Sans Pro" charset="0"/>
-              </a:rPr>
-              <a:t>")</a:t>
-            </a:r>
-          </a:p>
-          <a:p>
-            <a:pPr>
-              <a:lnSpc>
-                <a:spcPct val="130000"/>
-              </a:lnSpc>
-            </a:pPr>
+              <a:t>have</a:t>
+            </a:r>
             <a:endParaRPr lang="de-DE" sz="2000" dirty="0">
               <a:solidFill>
                 <a:srgbClr val="025249"/>
@@ -3823,79 +4107,12 @@
             </a:endParaRPr>
           </a:p>
           <a:p>
-            <a:pPr>
+            <a:pPr marL="285750" indent="-285750">
               <a:lnSpc>
                 <a:spcPct val="130000"/>
               </a:lnSpc>
-            </a:pPr>
-            <a:r>
-              <a:rPr lang="de-DE" sz="1600" dirty="0" err="1">
-                <a:solidFill>
-                  <a:srgbClr val="025249"/>
-                </a:solidFill>
-                <a:latin typeface="Source Code Pro" panose="020B0509030403020204" pitchFamily="49" charset="0"/>
-                <a:ea typeface="Source Code Pro" panose="020B0509030403020204" pitchFamily="49" charset="0"/>
-                <a:cs typeface="Source Sans Pro" charset="0"/>
-              </a:rPr>
-              <a:t>let</a:t>
-            </a:r>
-            <a:r>
-              <a:rPr lang="de-DE" sz="1600" dirty="0">
-                <a:solidFill>
-                  <a:srgbClr val="025249"/>
-                </a:solidFill>
-                <a:latin typeface="Source Code Pro" panose="020B0509030403020204" pitchFamily="49" charset="0"/>
-                <a:ea typeface="Source Code Pro" panose="020B0509030403020204" pitchFamily="49" charset="0"/>
-                <a:cs typeface="Source Sans Pro" charset="0"/>
-              </a:rPr>
-              <a:t> a: </a:t>
-            </a:r>
-            <a:r>
-              <a:rPr lang="de-DE" sz="1600" dirty="0" err="1">
-                <a:solidFill>
-                  <a:srgbClr val="025249"/>
-                </a:solidFill>
-                <a:latin typeface="Source Code Pro" panose="020B0509030403020204" pitchFamily="49" charset="0"/>
-                <a:ea typeface="Source Code Pro" panose="020B0509030403020204" pitchFamily="49" charset="0"/>
-                <a:cs typeface="Source Sans Pro" charset="0"/>
-              </a:rPr>
-              <a:t>string</a:t>
-            </a:r>
-            <a:r>
-              <a:rPr lang="de-DE" sz="1600" dirty="0">
-                <a:solidFill>
-                  <a:srgbClr val="025249"/>
-                </a:solidFill>
-                <a:latin typeface="Source Code Pro" panose="020B0509030403020204" pitchFamily="49" charset="0"/>
-                <a:ea typeface="Source Code Pro" panose="020B0509030403020204" pitchFamily="49" charset="0"/>
-                <a:cs typeface="Source Sans Pro" charset="0"/>
-              </a:rPr>
-              <a:t> = "Klaus";</a:t>
-            </a:r>
-          </a:p>
-          <a:p>
-            <a:pPr>
-              <a:lnSpc>
-                <a:spcPct val="130000"/>
-              </a:lnSpc>
-            </a:pPr>
-            <a:r>
-              <a:rPr lang="de-DE" sz="1600" dirty="0">
-                <a:solidFill>
-                  <a:srgbClr val="025249"/>
-                </a:solidFill>
-                <a:latin typeface="Source Code Pro" panose="020B0509030403020204" pitchFamily="49" charset="0"/>
-                <a:ea typeface="Source Code Pro" panose="020B0509030403020204" pitchFamily="49" charset="0"/>
-                <a:cs typeface="Source Sans Pro" charset="0"/>
-              </a:rPr>
-              <a:t>a = null; // Error</a:t>
-            </a:r>
-          </a:p>
-          <a:p>
-            <a:pPr>
-              <a:lnSpc>
-                <a:spcPct val="130000"/>
-              </a:lnSpc>
+              <a:buFont typeface="Arial" charset="0"/>
+              <a:buChar char="•"/>
             </a:pPr>
             <a:endParaRPr lang="de-DE" sz="2000" dirty="0">
               <a:solidFill>
@@ -3913,132 +4130,15 @@
               </a:lnSpc>
             </a:pPr>
             <a:r>
-              <a:rPr lang="de-DE" sz="2000" dirty="0" err="1">
-                <a:solidFill>
-                  <a:srgbClr val="41719C"/>
-                </a:solidFill>
-                <a:latin typeface="Source Sans Pro" panose="020B0503030403020204" pitchFamily="34" charset="77"/>
-                <a:ea typeface="Source Sans Pro" charset="0"/>
-                <a:cs typeface="Source Sans Pro" charset="0"/>
-              </a:rPr>
-              <a:t>Use</a:t>
-            </a:r>
-            <a:r>
-              <a:rPr lang="de-DE" sz="2000" dirty="0">
-                <a:solidFill>
-                  <a:srgbClr val="41719C"/>
-                </a:solidFill>
-                <a:latin typeface="Source Sans Pro" panose="020B0503030403020204" pitchFamily="34" charset="77"/>
-                <a:ea typeface="Source Sans Pro" charset="0"/>
-                <a:cs typeface="Source Sans Pro" charset="0"/>
-              </a:rPr>
-              <a:t> </a:t>
-            </a:r>
-            <a:r>
-              <a:rPr lang="de-DE" sz="2000" dirty="0" err="1">
-                <a:solidFill>
-                  <a:srgbClr val="41719C"/>
-                </a:solidFill>
-                <a:latin typeface="Source Sans Pro" panose="020B0503030403020204" pitchFamily="34" charset="77"/>
-                <a:ea typeface="Source Sans Pro" charset="0"/>
-                <a:cs typeface="Source Sans Pro" charset="0"/>
-              </a:rPr>
-              <a:t>union</a:t>
-            </a:r>
-            <a:r>
-              <a:rPr lang="de-DE" sz="2000" dirty="0">
-                <a:solidFill>
-                  <a:srgbClr val="41719C"/>
-                </a:solidFill>
-                <a:latin typeface="Source Sans Pro" panose="020B0503030403020204" pitchFamily="34" charset="77"/>
-                <a:ea typeface="Source Sans Pro" charset="0"/>
-                <a:cs typeface="Source Sans Pro" charset="0"/>
-              </a:rPr>
-              <a:t> type </a:t>
-            </a:r>
-            <a:r>
-              <a:rPr lang="de-DE" sz="2000" dirty="0" err="1">
-                <a:solidFill>
-                  <a:srgbClr val="41719C"/>
-                </a:solidFill>
-                <a:latin typeface="Source Sans Pro" panose="020B0503030403020204" pitchFamily="34" charset="77"/>
-                <a:ea typeface="Source Sans Pro" charset="0"/>
-                <a:cs typeface="Source Sans Pro" charset="0"/>
-              </a:rPr>
-              <a:t>to</a:t>
-            </a:r>
-            <a:r>
-              <a:rPr lang="de-DE" sz="2000" dirty="0">
-                <a:solidFill>
-                  <a:srgbClr val="41719C"/>
-                </a:solidFill>
-                <a:latin typeface="Source Sans Pro" panose="020B0503030403020204" pitchFamily="34" charset="77"/>
-                <a:ea typeface="Source Sans Pro" charset="0"/>
-                <a:cs typeface="Source Sans Pro" charset="0"/>
-              </a:rPr>
-              <a:t> </a:t>
-            </a:r>
-            <a:r>
-              <a:rPr lang="de-DE" sz="2000" dirty="0" err="1">
-                <a:solidFill>
-                  <a:srgbClr val="41719C"/>
-                </a:solidFill>
-                <a:latin typeface="Source Sans Pro" panose="020B0503030403020204" pitchFamily="34" charset="77"/>
-                <a:ea typeface="Source Sans Pro" charset="0"/>
-                <a:cs typeface="Source Sans Pro" charset="0"/>
-              </a:rPr>
-              <a:t>allow</a:t>
-            </a:r>
-            <a:r>
-              <a:rPr lang="de-DE" sz="2000" dirty="0">
-                <a:solidFill>
-                  <a:srgbClr val="41719C"/>
-                </a:solidFill>
-                <a:latin typeface="Source Sans Pro" panose="020B0503030403020204" pitchFamily="34" charset="77"/>
-                <a:ea typeface="Source Sans Pro" charset="0"/>
-                <a:cs typeface="Source Sans Pro" charset="0"/>
-              </a:rPr>
-              <a:t> </a:t>
-            </a:r>
-            <a:r>
-              <a:rPr lang="de-DE" sz="2000" dirty="0">
-                <a:solidFill>
-                  <a:srgbClr val="41719C"/>
-                </a:solidFill>
-                <a:latin typeface="Source Sans Pro" panose="020B0503030403020204" pitchFamily="34" charset="77"/>
-                <a:ea typeface="Source Code Pro" panose="020B0509030403020204" pitchFamily="49" charset="0"/>
-                <a:cs typeface="Source Sans Pro" charset="0"/>
-              </a:rPr>
-              <a:t>null</a:t>
-            </a:r>
-            <a:r>
-              <a:rPr lang="de-DE" sz="2000" dirty="0">
-                <a:solidFill>
-                  <a:srgbClr val="41719C"/>
-                </a:solidFill>
-                <a:latin typeface="Source Sans Pro" panose="020B0503030403020204" pitchFamily="34" charset="77"/>
-                <a:ea typeface="Source Sans Pro" charset="0"/>
-                <a:cs typeface="Source Sans Pro" charset="0"/>
-              </a:rPr>
-              <a:t>:</a:t>
-            </a:r>
-          </a:p>
-          <a:p>
-            <a:pPr>
-              <a:lnSpc>
-                <a:spcPct val="130000"/>
-              </a:lnSpc>
-            </a:pPr>
-            <a:r>
-              <a:rPr lang="de-DE" sz="1600" dirty="0" err="1">
-                <a:solidFill>
-                  <a:srgbClr val="025249"/>
+              <a:rPr lang="de-DE" sz="1600" dirty="0">
+                <a:solidFill>
+                  <a:srgbClr val="C14026"/>
                 </a:solidFill>
                 <a:latin typeface="Source Code Pro" panose="020B0509030403020204" pitchFamily="49" charset="0"/>
                 <a:ea typeface="Source Code Pro" panose="020B0509030403020204" pitchFamily="49" charset="0"/>
                 <a:cs typeface="Source Sans Pro" charset="0"/>
               </a:rPr>
-              <a:t>let</a:t>
+              <a:t>type</a:t>
             </a:r>
             <a:r>
               <a:rPr lang="de-DE" sz="1600" dirty="0">
@@ -4049,18 +4149,18 @@
                 <a:ea typeface="Source Code Pro" panose="020B0509030403020204" pitchFamily="49" charset="0"/>
                 <a:cs typeface="Source Sans Pro" charset="0"/>
               </a:rPr>
-              <a:t> a: </a:t>
-            </a:r>
-            <a:r>
-              <a:rPr lang="de-DE" sz="1600" dirty="0" err="1">
-                <a:solidFill>
-                  <a:srgbClr val="025249"/>
+              <a:t> Language = "Java" </a:t>
+            </a:r>
+            <a:r>
+              <a:rPr lang="de-DE" sz="1600" dirty="0">
+                <a:solidFill>
+                  <a:srgbClr val="41719C"/>
                 </a:solidFill>
                 <a:latin typeface="Source Code Pro" panose="020B0509030403020204" pitchFamily="49" charset="0"/>
                 <a:ea typeface="Source Code Pro" panose="020B0509030403020204" pitchFamily="49" charset="0"/>
                 <a:cs typeface="Source Sans Pro" charset="0"/>
               </a:rPr>
-              <a:t>string</a:t>
+              <a:t>|</a:t>
             </a:r>
             <a:r>
               <a:rPr lang="de-DE" sz="1600" dirty="0">
@@ -4071,17 +4171,10 @@
                 <a:ea typeface="Source Code Pro" panose="020B0509030403020204" pitchFamily="49" charset="0"/>
                 <a:cs typeface="Source Sans Pro" charset="0"/>
               </a:rPr>
-              <a:t> | null = "Klaus;</a:t>
-            </a:r>
-          </a:p>
-          <a:p>
-            <a:pPr>
-              <a:lnSpc>
-                <a:spcPct val="130000"/>
-              </a:lnSpc>
-            </a:pPr>
-            <a:r>
-              <a:rPr lang="de-DE" sz="1600" dirty="0">
+              <a:t> "</a:t>
+            </a:r>
+            <a:r>
+              <a:rPr lang="de-DE" sz="1600" dirty="0" err="1">
                 <a:solidFill>
                   <a:srgbClr val="025249"/>
                 </a:solidFill>
@@ -4089,7 +4182,135 @@
                 <a:ea typeface="Source Code Pro" panose="020B0509030403020204" pitchFamily="49" charset="0"/>
                 <a:cs typeface="Source Sans Pro" charset="0"/>
               </a:rPr>
-              <a:t>a = null; // OK</a:t>
+              <a:t>TypeScript</a:t>
+            </a:r>
+            <a:r>
+              <a:rPr lang="de-DE" sz="1600" dirty="0">
+                <a:solidFill>
+                  <a:srgbClr val="025249"/>
+                </a:solidFill>
+                <a:latin typeface="Source Code Pro" panose="020B0509030403020204" pitchFamily="49" charset="0"/>
+                <a:ea typeface="Source Code Pro" panose="020B0509030403020204" pitchFamily="49" charset="0"/>
+                <a:cs typeface="Source Sans Pro" charset="0"/>
+              </a:rPr>
+              <a:t>";</a:t>
+            </a:r>
+          </a:p>
+          <a:p>
+            <a:pPr>
+              <a:lnSpc>
+                <a:spcPct val="130000"/>
+              </a:lnSpc>
+            </a:pPr>
+            <a:endParaRPr lang="de-DE" sz="1600" dirty="0">
+              <a:solidFill>
+                <a:srgbClr val="025249"/>
+              </a:solidFill>
+              <a:latin typeface="Source Code Pro" panose="020B0509030403020204" pitchFamily="49" charset="0"/>
+              <a:ea typeface="Source Code Pro" panose="020B0509030403020204" pitchFamily="49" charset="0"/>
+              <a:cs typeface="Source Sans Pro" charset="0"/>
+            </a:endParaRPr>
+          </a:p>
+          <a:p>
+            <a:pPr>
+              <a:lnSpc>
+                <a:spcPct val="130000"/>
+              </a:lnSpc>
+            </a:pPr>
+            <a:r>
+              <a:rPr lang="de-DE" sz="1600" dirty="0" err="1">
+                <a:solidFill>
+                  <a:srgbClr val="025249"/>
+                </a:solidFill>
+                <a:latin typeface="Source Code Pro" panose="020B0509030403020204" pitchFamily="49" charset="0"/>
+                <a:ea typeface="Source Code Pro" panose="020B0509030403020204" pitchFamily="49" charset="0"/>
+                <a:cs typeface="Source Sans Pro" charset="0"/>
+              </a:rPr>
+              <a:t>const</a:t>
+            </a:r>
+            <a:r>
+              <a:rPr lang="de-DE" sz="1600" dirty="0">
+                <a:solidFill>
+                  <a:srgbClr val="025249"/>
+                </a:solidFill>
+                <a:latin typeface="Source Code Pro" panose="020B0509030403020204" pitchFamily="49" charset="0"/>
+                <a:ea typeface="Source Code Pro" panose="020B0509030403020204" pitchFamily="49" charset="0"/>
+                <a:cs typeface="Source Sans Pro" charset="0"/>
+              </a:rPr>
+              <a:t> </a:t>
+            </a:r>
+            <a:r>
+              <a:rPr lang="de-DE" sz="1600" dirty="0" err="1">
+                <a:solidFill>
+                  <a:srgbClr val="025249"/>
+                </a:solidFill>
+                <a:latin typeface="Source Code Pro" panose="020B0509030403020204" pitchFamily="49" charset="0"/>
+                <a:ea typeface="Source Code Pro" panose="020B0509030403020204" pitchFamily="49" charset="0"/>
+                <a:cs typeface="Source Sans Pro" charset="0"/>
+              </a:rPr>
+              <a:t>java:Language</a:t>
+            </a:r>
+            <a:r>
+              <a:rPr lang="de-DE" sz="1600" dirty="0">
+                <a:solidFill>
+                  <a:srgbClr val="025249"/>
+                </a:solidFill>
+                <a:latin typeface="Source Code Pro" panose="020B0509030403020204" pitchFamily="49" charset="0"/>
+                <a:ea typeface="Source Code Pro" panose="020B0509030403020204" pitchFamily="49" charset="0"/>
+                <a:cs typeface="Source Sans Pro" charset="0"/>
+              </a:rPr>
+              <a:t> = "Java"; // OK</a:t>
+            </a:r>
+          </a:p>
+          <a:p>
+            <a:pPr>
+              <a:lnSpc>
+                <a:spcPct val="130000"/>
+              </a:lnSpc>
+            </a:pPr>
+            <a:r>
+              <a:rPr lang="de-DE" sz="1600" dirty="0" err="1">
+                <a:solidFill>
+                  <a:srgbClr val="025249"/>
+                </a:solidFill>
+                <a:latin typeface="Source Code Pro" panose="020B0509030403020204" pitchFamily="49" charset="0"/>
+                <a:ea typeface="Source Code Pro" panose="020B0509030403020204" pitchFamily="49" charset="0"/>
+                <a:cs typeface="Source Sans Pro" charset="0"/>
+              </a:rPr>
+              <a:t>const</a:t>
+            </a:r>
+            <a:r>
+              <a:rPr lang="de-DE" sz="1600" dirty="0">
+                <a:solidFill>
+                  <a:srgbClr val="025249"/>
+                </a:solidFill>
+                <a:latin typeface="Source Code Pro" panose="020B0509030403020204" pitchFamily="49" charset="0"/>
+                <a:ea typeface="Source Code Pro" panose="020B0509030403020204" pitchFamily="49" charset="0"/>
+                <a:cs typeface="Source Sans Pro" charset="0"/>
+              </a:rPr>
+              <a:t> </a:t>
+            </a:r>
+            <a:r>
+              <a:rPr lang="de-DE" sz="1600" dirty="0" err="1">
+                <a:solidFill>
+                  <a:srgbClr val="025249"/>
+                </a:solidFill>
+                <a:latin typeface="Source Code Pro" panose="020B0509030403020204" pitchFamily="49" charset="0"/>
+                <a:ea typeface="Source Code Pro" panose="020B0509030403020204" pitchFamily="49" charset="0"/>
+                <a:cs typeface="Source Sans Pro" charset="0"/>
+              </a:rPr>
+              <a:t>cpp:Language</a:t>
+            </a:r>
+            <a:r>
+              <a:rPr lang="de-DE" sz="1600" dirty="0">
+                <a:solidFill>
+                  <a:srgbClr val="025249"/>
+                </a:solidFill>
+                <a:latin typeface="Source Code Pro" panose="020B0509030403020204" pitchFamily="49" charset="0"/>
+                <a:ea typeface="Source Code Pro" panose="020B0509030403020204" pitchFamily="49" charset="0"/>
+                <a:cs typeface="Source Sans Pro" charset="0"/>
+              </a:rPr>
+              <a:t> = "C++"; // ERROR</a:t>
             </a:r>
           </a:p>
           <a:p>
@@ -4107,147 +4328,12 @@
               <a:cs typeface="Source Sans Pro" charset="0"/>
             </a:endParaRPr>
           </a:p>
-          <a:p>
-            <a:pPr>
-              <a:lnSpc>
-                <a:spcPct val="130000"/>
-              </a:lnSpc>
-            </a:pPr>
-            <a:r>
-              <a:rPr lang="de-DE" sz="2000" dirty="0">
-                <a:solidFill>
-                  <a:srgbClr val="41719C"/>
-                </a:solidFill>
-                <a:latin typeface="Source Sans Pro" panose="020B0503030403020204" pitchFamily="34" charset="77"/>
-                <a:ea typeface="Source Sans Pro" charset="0"/>
-                <a:cs typeface="Source Sans Pro" charset="0"/>
-              </a:rPr>
-              <a:t>Same </a:t>
-            </a:r>
-            <a:r>
-              <a:rPr lang="de-DE" sz="2000" dirty="0" err="1">
-                <a:solidFill>
-                  <a:srgbClr val="41719C"/>
-                </a:solidFill>
-                <a:latin typeface="Source Sans Pro" panose="020B0503030403020204" pitchFamily="34" charset="77"/>
-                <a:ea typeface="Source Sans Pro" charset="0"/>
-                <a:cs typeface="Source Sans Pro" charset="0"/>
-              </a:rPr>
-              <a:t>for</a:t>
-            </a:r>
-            <a:r>
-              <a:rPr lang="de-DE" sz="2000" dirty="0">
-                <a:solidFill>
-                  <a:srgbClr val="41719C"/>
-                </a:solidFill>
-                <a:latin typeface="Source Sans Pro" panose="020B0503030403020204" pitchFamily="34" charset="77"/>
-                <a:ea typeface="Source Sans Pro" charset="0"/>
-                <a:cs typeface="Source Sans Pro" charset="0"/>
-              </a:rPr>
-              <a:t> </a:t>
-            </a:r>
-            <a:r>
-              <a:rPr lang="de-DE" sz="2000" dirty="0" err="1">
-                <a:solidFill>
-                  <a:srgbClr val="41719C"/>
-                </a:solidFill>
-                <a:latin typeface="Source Sans Pro" panose="020B0503030403020204" pitchFamily="34" charset="77"/>
-                <a:ea typeface="Source Code Pro" panose="020B0509030403020204" pitchFamily="49" charset="0"/>
-                <a:cs typeface="Source Sans Pro" charset="0"/>
-              </a:rPr>
-              <a:t>undefined</a:t>
-            </a:r>
-            <a:r>
-              <a:rPr lang="de-DE" sz="2000" dirty="0">
-                <a:solidFill>
-                  <a:srgbClr val="41719C"/>
-                </a:solidFill>
-                <a:latin typeface="Source Sans Pro" panose="020B0503030403020204" pitchFamily="34" charset="77"/>
-                <a:ea typeface="Source Sans Pro" charset="0"/>
-                <a:cs typeface="Source Sans Pro" charset="0"/>
-              </a:rPr>
-              <a:t>:</a:t>
-            </a:r>
-          </a:p>
-          <a:p>
-            <a:pPr>
-              <a:lnSpc>
-                <a:spcPct val="130000"/>
-              </a:lnSpc>
-            </a:pPr>
-            <a:r>
-              <a:rPr lang="de-DE" sz="1600" dirty="0" err="1">
-                <a:solidFill>
-                  <a:srgbClr val="025249"/>
-                </a:solidFill>
-                <a:latin typeface="Source Code Pro" panose="020B0509030403020204" pitchFamily="49" charset="0"/>
-                <a:ea typeface="Source Code Pro" panose="020B0509030403020204" pitchFamily="49" charset="0"/>
-                <a:cs typeface="Source Sans Pro" charset="0"/>
-              </a:rPr>
-              <a:t>let</a:t>
-            </a:r>
-            <a:r>
-              <a:rPr lang="de-DE" sz="1600" dirty="0">
-                <a:solidFill>
-                  <a:srgbClr val="025249"/>
-                </a:solidFill>
-                <a:latin typeface="Source Code Pro" panose="020B0509030403020204" pitchFamily="49" charset="0"/>
-                <a:ea typeface="Source Code Pro" panose="020B0509030403020204" pitchFamily="49" charset="0"/>
-                <a:cs typeface="Source Sans Pro" charset="0"/>
-              </a:rPr>
-              <a:t> a: </a:t>
-            </a:r>
-            <a:r>
-              <a:rPr lang="de-DE" sz="1600" dirty="0" err="1">
-                <a:solidFill>
-                  <a:srgbClr val="025249"/>
-                </a:solidFill>
-                <a:latin typeface="Source Code Pro" panose="020B0509030403020204" pitchFamily="49" charset="0"/>
-                <a:ea typeface="Source Code Pro" panose="020B0509030403020204" pitchFamily="49" charset="0"/>
-                <a:cs typeface="Source Sans Pro" charset="0"/>
-              </a:rPr>
-              <a:t>string</a:t>
-            </a:r>
-            <a:r>
-              <a:rPr lang="de-DE" sz="1600" dirty="0">
-                <a:solidFill>
-                  <a:srgbClr val="025249"/>
-                </a:solidFill>
-                <a:latin typeface="Source Code Pro" panose="020B0509030403020204" pitchFamily="49" charset="0"/>
-                <a:ea typeface="Source Code Pro" panose="020B0509030403020204" pitchFamily="49" charset="0"/>
-                <a:cs typeface="Source Sans Pro" charset="0"/>
-              </a:rPr>
-              <a:t> | </a:t>
-            </a:r>
-            <a:r>
-              <a:rPr lang="de-DE" sz="1600" dirty="0" err="1">
-                <a:solidFill>
-                  <a:srgbClr val="025249"/>
-                </a:solidFill>
-                <a:latin typeface="Source Code Pro" panose="020B0509030403020204" pitchFamily="49" charset="0"/>
-                <a:ea typeface="Source Code Pro" panose="020B0509030403020204" pitchFamily="49" charset="0"/>
-                <a:cs typeface="Source Sans Pro" charset="0"/>
-              </a:rPr>
-              <a:t>undefined</a:t>
-            </a:r>
-            <a:r>
-              <a:rPr lang="de-DE" sz="1600" dirty="0">
-                <a:solidFill>
-                  <a:srgbClr val="025249"/>
-                </a:solidFill>
-                <a:latin typeface="Source Code Pro" panose="020B0509030403020204" pitchFamily="49" charset="0"/>
-                <a:ea typeface="Source Code Pro" panose="020B0509030403020204" pitchFamily="49" charset="0"/>
-                <a:cs typeface="Source Sans Pro" charset="0"/>
-              </a:rPr>
-              <a:t>;</a:t>
-            </a:r>
-          </a:p>
         </p:txBody>
       </p:sp>
     </p:spTree>
     <p:extLst>
       <p:ext uri="{BB962C8B-B14F-4D97-AF65-F5344CB8AC3E}">
-        <p14:creationId xmlns:p14="http://schemas.microsoft.com/office/powerpoint/2010/main" val="3779021167"/>
+        <p14:creationId xmlns:p14="http://schemas.microsoft.com/office/powerpoint/2010/main" val="3249322850"/>
       </p:ext>
     </p:extLst>
   </p:cSld>
@@ -4386,6 +4472,94 @@
                 <a:cs typeface="Source Sans Pro" charset="0"/>
               </a:rPr>
               <a:t>Types</a:t>
+            </a:r>
+            <a:r>
+              <a:rPr lang="de-DE" sz="2400" b="1" dirty="0">
+                <a:solidFill>
+                  <a:srgbClr val="EF7D1D"/>
+                </a:solidFill>
+                <a:latin typeface="Source Sans Pro" charset="0"/>
+                <a:ea typeface="Source Sans Pro" charset="0"/>
+                <a:cs typeface="Source Sans Pro" charset="0"/>
+              </a:rPr>
+              <a:t> – </a:t>
+            </a:r>
+            <a:r>
+              <a:rPr lang="de-DE" sz="2400" b="1" dirty="0" err="1">
+                <a:solidFill>
+                  <a:srgbClr val="EF7D1D"/>
+                </a:solidFill>
+                <a:latin typeface="Source Sans Pro" charset="0"/>
+                <a:ea typeface="Source Sans Pro" charset="0"/>
+                <a:cs typeface="Source Sans Pro" charset="0"/>
+              </a:rPr>
+              <a:t>interfaces</a:t>
+            </a:r>
+            <a:r>
+              <a:rPr lang="de-DE" sz="2400" b="1" dirty="0">
+                <a:solidFill>
+                  <a:srgbClr val="EF7D1D"/>
+                </a:solidFill>
+                <a:latin typeface="Source Sans Pro" charset="0"/>
+                <a:ea typeface="Source Sans Pro" charset="0"/>
+                <a:cs typeface="Source Sans Pro" charset="0"/>
+              </a:rPr>
+              <a:t> </a:t>
+            </a:r>
+            <a:r>
+              <a:rPr lang="de-DE" sz="2400" b="1" dirty="0" err="1">
+                <a:solidFill>
+                  <a:srgbClr val="EF7D1D"/>
+                </a:solidFill>
+                <a:latin typeface="Source Sans Pro" charset="0"/>
+                <a:ea typeface="Source Sans Pro" charset="0"/>
+                <a:cs typeface="Source Sans Pro" charset="0"/>
+              </a:rPr>
+              <a:t>define</a:t>
+            </a:r>
+            <a:r>
+              <a:rPr lang="de-DE" sz="2400" b="1" dirty="0">
+                <a:solidFill>
+                  <a:srgbClr val="EF7D1D"/>
+                </a:solidFill>
+                <a:latin typeface="Source Sans Pro" charset="0"/>
+                <a:ea typeface="Source Sans Pro" charset="0"/>
+                <a:cs typeface="Source Sans Pro" charset="0"/>
+              </a:rPr>
+              <a:t> Shape </a:t>
+            </a:r>
+            <a:r>
+              <a:rPr lang="de-DE" sz="2400" b="1" dirty="0" err="1">
+                <a:solidFill>
+                  <a:srgbClr val="EF7D1D"/>
+                </a:solidFill>
+                <a:latin typeface="Source Sans Pro" charset="0"/>
+                <a:ea typeface="Source Sans Pro" charset="0"/>
+                <a:cs typeface="Source Sans Pro" charset="0"/>
+              </a:rPr>
+              <a:t>of</a:t>
+            </a:r>
+            <a:r>
+              <a:rPr lang="de-DE" sz="2400" b="1" dirty="0">
+                <a:solidFill>
+                  <a:srgbClr val="EF7D1D"/>
+                </a:solidFill>
+                <a:latin typeface="Source Sans Pro" charset="0"/>
+                <a:ea typeface="Source Sans Pro" charset="0"/>
+                <a:cs typeface="Source Sans Pro" charset="0"/>
+              </a:rPr>
+              <a:t> an </a:t>
+            </a:r>
+            <a:r>
+              <a:rPr lang="de-DE" sz="2400" b="1" dirty="0" err="1">
+                <a:solidFill>
+                  <a:srgbClr val="EF7D1D"/>
+                </a:solidFill>
+                <a:latin typeface="Source Sans Pro" charset="0"/>
+                <a:ea typeface="Source Sans Pro" charset="0"/>
+                <a:cs typeface="Source Sans Pro" charset="0"/>
+              </a:rPr>
+              <a:t>Object</a:t>
             </a:r>
             <a:endParaRPr lang="de-DE" sz="2400" b="1" dirty="0">
               <a:solidFill>
@@ -7228,80 +7402,176 @@
           <a:lstStyle/>
           <a:p>
             <a:r>
-              <a:rPr lang="de-DE" spc="80" dirty="0"/>
-              <a:t>HTTPS://NILSHARTMANN.NET | @</a:t>
-            </a:r>
-            <a:r>
-              <a:rPr lang="de-DE" spc="80" dirty="0" err="1"/>
-              <a:t>nilshartmann</a:t>
-            </a:r>
-            <a:endParaRPr lang="de-DE" spc="80" dirty="0"/>
+              <a:rPr lang="de-DE" dirty="0"/>
+              <a:t>Type </a:t>
+            </a:r>
+            <a:r>
+              <a:rPr lang="de-DE" dirty="0" err="1"/>
+              <a:t>Checking</a:t>
+            </a:r>
+            <a:r>
+              <a:rPr lang="de-DE" dirty="0"/>
+              <a:t> JavaScript Code</a:t>
+            </a:r>
           </a:p>
         </p:txBody>
       </p:sp>
       <p:sp>
         <p:nvSpPr>
-          <p:cNvPr id="3" name="Rechteck 2"/>
-          <p:cNvSpPr/>
+          <p:cNvPr id="3" name="Textfeld 2"/>
+          <p:cNvSpPr txBox="1"/>
           <p:nvPr/>
         </p:nvSpPr>
         <p:spPr>
           <a:xfrm>
-            <a:off x="1154048" y="1029940"/>
-            <a:ext cx="7597902" cy="923330"/>
+            <a:off x="203200" y="1268793"/>
+            <a:ext cx="9499600" cy="504946"/>
           </a:xfrm>
           <a:prstGeom prst="rect">
             <a:avLst/>
           </a:prstGeom>
+          <a:noFill/>
         </p:spPr>
         <p:txBody>
-          <a:bodyPr wrap="square">
+          <a:bodyPr wrap="square" rtlCol="0">
             <a:spAutoFit/>
           </a:bodyPr>
           <a:lstStyle/>
           <a:p>
-            <a:pPr algn="ctr"/>
-            <a:r>
-              <a:rPr lang="de-DE" sz="5400" b="1" dirty="0" err="1">
-                <a:solidFill>
-                  <a:srgbClr val="EF7D1D"/>
-                </a:solidFill>
-                <a:latin typeface="Source Sans Pro Semibold" charset="0"/>
-                <a:ea typeface="Source Sans Pro Semibold" charset="0"/>
-                <a:cs typeface="Source Sans Pro Semibold" charset="0"/>
-              </a:rPr>
-              <a:t>Thank</a:t>
-            </a:r>
-            <a:r>
-              <a:rPr lang="de-DE" sz="5400" b="1" dirty="0">
-                <a:solidFill>
-                  <a:srgbClr val="EF7D1D"/>
-                </a:solidFill>
-                <a:latin typeface="Source Sans Pro Semibold" charset="0"/>
-                <a:ea typeface="Source Sans Pro Semibold" charset="0"/>
-                <a:cs typeface="Source Sans Pro Semibold" charset="0"/>
+            <a:pPr>
+              <a:lnSpc>
+                <a:spcPct val="120000"/>
+              </a:lnSpc>
+            </a:pPr>
+            <a:r>
+              <a:rPr lang="de-DE" sz="2400" b="1" dirty="0" err="1">
+                <a:solidFill>
+                  <a:srgbClr val="EF7D1D"/>
+                </a:solidFill>
+                <a:latin typeface="Source Sans Pro" charset="0"/>
+                <a:ea typeface="Source Sans Pro" charset="0"/>
+                <a:cs typeface="Source Sans Pro" charset="0"/>
+              </a:rPr>
+              <a:t>You</a:t>
+            </a:r>
+            <a:r>
+              <a:rPr lang="de-DE" sz="2400" b="1" dirty="0">
+                <a:solidFill>
+                  <a:srgbClr val="EF7D1D"/>
+                </a:solidFill>
+                <a:latin typeface="Source Sans Pro" charset="0"/>
+                <a:ea typeface="Source Sans Pro" charset="0"/>
+                <a:cs typeface="Source Sans Pro" charset="0"/>
               </a:rPr>
               <a:t> </a:t>
             </a:r>
             <a:r>
-              <a:rPr lang="de-DE" sz="5400" b="1" dirty="0" err="1">
-                <a:solidFill>
-                  <a:srgbClr val="EF7D1D"/>
-                </a:solidFill>
-                <a:latin typeface="Source Sans Pro Semibold" charset="0"/>
-                <a:ea typeface="Source Sans Pro Semibold" charset="0"/>
-                <a:cs typeface="Source Sans Pro Semibold" charset="0"/>
-              </a:rPr>
-              <a:t>you</a:t>
-            </a:r>
-            <a:r>
-              <a:rPr lang="de-DE" sz="5400" b="1" dirty="0">
-                <a:solidFill>
-                  <a:srgbClr val="EF7D1D"/>
-                </a:solidFill>
-                <a:latin typeface="Source Sans Pro Semibold" charset="0"/>
-                <a:ea typeface="Source Sans Pro Semibold" charset="0"/>
-                <a:cs typeface="Source Sans Pro Semibold" charset="0"/>
+              <a:rPr lang="de-DE" sz="2400" b="1" dirty="0" err="1">
+                <a:solidFill>
+                  <a:srgbClr val="EF7D1D"/>
+                </a:solidFill>
+                <a:latin typeface="Source Sans Pro" charset="0"/>
+                <a:ea typeface="Source Sans Pro" charset="0"/>
+                <a:cs typeface="Source Sans Pro" charset="0"/>
+              </a:rPr>
+              <a:t>can</a:t>
+            </a:r>
+            <a:r>
+              <a:rPr lang="de-DE" sz="2400" b="1" dirty="0">
+                <a:solidFill>
+                  <a:srgbClr val="EF7D1D"/>
+                </a:solidFill>
+                <a:latin typeface="Source Sans Pro" charset="0"/>
+                <a:ea typeface="Source Sans Pro" charset="0"/>
+                <a:cs typeface="Source Sans Pro" charset="0"/>
+              </a:rPr>
+              <a:t> </a:t>
+            </a:r>
+            <a:r>
+              <a:rPr lang="de-DE" sz="2400" b="1" dirty="0" err="1">
+                <a:solidFill>
+                  <a:srgbClr val="EF7D1D"/>
+                </a:solidFill>
+                <a:latin typeface="Source Sans Pro" charset="0"/>
+                <a:ea typeface="Source Sans Pro" charset="0"/>
+                <a:cs typeface="Source Sans Pro" charset="0"/>
+              </a:rPr>
+              <a:t>enable</a:t>
+            </a:r>
+            <a:r>
+              <a:rPr lang="de-DE" sz="2400" b="1" dirty="0">
+                <a:solidFill>
+                  <a:srgbClr val="EF7D1D"/>
+                </a:solidFill>
+                <a:latin typeface="Source Sans Pro" charset="0"/>
+                <a:ea typeface="Source Sans Pro" charset="0"/>
+                <a:cs typeface="Source Sans Pro" charset="0"/>
+              </a:rPr>
+              <a:t> type </a:t>
+            </a:r>
+            <a:r>
+              <a:rPr lang="de-DE" sz="2400" b="1" dirty="0" err="1">
+                <a:solidFill>
+                  <a:srgbClr val="EF7D1D"/>
+                </a:solidFill>
+                <a:latin typeface="Source Sans Pro" charset="0"/>
+                <a:ea typeface="Source Sans Pro" charset="0"/>
+                <a:cs typeface="Source Sans Pro" charset="0"/>
+              </a:rPr>
+              <a:t>checking</a:t>
+            </a:r>
+            <a:r>
+              <a:rPr lang="de-DE" sz="2400" b="1" dirty="0">
+                <a:solidFill>
+                  <a:srgbClr val="EF7D1D"/>
+                </a:solidFill>
+                <a:latin typeface="Source Sans Pro" charset="0"/>
+                <a:ea typeface="Source Sans Pro" charset="0"/>
+                <a:cs typeface="Source Sans Pro" charset="0"/>
+              </a:rPr>
+              <a:t> </a:t>
+            </a:r>
+            <a:r>
+              <a:rPr lang="de-DE" sz="2400" b="1" dirty="0" err="1">
+                <a:solidFill>
+                  <a:srgbClr val="EF7D1D"/>
+                </a:solidFill>
+                <a:latin typeface="Source Sans Pro" charset="0"/>
+                <a:ea typeface="Source Sans Pro" charset="0"/>
+                <a:cs typeface="Source Sans Pro" charset="0"/>
+              </a:rPr>
+              <a:t>even</a:t>
+            </a:r>
+            <a:r>
+              <a:rPr lang="de-DE" sz="2400" b="1" dirty="0">
+                <a:solidFill>
+                  <a:srgbClr val="EF7D1D"/>
+                </a:solidFill>
+                <a:latin typeface="Source Sans Pro" charset="0"/>
+                <a:ea typeface="Source Sans Pro" charset="0"/>
+                <a:cs typeface="Source Sans Pro" charset="0"/>
+              </a:rPr>
+              <a:t> in a JS </a:t>
+            </a:r>
+            <a:r>
+              <a:rPr lang="de-DE" sz="2400" b="1" dirty="0" err="1">
+                <a:solidFill>
+                  <a:srgbClr val="EF7D1D"/>
+                </a:solidFill>
+                <a:latin typeface="Source Sans Pro" charset="0"/>
+                <a:ea typeface="Source Sans Pro" charset="0"/>
+                <a:cs typeface="Source Sans Pro" charset="0"/>
+              </a:rPr>
+              <a:t>file</a:t>
+            </a:r>
+            <a:r>
+              <a:rPr lang="de-DE" sz="2400" b="1" dirty="0">
+                <a:solidFill>
+                  <a:srgbClr val="EF7D1D"/>
+                </a:solidFill>
+                <a:latin typeface="Source Sans Pro" charset="0"/>
+                <a:ea typeface="Source Sans Pro" charset="0"/>
+                <a:cs typeface="Source Sans Pro" charset="0"/>
               </a:rPr>
               <a:t>!</a:t>
             </a:r>
@@ -7310,117 +7580,666 @@
       </p:sp>
       <p:sp>
         <p:nvSpPr>
-          <p:cNvPr id="4" name="Rechteck 3"/>
-          <p:cNvSpPr/>
+          <p:cNvPr id="4" name="Textfeld 3"/>
+          <p:cNvSpPr txBox="1"/>
           <p:nvPr/>
         </p:nvSpPr>
         <p:spPr>
           <a:xfrm>
-            <a:off x="521340" y="3337398"/>
-            <a:ext cx="8863324" cy="2215991"/>
+            <a:off x="313483" y="1929622"/>
+            <a:ext cx="9471539" cy="3980320"/>
           </a:xfrm>
           <a:prstGeom prst="rect">
             <a:avLst/>
           </a:prstGeom>
+          <a:noFill/>
         </p:spPr>
         <p:txBody>
-          <a:bodyPr wrap="none">
+          <a:bodyPr wrap="square" lIns="0" tIns="0" rIns="0" bIns="0" rtlCol="0">
             <a:spAutoFit/>
           </a:bodyPr>
           <a:lstStyle/>
           <a:p>
-            <a:pPr algn="ctr"/>
-            <a:r>
-              <a:rPr lang="de-DE" sz="13800" b="1" dirty="0" err="1">
-                <a:solidFill>
-                  <a:srgbClr val="025249"/>
-                </a:solidFill>
-                <a:latin typeface="Source Sans Pro" charset="0"/>
-                <a:ea typeface="Source Sans Pro" charset="0"/>
-                <a:cs typeface="Source Sans Pro" charset="0"/>
-              </a:rPr>
-              <a:t>Questions</a:t>
-            </a:r>
-            <a:r>
-              <a:rPr lang="de-DE" sz="13800" b="1" dirty="0">
-                <a:solidFill>
-                  <a:srgbClr val="025249"/>
-                </a:solidFill>
-                <a:latin typeface="Source Sans Pro" charset="0"/>
-                <a:ea typeface="Source Sans Pro" charset="0"/>
-                <a:cs typeface="Source Sans Pro" charset="0"/>
-              </a:rPr>
-              <a:t>?</a:t>
-            </a:r>
-          </a:p>
-        </p:txBody>
-      </p:sp>
-      <p:sp>
-        <p:nvSpPr>
-          <p:cNvPr id="6" name="Rechteck 5"/>
-          <p:cNvSpPr/>
-          <p:nvPr/>
-        </p:nvSpPr>
-        <p:spPr>
-          <a:xfrm>
-            <a:off x="2447891" y="1836717"/>
-            <a:ext cx="5010219" cy="400110"/>
-          </a:xfrm>
-          <a:prstGeom prst="rect">
-            <a:avLst/>
-          </a:prstGeom>
-        </p:spPr>
-        <p:txBody>
-          <a:bodyPr wrap="none">
-            <a:spAutoFit/>
-          </a:bodyPr>
-          <a:lstStyle/>
-          <a:p>
-            <a:pPr algn="ctr"/>
-            <a:r>
-              <a:rPr lang="de-DE" sz="2000" b="1" dirty="0" err="1">
-                <a:solidFill>
-                  <a:srgbClr val="025249"/>
-                </a:solidFill>
-              </a:rPr>
-              <a:t>Slides</a:t>
-            </a:r>
-            <a:r>
-              <a:rPr lang="de-DE" sz="2000" b="1" dirty="0">
-                <a:solidFill>
-                  <a:srgbClr val="025249"/>
-                </a:solidFill>
-              </a:rPr>
-              <a:t>: http://</a:t>
-            </a:r>
-            <a:r>
-              <a:rPr lang="de-DE" sz="2000" b="1" dirty="0" err="1">
-                <a:solidFill>
-                  <a:srgbClr val="025249"/>
-                </a:solidFill>
-              </a:rPr>
-              <a:t>bit.ly</a:t>
-            </a:r>
-            <a:r>
-              <a:rPr lang="de-DE" sz="2000" b="1" dirty="0">
-                <a:solidFill>
-                  <a:srgbClr val="025249"/>
-                </a:solidFill>
-              </a:rPr>
-              <a:t>/</a:t>
-            </a:r>
-            <a:r>
-              <a:rPr lang="de-DE" sz="2000" b="1" dirty="0" err="1">
-                <a:solidFill>
-                  <a:srgbClr val="025249"/>
-                </a:solidFill>
-              </a:rPr>
-              <a:t>voxxed-vienna-typescript</a:t>
-            </a:r>
-            <a:endParaRPr lang="de-DE" sz="2000" b="1" dirty="0">
+            <a:pPr marL="342900" indent="-342900">
+              <a:lnSpc>
+                <a:spcPct val="120000"/>
+              </a:lnSpc>
+              <a:buFont typeface="Arial" panose="020B0604020202020204" pitchFamily="34" charset="0"/>
+              <a:buChar char="•"/>
+            </a:pPr>
+            <a:r>
+              <a:rPr lang="en-US" sz="2000" b="1" dirty="0">
+                <a:solidFill>
+                  <a:srgbClr val="025249"/>
+                </a:solidFill>
+                <a:latin typeface="Source Sans Pro Semibold" panose="020B0503030403020204" pitchFamily="34" charset="77"/>
+                <a:ea typeface="Source Code Pro Medium" charset="0"/>
+                <a:cs typeface="Source Code Pro Medium" charset="0"/>
+              </a:rPr>
+              <a:t>Use the </a:t>
+            </a:r>
+            <a:r>
+              <a:rPr lang="en-US" sz="2000" b="1" i="1" dirty="0" err="1">
+                <a:solidFill>
+                  <a:srgbClr val="025249"/>
+                </a:solidFill>
+                <a:latin typeface="Source Sans Pro Semibold" panose="020B0503030403020204" pitchFamily="34" charset="77"/>
+                <a:ea typeface="Source Code Pro Medium" charset="0"/>
+                <a:cs typeface="Source Code Pro Medium" charset="0"/>
+              </a:rPr>
+              <a:t>ts</a:t>
+            </a:r>
+            <a:r>
+              <a:rPr lang="en-US" sz="2000" b="1" i="1" dirty="0">
+                <a:solidFill>
+                  <a:srgbClr val="025249"/>
+                </a:solidFill>
+                <a:latin typeface="Source Sans Pro Semibold" panose="020B0503030403020204" pitchFamily="34" charset="77"/>
+                <a:ea typeface="Source Code Pro Medium" charset="0"/>
+                <a:cs typeface="Source Code Pro Medium" charset="0"/>
+              </a:rPr>
+              <a:t>-check</a:t>
+            </a:r>
+            <a:r>
+              <a:rPr lang="en-US" sz="2000" b="1" dirty="0">
+                <a:solidFill>
+                  <a:srgbClr val="025249"/>
+                </a:solidFill>
+                <a:latin typeface="Source Sans Pro Semibold" panose="020B0503030403020204" pitchFamily="34" charset="77"/>
+                <a:ea typeface="Source Code Pro Medium" charset="0"/>
+                <a:cs typeface="Source Code Pro Medium" charset="0"/>
+              </a:rPr>
+              <a:t> </a:t>
+            </a:r>
+            <a:r>
+              <a:rPr lang="en-US" sz="2000" b="1" i="1" dirty="0">
+                <a:solidFill>
+                  <a:srgbClr val="025249"/>
+                </a:solidFill>
+                <a:latin typeface="Source Sans Pro Semibold" panose="020B0503030403020204" pitchFamily="34" charset="77"/>
+                <a:ea typeface="Source Code Pro Medium" charset="0"/>
+                <a:cs typeface="Source Code Pro Medium" charset="0"/>
+              </a:rPr>
+              <a:t>directive</a:t>
+            </a:r>
+            <a:r>
+              <a:rPr lang="en-US" sz="2000" b="1" dirty="0">
+                <a:solidFill>
+                  <a:srgbClr val="025249"/>
+                </a:solidFill>
+                <a:latin typeface="Source Sans Pro Semibold" panose="020B0503030403020204" pitchFamily="34" charset="77"/>
+                <a:ea typeface="Source Code Pro Medium" charset="0"/>
+                <a:cs typeface="Source Code Pro Medium" charset="0"/>
+              </a:rPr>
+              <a:t> at the beginning of a file</a:t>
+            </a:r>
+          </a:p>
+          <a:p>
+            <a:pPr marL="342900" indent="-342900">
+              <a:lnSpc>
+                <a:spcPct val="120000"/>
+              </a:lnSpc>
+              <a:buFont typeface="Arial" panose="020B0604020202020204" pitchFamily="34" charset="0"/>
+              <a:buChar char="•"/>
+            </a:pPr>
+            <a:r>
+              <a:rPr lang="en-US" sz="2000" b="1" dirty="0">
+                <a:solidFill>
+                  <a:srgbClr val="025249"/>
+                </a:solidFill>
+                <a:latin typeface="Source Sans Pro Semibold" panose="020B0503030403020204" pitchFamily="34" charset="77"/>
+                <a:ea typeface="Source Code Pro Medium" charset="0"/>
+                <a:cs typeface="Source Code Pro Medium" charset="0"/>
+              </a:rPr>
+              <a:t>You can add type information using </a:t>
+            </a:r>
+            <a:r>
+              <a:rPr lang="en-US" sz="2000" b="1" dirty="0" err="1">
+                <a:solidFill>
+                  <a:srgbClr val="025249"/>
+                </a:solidFill>
+                <a:latin typeface="Source Sans Pro Semibold" panose="020B0503030403020204" pitchFamily="34" charset="77"/>
+                <a:ea typeface="Source Code Pro Medium" charset="0"/>
+                <a:cs typeface="Source Code Pro Medium" charset="0"/>
+              </a:rPr>
+              <a:t>JSDoc</a:t>
+            </a:r>
+            <a:r>
+              <a:rPr lang="en-US" sz="2000" b="1" dirty="0">
+                <a:solidFill>
+                  <a:srgbClr val="025249"/>
+                </a:solidFill>
+                <a:latin typeface="Source Sans Pro Semibold" panose="020B0503030403020204" pitchFamily="34" charset="77"/>
+                <a:ea typeface="Source Code Pro Medium" charset="0"/>
+                <a:cs typeface="Source Code Pro Medium" charset="0"/>
+              </a:rPr>
+              <a:t> syntax</a:t>
+            </a:r>
+          </a:p>
+          <a:p>
+            <a:pPr>
+              <a:lnSpc>
+                <a:spcPct val="120000"/>
+              </a:lnSpc>
+            </a:pPr>
+            <a:endParaRPr lang="en-US" sz="1463" dirty="0">
               <a:solidFill>
                 <a:srgbClr val="025249"/>
               </a:solidFill>
+              <a:latin typeface="Source Code Pro Medium" charset="0"/>
+              <a:ea typeface="Source Code Pro Medium" charset="0"/>
+              <a:cs typeface="Source Code Pro Medium" charset="0"/>
+            </a:endParaRPr>
+          </a:p>
+          <a:p>
+            <a:pPr>
+              <a:lnSpc>
+                <a:spcPct val="120000"/>
+              </a:lnSpc>
+            </a:pPr>
+            <a:r>
+              <a:rPr lang="en-US" sz="1463" dirty="0">
+                <a:solidFill>
+                  <a:srgbClr val="025249"/>
+                </a:solidFill>
+                <a:latin typeface="Source Code Pro Medium" charset="0"/>
+                <a:ea typeface="Source Code Pro Medium" charset="0"/>
+                <a:cs typeface="Source Code Pro Medium" charset="0"/>
+              </a:rPr>
+              <a:t>// </a:t>
+            </a:r>
+            <a:r>
+              <a:rPr lang="en-US" sz="1463" dirty="0">
+                <a:solidFill>
+                  <a:srgbClr val="41719C"/>
+                </a:solidFill>
+                <a:latin typeface="Source Code Pro Medium" charset="0"/>
+                <a:ea typeface="Source Code Pro Medium" charset="0"/>
+                <a:cs typeface="Source Code Pro Medium" charset="0"/>
+              </a:rPr>
+              <a:t>@</a:t>
+            </a:r>
+            <a:r>
+              <a:rPr lang="en-US" sz="1463" dirty="0" err="1">
+                <a:solidFill>
+                  <a:srgbClr val="41719C"/>
+                </a:solidFill>
+                <a:latin typeface="Source Code Pro Medium" charset="0"/>
+                <a:ea typeface="Source Code Pro Medium" charset="0"/>
+                <a:cs typeface="Source Code Pro Medium" charset="0"/>
+              </a:rPr>
+              <a:t>ts</a:t>
+            </a:r>
+            <a:r>
+              <a:rPr lang="en-US" sz="1463" dirty="0">
+                <a:solidFill>
+                  <a:srgbClr val="41719C"/>
+                </a:solidFill>
+                <a:latin typeface="Source Code Pro Medium" charset="0"/>
+                <a:ea typeface="Source Code Pro Medium" charset="0"/>
+                <a:cs typeface="Source Code Pro Medium" charset="0"/>
+              </a:rPr>
+              <a:t>-check</a:t>
+            </a:r>
+          </a:p>
+          <a:p>
+            <a:pPr>
+              <a:lnSpc>
+                <a:spcPct val="120000"/>
+              </a:lnSpc>
+            </a:pPr>
+            <a:endParaRPr lang="en-US" sz="1463" dirty="0">
+              <a:solidFill>
+                <a:srgbClr val="025249"/>
+              </a:solidFill>
+              <a:latin typeface="Source Code Pro Medium" charset="0"/>
+              <a:ea typeface="Source Code Pro Medium" charset="0"/>
+              <a:cs typeface="Source Code Pro Medium" charset="0"/>
+            </a:endParaRPr>
+          </a:p>
+          <a:p>
+            <a:pPr>
+              <a:lnSpc>
+                <a:spcPct val="120000"/>
+              </a:lnSpc>
+            </a:pPr>
+            <a:r>
+              <a:rPr lang="en-US" sz="1463" dirty="0">
+                <a:solidFill>
+                  <a:srgbClr val="025249"/>
+                </a:solidFill>
+                <a:latin typeface="Source Code Pro Medium" charset="0"/>
+                <a:ea typeface="Source Code Pro Medium" charset="0"/>
+                <a:cs typeface="Source Code Pro Medium" charset="0"/>
+              </a:rPr>
+              <a:t>/** </a:t>
+            </a:r>
+          </a:p>
+          <a:p>
+            <a:pPr>
+              <a:lnSpc>
+                <a:spcPct val="120000"/>
+              </a:lnSpc>
+            </a:pPr>
+            <a:r>
+              <a:rPr lang="en-US" sz="1463" dirty="0">
+                <a:solidFill>
+                  <a:srgbClr val="025249"/>
+                </a:solidFill>
+                <a:latin typeface="Source Code Pro Medium" charset="0"/>
+                <a:ea typeface="Source Code Pro Medium" charset="0"/>
+                <a:cs typeface="Source Code Pro Medium" charset="0"/>
+              </a:rPr>
+              <a:t> * @</a:t>
+            </a:r>
+            <a:r>
+              <a:rPr lang="en-US" sz="1463" dirty="0" err="1">
+                <a:solidFill>
+                  <a:srgbClr val="025249"/>
+                </a:solidFill>
+                <a:latin typeface="Source Code Pro Medium" charset="0"/>
+                <a:ea typeface="Source Code Pro Medium" charset="0"/>
+                <a:cs typeface="Source Code Pro Medium" charset="0"/>
+              </a:rPr>
+              <a:t>param</a:t>
+            </a:r>
+            <a:r>
+              <a:rPr lang="en-US" sz="1463" dirty="0">
+                <a:solidFill>
+                  <a:srgbClr val="025249"/>
+                </a:solidFill>
+                <a:latin typeface="Source Code Pro Medium" charset="0"/>
+                <a:ea typeface="Source Code Pro Medium" charset="0"/>
+                <a:cs typeface="Source Code Pro Medium" charset="0"/>
+              </a:rPr>
+              <a:t> {</a:t>
+            </a:r>
+            <a:r>
+              <a:rPr lang="en-US" sz="1463" dirty="0">
+                <a:solidFill>
+                  <a:srgbClr val="C14026"/>
+                </a:solidFill>
+                <a:latin typeface="Source Code Pro Medium" charset="0"/>
+                <a:ea typeface="Source Code Pro Medium" charset="0"/>
+                <a:cs typeface="Source Code Pro Medium" charset="0"/>
+              </a:rPr>
+              <a:t>string</a:t>
+            </a:r>
+            <a:r>
+              <a:rPr lang="en-US" sz="1463" dirty="0">
+                <a:solidFill>
+                  <a:srgbClr val="025249"/>
+                </a:solidFill>
+                <a:latin typeface="Source Code Pro Medium" charset="0"/>
+                <a:ea typeface="Source Code Pro Medium" charset="0"/>
+                <a:cs typeface="Source Code Pro Medium" charset="0"/>
+              </a:rPr>
+              <a:t>} </a:t>
+            </a:r>
+            <a:r>
+              <a:rPr lang="en-US" sz="1463" dirty="0">
+                <a:solidFill>
+                  <a:srgbClr val="41719C"/>
+                </a:solidFill>
+                <a:latin typeface="Source Code Pro Medium" charset="0"/>
+                <a:ea typeface="Source Code Pro Medium" charset="0"/>
+                <a:cs typeface="Source Code Pro Medium" charset="0"/>
+              </a:rPr>
+              <a:t>name</a:t>
+            </a:r>
+            <a:r>
+              <a:rPr lang="en-US" sz="1463" dirty="0">
+                <a:solidFill>
+                  <a:srgbClr val="025249"/>
+                </a:solidFill>
+                <a:latin typeface="Source Code Pro Medium" charset="0"/>
+                <a:ea typeface="Source Code Pro Medium" charset="0"/>
+                <a:cs typeface="Source Code Pro Medium" charset="0"/>
+              </a:rPr>
+              <a:t>  The name </a:t>
+            </a:r>
+          </a:p>
+          <a:p>
+            <a:pPr>
+              <a:lnSpc>
+                <a:spcPct val="120000"/>
+              </a:lnSpc>
+            </a:pPr>
+            <a:r>
+              <a:rPr lang="en-US" sz="1463" dirty="0">
+                <a:solidFill>
+                  <a:srgbClr val="025249"/>
+                </a:solidFill>
+                <a:latin typeface="Source Code Pro Medium" charset="0"/>
+                <a:ea typeface="Source Code Pro Medium" charset="0"/>
+                <a:cs typeface="Source Code Pro Medium" charset="0"/>
+              </a:rPr>
+              <a:t> * @</a:t>
+            </a:r>
+            <a:r>
+              <a:rPr lang="en-US" sz="1463" dirty="0" err="1">
+                <a:solidFill>
+                  <a:srgbClr val="025249"/>
+                </a:solidFill>
+                <a:latin typeface="Source Code Pro Medium" charset="0"/>
+                <a:ea typeface="Source Code Pro Medium" charset="0"/>
+                <a:cs typeface="Source Code Pro Medium" charset="0"/>
+              </a:rPr>
+              <a:t>param</a:t>
+            </a:r>
+            <a:r>
+              <a:rPr lang="en-US" sz="1463" dirty="0">
+                <a:solidFill>
+                  <a:srgbClr val="025249"/>
+                </a:solidFill>
+                <a:latin typeface="Source Code Pro Medium" charset="0"/>
+                <a:ea typeface="Source Code Pro Medium" charset="0"/>
+                <a:cs typeface="Source Code Pro Medium" charset="0"/>
+              </a:rPr>
+              <a:t> {</a:t>
+            </a:r>
+            <a:r>
+              <a:rPr lang="en-US" sz="1463" dirty="0">
+                <a:solidFill>
+                  <a:srgbClr val="C14026"/>
+                </a:solidFill>
+                <a:latin typeface="Source Code Pro Medium" charset="0"/>
+                <a:ea typeface="Source Code Pro Medium" charset="0"/>
+                <a:cs typeface="Source Code Pro Medium" charset="0"/>
+              </a:rPr>
+              <a:t>number</a:t>
+            </a:r>
+            <a:r>
+              <a:rPr lang="en-US" sz="1463" dirty="0">
+                <a:solidFill>
+                  <a:srgbClr val="025249"/>
+                </a:solidFill>
+                <a:latin typeface="Source Code Pro Medium" charset="0"/>
+                <a:ea typeface="Source Code Pro Medium" charset="0"/>
+                <a:cs typeface="Source Code Pro Medium" charset="0"/>
+              </a:rPr>
+              <a:t>} </a:t>
+            </a:r>
+            <a:r>
+              <a:rPr lang="en-US" sz="1463" dirty="0">
+                <a:solidFill>
+                  <a:srgbClr val="41719C"/>
+                </a:solidFill>
+                <a:latin typeface="Source Code Pro Medium" charset="0"/>
+                <a:ea typeface="Source Code Pro Medium" charset="0"/>
+                <a:cs typeface="Source Code Pro Medium" charset="0"/>
+              </a:rPr>
+              <a:t>age</a:t>
+            </a:r>
+            <a:r>
+              <a:rPr lang="en-US" sz="1463" dirty="0">
+                <a:solidFill>
+                  <a:srgbClr val="025249"/>
+                </a:solidFill>
+                <a:latin typeface="Source Code Pro Medium" charset="0"/>
+                <a:ea typeface="Source Code Pro Medium" charset="0"/>
+                <a:cs typeface="Source Code Pro Medium" charset="0"/>
+              </a:rPr>
+              <a:t> The age </a:t>
+            </a:r>
+          </a:p>
+          <a:p>
+            <a:pPr>
+              <a:lnSpc>
+                <a:spcPct val="120000"/>
+              </a:lnSpc>
+            </a:pPr>
+            <a:r>
+              <a:rPr lang="en-US" sz="1463" dirty="0">
+                <a:solidFill>
+                  <a:srgbClr val="025249"/>
+                </a:solidFill>
+                <a:latin typeface="Source Code Pro Medium" charset="0"/>
+                <a:ea typeface="Source Code Pro Medium" charset="0"/>
+                <a:cs typeface="Source Code Pro Medium" charset="0"/>
+              </a:rPr>
+              <a:t> */</a:t>
+            </a:r>
+          </a:p>
+          <a:p>
+            <a:pPr>
+              <a:lnSpc>
+                <a:spcPct val="120000"/>
+              </a:lnSpc>
+            </a:pPr>
+            <a:r>
+              <a:rPr lang="en-US" sz="1463" dirty="0">
+                <a:solidFill>
+                  <a:srgbClr val="025249"/>
+                </a:solidFill>
+                <a:latin typeface="Source Code Pro Medium" charset="0"/>
+                <a:ea typeface="Source Code Pro Medium" charset="0"/>
+                <a:cs typeface="Source Code Pro Medium" charset="0"/>
+              </a:rPr>
+              <a:t>function </a:t>
+            </a:r>
+            <a:r>
+              <a:rPr lang="en-US" sz="1463" dirty="0" err="1">
+                <a:solidFill>
+                  <a:srgbClr val="025249"/>
+                </a:solidFill>
+                <a:latin typeface="Source Code Pro Medium" charset="0"/>
+                <a:ea typeface="Source Code Pro Medium" charset="0"/>
+                <a:cs typeface="Source Code Pro Medium" charset="0"/>
+              </a:rPr>
+              <a:t>newPerson</a:t>
+            </a:r>
+            <a:r>
+              <a:rPr lang="en-US" sz="1463" dirty="0">
+                <a:solidFill>
+                  <a:srgbClr val="025249"/>
+                </a:solidFill>
+                <a:latin typeface="Source Code Pro Medium" charset="0"/>
+                <a:ea typeface="Source Code Pro Medium" charset="0"/>
+                <a:cs typeface="Source Code Pro Medium" charset="0"/>
+              </a:rPr>
+              <a:t>(</a:t>
+            </a:r>
+            <a:r>
+              <a:rPr lang="en-US" sz="1463" dirty="0">
+                <a:solidFill>
+                  <a:srgbClr val="41719C"/>
+                </a:solidFill>
+                <a:latin typeface="Source Code Pro Medium" charset="0"/>
+                <a:ea typeface="Source Code Pro Medium" charset="0"/>
+                <a:cs typeface="Source Code Pro Medium" charset="0"/>
+              </a:rPr>
+              <a:t>name</a:t>
+            </a:r>
+            <a:r>
+              <a:rPr lang="en-US" sz="1463" dirty="0">
+                <a:solidFill>
+                  <a:srgbClr val="025249"/>
+                </a:solidFill>
+                <a:latin typeface="Source Code Pro Medium" charset="0"/>
+                <a:ea typeface="Source Code Pro Medium" charset="0"/>
+                <a:cs typeface="Source Code Pro Medium" charset="0"/>
+              </a:rPr>
+              <a:t>, </a:t>
+            </a:r>
+            <a:r>
+              <a:rPr lang="en-US" sz="1463" dirty="0">
+                <a:solidFill>
+                  <a:srgbClr val="41719C"/>
+                </a:solidFill>
+                <a:latin typeface="Source Code Pro Medium" charset="0"/>
+                <a:ea typeface="Source Code Pro Medium" charset="0"/>
+                <a:cs typeface="Source Code Pro Medium" charset="0"/>
+              </a:rPr>
+              <a:t>age</a:t>
+            </a:r>
+            <a:r>
+              <a:rPr lang="en-US" sz="1463" dirty="0">
+                <a:solidFill>
+                  <a:srgbClr val="025249"/>
+                </a:solidFill>
+                <a:latin typeface="Source Code Pro Medium" charset="0"/>
+                <a:ea typeface="Source Code Pro Medium" charset="0"/>
+                <a:cs typeface="Source Code Pro Medium" charset="0"/>
+              </a:rPr>
+              <a:t>) {</a:t>
+            </a:r>
+          </a:p>
+          <a:p>
+            <a:pPr>
+              <a:lnSpc>
+                <a:spcPct val="120000"/>
+              </a:lnSpc>
+            </a:pPr>
+            <a:r>
+              <a:rPr lang="en-US" sz="1463" dirty="0">
+                <a:solidFill>
+                  <a:srgbClr val="41719C"/>
+                </a:solidFill>
+                <a:latin typeface="Source Code Pro Medium" charset="0"/>
+                <a:ea typeface="Source Code Pro Medium" charset="0"/>
+                <a:cs typeface="Source Code Pro Medium" charset="0"/>
+              </a:rPr>
+              <a:t>  </a:t>
+            </a:r>
+            <a:r>
+              <a:rPr lang="en-US" sz="1463" dirty="0" err="1">
+                <a:solidFill>
+                  <a:srgbClr val="41719C"/>
+                </a:solidFill>
+                <a:latin typeface="Source Code Pro Medium" charset="0"/>
+                <a:ea typeface="Source Code Pro Medium" charset="0"/>
+                <a:cs typeface="Source Code Pro Medium" charset="0"/>
+              </a:rPr>
+              <a:t>name</a:t>
+            </a:r>
+            <a:r>
+              <a:rPr lang="en-US" sz="1463" dirty="0" err="1">
+                <a:solidFill>
+                  <a:srgbClr val="025249"/>
+                </a:solidFill>
+                <a:latin typeface="Source Code Pro Medium" charset="0"/>
+                <a:ea typeface="Source Code Pro Medium" charset="0"/>
+                <a:cs typeface="Source Code Pro Medium" charset="0"/>
+              </a:rPr>
+              <a:t>.toLowerCase</a:t>
+            </a:r>
+            <a:r>
+              <a:rPr lang="en-US" sz="1463" dirty="0">
+                <a:solidFill>
+                  <a:srgbClr val="025249"/>
+                </a:solidFill>
+                <a:latin typeface="Source Code Pro Medium" charset="0"/>
+                <a:ea typeface="Source Code Pro Medium" charset="0"/>
+                <a:cs typeface="Source Code Pro Medium" charset="0"/>
+              </a:rPr>
+              <a:t>(); // OK</a:t>
+            </a:r>
+          </a:p>
+          <a:p>
+            <a:pPr>
+              <a:lnSpc>
+                <a:spcPct val="120000"/>
+              </a:lnSpc>
+            </a:pPr>
+            <a:r>
+              <a:rPr lang="en-US" sz="1463" dirty="0">
+                <a:solidFill>
+                  <a:srgbClr val="41719C"/>
+                </a:solidFill>
+                <a:latin typeface="Source Code Pro Medium" charset="0"/>
+                <a:ea typeface="Source Code Pro Medium" charset="0"/>
+                <a:cs typeface="Source Code Pro Medium" charset="0"/>
+              </a:rPr>
+              <a:t>  </a:t>
+            </a:r>
+            <a:r>
+              <a:rPr lang="en-US" sz="1463" dirty="0" err="1">
+                <a:solidFill>
+                  <a:srgbClr val="41719C"/>
+                </a:solidFill>
+                <a:latin typeface="Source Code Pro Medium" charset="0"/>
+                <a:ea typeface="Source Code Pro Medium" charset="0"/>
+                <a:cs typeface="Source Code Pro Medium" charset="0"/>
+              </a:rPr>
+              <a:t>age</a:t>
+            </a:r>
+            <a:r>
+              <a:rPr lang="en-US" sz="1463" dirty="0" err="1">
+                <a:solidFill>
+                  <a:srgbClr val="025249"/>
+                </a:solidFill>
+                <a:latin typeface="Source Code Pro Medium" charset="0"/>
+                <a:ea typeface="Source Code Pro Medium" charset="0"/>
+                <a:cs typeface="Source Code Pro Medium" charset="0"/>
+              </a:rPr>
+              <a:t>.toLowerCase</a:t>
+            </a:r>
+            <a:r>
+              <a:rPr lang="en-US" sz="1463" dirty="0">
+                <a:solidFill>
+                  <a:srgbClr val="025249"/>
+                </a:solidFill>
+                <a:latin typeface="Source Code Pro Medium" charset="0"/>
+                <a:ea typeface="Source Code Pro Medium" charset="0"/>
+                <a:cs typeface="Source Code Pro Medium" charset="0"/>
+              </a:rPr>
+              <a:t>(); // ERROR Property '</a:t>
+            </a:r>
+            <a:r>
+              <a:rPr lang="en-US" sz="1463" dirty="0" err="1">
+                <a:solidFill>
+                  <a:srgbClr val="025249"/>
+                </a:solidFill>
+                <a:latin typeface="Source Code Pro Medium" charset="0"/>
+                <a:ea typeface="Source Code Pro Medium" charset="0"/>
+                <a:cs typeface="Source Code Pro Medium" charset="0"/>
+              </a:rPr>
+              <a:t>toLowerCase</a:t>
+            </a:r>
+            <a:r>
+              <a:rPr lang="en-US" sz="1463" dirty="0">
+                <a:solidFill>
+                  <a:srgbClr val="025249"/>
+                </a:solidFill>
+                <a:latin typeface="Source Code Pro Medium" charset="0"/>
+                <a:ea typeface="Source Code Pro Medium" charset="0"/>
+                <a:cs typeface="Source Code Pro Medium" charset="0"/>
+              </a:rPr>
+              <a:t>' does not exist on type 'number'</a:t>
+            </a:r>
+          </a:p>
+          <a:p>
+            <a:pPr>
+              <a:lnSpc>
+                <a:spcPct val="120000"/>
+              </a:lnSpc>
+            </a:pPr>
+            <a:r>
+              <a:rPr lang="en-US" sz="1463" dirty="0">
+                <a:solidFill>
+                  <a:srgbClr val="025249"/>
+                </a:solidFill>
+                <a:latin typeface="Source Code Pro Medium" charset="0"/>
+                <a:ea typeface="Source Code Pro Medium" charset="0"/>
+                <a:cs typeface="Source Code Pro Medium" charset="0"/>
+              </a:rPr>
+              <a:t>}</a:t>
+            </a:r>
+          </a:p>
+          <a:p>
+            <a:pPr>
+              <a:lnSpc>
+                <a:spcPct val="120000"/>
+              </a:lnSpc>
+            </a:pPr>
+            <a:endParaRPr lang="en-US" sz="1463" dirty="0">
+              <a:solidFill>
+                <a:srgbClr val="025249"/>
+              </a:solidFill>
+              <a:latin typeface="Source Code Pro Medium" charset="0"/>
+              <a:ea typeface="Source Code Pro Medium" charset="0"/>
+              <a:cs typeface="Source Code Pro Medium" charset="0"/>
             </a:endParaRPr>
           </a:p>
         </p:txBody>
@@ -7428,7 +8247,7 @@
     </p:spTree>
     <p:extLst>
       <p:ext uri="{BB962C8B-B14F-4D97-AF65-F5344CB8AC3E}">
-        <p14:creationId xmlns:p14="http://schemas.microsoft.com/office/powerpoint/2010/main" val="881093354"/>
+        <p14:creationId xmlns:p14="http://schemas.microsoft.com/office/powerpoint/2010/main" val="4038338024"/>
       </p:ext>
     </p:extLst>
   </p:cSld>
@@ -7491,7 +8310,7 @@
         <p:spPr>
           <a:xfrm>
             <a:off x="2477001" y="420867"/>
-            <a:ext cx="4951998" cy="2123658"/>
+            <a:ext cx="4951997" cy="4585871"/>
           </a:xfrm>
           <a:prstGeom prst="rect">
             <a:avLst/>
@@ -7566,6 +8385,17 @@
           </a:p>
           <a:p>
             <a:pPr algn="ctr"/>
+            <a:endParaRPr lang="de-DE" sz="2400" b="1" dirty="0">
+              <a:solidFill>
+                <a:srgbClr val="41719C"/>
+              </a:solidFill>
+              <a:latin typeface="Source Sans Pro" charset="0"/>
+              <a:ea typeface="Source Sans Pro" charset="0"/>
+              <a:cs typeface="Source Sans Pro" charset="0"/>
+            </a:endParaRPr>
+          </a:p>
+          <a:p>
+            <a:pPr algn="ctr"/>
             <a:r>
               <a:rPr lang="de-DE" sz="2400" b="1" dirty="0">
                 <a:solidFill>
@@ -7575,7 +8405,7 @@
                 <a:ea typeface="Source Sans Pro" charset="0"/>
                 <a:cs typeface="Source Sans Pro" charset="0"/>
               </a:rPr>
-              <a:t>JavaScript, Java</a:t>
+              <a:t>Java </a:t>
             </a:r>
           </a:p>
           <a:p>
@@ -7589,11 +8419,168 @@
                 <a:ea typeface="Source Sans Pro" charset="0"/>
                 <a:cs typeface="Source Sans Pro" charset="0"/>
               </a:rPr>
+              <a:t>JavaScript, </a:t>
+            </a:r>
+            <a:r>
+              <a:rPr lang="de-DE" sz="2400" b="1" dirty="0" err="1">
+                <a:solidFill>
+                  <a:srgbClr val="41719C"/>
+                </a:solidFill>
+                <a:latin typeface="Source Sans Pro" charset="0"/>
+                <a:ea typeface="Source Sans Pro" charset="0"/>
+                <a:cs typeface="Source Sans Pro" charset="0"/>
+              </a:rPr>
+              <a:t>TypeScript</a:t>
+            </a:r>
+            <a:r>
+              <a:rPr lang="de-DE" sz="2400" b="1" dirty="0">
+                <a:solidFill>
+                  <a:srgbClr val="41719C"/>
+                </a:solidFill>
+                <a:latin typeface="Source Sans Pro" charset="0"/>
+                <a:ea typeface="Source Sans Pro" charset="0"/>
+                <a:cs typeface="Source Sans Pro" charset="0"/>
+              </a:rPr>
+              <a:t>, </a:t>
+            </a:r>
+            <a:r>
+              <a:rPr lang="de-DE" sz="2400" b="1" dirty="0" err="1">
+                <a:solidFill>
+                  <a:srgbClr val="41719C"/>
+                </a:solidFill>
+                <a:latin typeface="Source Sans Pro" charset="0"/>
+                <a:ea typeface="Source Sans Pro" charset="0"/>
+                <a:cs typeface="Source Sans Pro" charset="0"/>
+              </a:rPr>
+              <a:t>React</a:t>
+            </a:r>
+            <a:endParaRPr lang="de-DE" sz="2400" b="1" dirty="0">
+              <a:solidFill>
+                <a:srgbClr val="41719C"/>
+              </a:solidFill>
+              <a:latin typeface="Source Sans Pro" charset="0"/>
+              <a:ea typeface="Source Sans Pro" charset="0"/>
+              <a:cs typeface="Source Sans Pro" charset="0"/>
+            </a:endParaRPr>
+          </a:p>
+          <a:p>
+            <a:pPr algn="ctr"/>
+            <a:endParaRPr lang="de-DE" sz="2400" b="1" dirty="0">
+              <a:solidFill>
+                <a:srgbClr val="41719C"/>
+              </a:solidFill>
+              <a:latin typeface="Source Sans Pro" charset="0"/>
+              <a:ea typeface="Source Sans Pro" charset="0"/>
+              <a:cs typeface="Source Sans Pro" charset="0"/>
+            </a:endParaRPr>
+          </a:p>
+          <a:p>
+            <a:pPr algn="ctr"/>
+            <a:r>
+              <a:rPr lang="de-DE" sz="2400" b="1" dirty="0">
+                <a:solidFill>
+                  <a:srgbClr val="41719C"/>
+                </a:solidFill>
+                <a:latin typeface="Source Sans Pro" charset="0"/>
+                <a:ea typeface="Source Sans Pro" charset="0"/>
+                <a:cs typeface="Source Sans Pro" charset="0"/>
+              </a:rPr>
               <a:t>Trainings, Workshops</a:t>
             </a:r>
-            <a:endParaRPr lang="de-DE" sz="3200" b="1" dirty="0">
+          </a:p>
+          <a:p>
+            <a:pPr algn="ctr"/>
+            <a:endParaRPr lang="de-DE" sz="2400" b="1" dirty="0">
               <a:solidFill>
-                <a:srgbClr val="36544F"/>
+                <a:srgbClr val="41719C"/>
+              </a:solidFill>
+              <a:latin typeface="Source Sans Pro" charset="0"/>
+              <a:ea typeface="Source Sans Pro" charset="0"/>
+              <a:cs typeface="Source Sans Pro" charset="0"/>
+            </a:endParaRPr>
+          </a:p>
+          <a:p>
+            <a:pPr algn="ctr"/>
+            <a:endParaRPr lang="de-DE" sz="2400" b="1" dirty="0">
+              <a:solidFill>
+                <a:srgbClr val="41719C"/>
+              </a:solidFill>
+              <a:latin typeface="Source Sans Pro" charset="0"/>
+              <a:ea typeface="Source Sans Pro" charset="0"/>
+              <a:cs typeface="Source Sans Pro" charset="0"/>
+            </a:endParaRPr>
+          </a:p>
+          <a:p>
+            <a:pPr algn="ctr"/>
+            <a:r>
+              <a:rPr lang="de-DE" sz="2000" b="1" dirty="0" err="1">
+                <a:solidFill>
+                  <a:srgbClr val="57A2C5"/>
+                </a:solidFill>
+                <a:latin typeface="Source Sans Pro" charset="0"/>
+                <a:ea typeface="Source Sans Pro" charset="0"/>
+                <a:cs typeface="Source Sans Pro" charset="0"/>
+              </a:rPr>
+              <a:t>nils@nilshartmann.net</a:t>
+            </a:r>
+            <a:endParaRPr lang="de-DE" sz="2000" b="1" dirty="0">
+              <a:solidFill>
+                <a:srgbClr val="57A2C5"/>
+              </a:solidFill>
+              <a:latin typeface="Source Sans Pro" charset="0"/>
+              <a:ea typeface="Source Sans Pro" charset="0"/>
+              <a:cs typeface="Source Sans Pro" charset="0"/>
+            </a:endParaRPr>
+          </a:p>
+          <a:p>
+            <a:pPr algn="ctr"/>
+            <a:r>
+              <a:rPr lang="de-DE" sz="2000" b="1" dirty="0">
+                <a:solidFill>
+                  <a:srgbClr val="57A2C5"/>
+                </a:solidFill>
+                <a:latin typeface="Source Sans Pro" charset="0"/>
+                <a:ea typeface="Source Sans Pro" charset="0"/>
+                <a:cs typeface="Source Sans Pro" charset="0"/>
+              </a:rPr>
+              <a:t>https://</a:t>
+            </a:r>
+            <a:r>
+              <a:rPr lang="de-DE" sz="2000" b="1" dirty="0" err="1">
+                <a:solidFill>
+                  <a:srgbClr val="57A2C5"/>
+                </a:solidFill>
+                <a:latin typeface="Source Sans Pro" charset="0"/>
+                <a:ea typeface="Source Sans Pro" charset="0"/>
+                <a:cs typeface="Source Sans Pro" charset="0"/>
+              </a:rPr>
+              <a:t>github.com</a:t>
+            </a:r>
+            <a:r>
+              <a:rPr lang="de-DE" sz="2000" b="1" dirty="0">
+                <a:solidFill>
+                  <a:srgbClr val="57A2C5"/>
+                </a:solidFill>
+                <a:latin typeface="Source Sans Pro" charset="0"/>
+                <a:ea typeface="Source Sans Pro" charset="0"/>
+                <a:cs typeface="Source Sans Pro" charset="0"/>
+              </a:rPr>
+              <a:t>/</a:t>
+            </a:r>
+            <a:r>
+              <a:rPr lang="de-DE" sz="2000" b="1" dirty="0" err="1">
+                <a:solidFill>
+                  <a:srgbClr val="57A2C5"/>
+                </a:solidFill>
+                <a:latin typeface="Source Sans Pro" charset="0"/>
+                <a:ea typeface="Source Sans Pro" charset="0"/>
+                <a:cs typeface="Source Sans Pro" charset="0"/>
+              </a:rPr>
+              <a:t>nilshartmann</a:t>
+            </a:r>
+            <a:endParaRPr lang="de-DE" sz="2800" b="1" dirty="0">
+              <a:solidFill>
+                <a:srgbClr val="57A2C5"/>
               </a:solidFill>
               <a:latin typeface="Source Sans Pro" charset="0"/>
               <a:ea typeface="Source Sans Pro" charset="0"/>
@@ -7606,6 +8593,249 @@
     <p:extLst>
       <p:ext uri="{BB962C8B-B14F-4D97-AF65-F5344CB8AC3E}">
         <p14:creationId xmlns:p14="http://schemas.microsoft.com/office/powerpoint/2010/main" val="1072893827"/>
+      </p:ext>
+    </p:extLst>
+  </p:cSld>
+  <p:clrMapOvr>
+    <a:masterClrMapping/>
+  </p:clrMapOvr>
+</p:sld>
+</file>
+
+<file path=ppt/slides/slide20.xml><?xml version="1.0" encoding="utf-8"?>
+<p:sld xmlns:a="http://schemas.openxmlformats.org/drawingml/2006/main" xmlns:r="http://schemas.openxmlformats.org/officeDocument/2006/relationships" xmlns:p="http://schemas.openxmlformats.org/presentationml/2006/main">
+  <p:cSld>
+    <p:spTree>
+      <p:nvGrpSpPr>
+        <p:cNvPr id="1" name=""/>
+        <p:cNvGrpSpPr/>
+        <p:nvPr/>
+      </p:nvGrpSpPr>
+      <p:grpSpPr>
+        <a:xfrm>
+          <a:off x="0" y="0"/>
+          <a:ext cx="0" cy="0"/>
+          <a:chOff x="0" y="0"/>
+          <a:chExt cx="0" cy="0"/>
+        </a:xfrm>
+      </p:grpSpPr>
+      <p:sp>
+        <p:nvSpPr>
+          <p:cNvPr id="2" name="Titel 1"/>
+          <p:cNvSpPr>
+            <a:spLocks noGrp="1"/>
+          </p:cNvSpPr>
+          <p:nvPr>
+            <p:ph type="title"/>
+          </p:nvPr>
+        </p:nvSpPr>
+        <p:spPr/>
+        <p:txBody>
+          <a:bodyPr/>
+          <a:lstStyle/>
+          <a:p>
+            <a:r>
+              <a:rPr lang="de-DE" spc="80" dirty="0"/>
+              <a:t>HTTPS://NILSHARTMANN.NET | @</a:t>
+            </a:r>
+            <a:r>
+              <a:rPr lang="de-DE" spc="80" dirty="0" err="1"/>
+              <a:t>nilshartmann</a:t>
+            </a:r>
+            <a:endParaRPr lang="de-DE" spc="80" dirty="0"/>
+          </a:p>
+        </p:txBody>
+      </p:sp>
+      <p:sp>
+        <p:nvSpPr>
+          <p:cNvPr id="3" name="Rechteck 2"/>
+          <p:cNvSpPr/>
+          <p:nvPr/>
+        </p:nvSpPr>
+        <p:spPr>
+          <a:xfrm>
+            <a:off x="1154048" y="1029940"/>
+            <a:ext cx="7597902" cy="923330"/>
+          </a:xfrm>
+          <a:prstGeom prst="rect">
+            <a:avLst/>
+          </a:prstGeom>
+        </p:spPr>
+        <p:txBody>
+          <a:bodyPr wrap="square">
+            <a:spAutoFit/>
+          </a:bodyPr>
+          <a:lstStyle/>
+          <a:p>
+            <a:pPr algn="ctr"/>
+            <a:r>
+              <a:rPr lang="de-DE" sz="5400" b="1" dirty="0" err="1">
+                <a:solidFill>
+                  <a:srgbClr val="EF7D1D"/>
+                </a:solidFill>
+                <a:latin typeface="Source Sans Pro Semibold" charset="0"/>
+                <a:ea typeface="Source Sans Pro Semibold" charset="0"/>
+                <a:cs typeface="Source Sans Pro Semibold" charset="0"/>
+              </a:rPr>
+              <a:t>Thank</a:t>
+            </a:r>
+            <a:r>
+              <a:rPr lang="de-DE" sz="5400" b="1" dirty="0">
+                <a:solidFill>
+                  <a:srgbClr val="EF7D1D"/>
+                </a:solidFill>
+                <a:latin typeface="Source Sans Pro Semibold" charset="0"/>
+                <a:ea typeface="Source Sans Pro Semibold" charset="0"/>
+                <a:cs typeface="Source Sans Pro Semibold" charset="0"/>
+              </a:rPr>
+              <a:t> </a:t>
+            </a:r>
+            <a:r>
+              <a:rPr lang="de-DE" sz="5400" b="1" dirty="0" err="1">
+                <a:solidFill>
+                  <a:srgbClr val="EF7D1D"/>
+                </a:solidFill>
+                <a:latin typeface="Source Sans Pro Semibold" charset="0"/>
+                <a:ea typeface="Source Sans Pro Semibold" charset="0"/>
+                <a:cs typeface="Source Sans Pro Semibold" charset="0"/>
+              </a:rPr>
+              <a:t>you</a:t>
+            </a:r>
+            <a:r>
+              <a:rPr lang="de-DE" sz="5400" b="1" dirty="0">
+                <a:solidFill>
+                  <a:srgbClr val="EF7D1D"/>
+                </a:solidFill>
+                <a:latin typeface="Source Sans Pro Semibold" charset="0"/>
+                <a:ea typeface="Source Sans Pro Semibold" charset="0"/>
+                <a:cs typeface="Source Sans Pro Semibold" charset="0"/>
+              </a:rPr>
+              <a:t>!</a:t>
+            </a:r>
+          </a:p>
+        </p:txBody>
+      </p:sp>
+      <p:sp>
+        <p:nvSpPr>
+          <p:cNvPr id="4" name="Rechteck 3"/>
+          <p:cNvSpPr/>
+          <p:nvPr/>
+        </p:nvSpPr>
+        <p:spPr>
+          <a:xfrm>
+            <a:off x="521340" y="3337398"/>
+            <a:ext cx="8863324" cy="2215991"/>
+          </a:xfrm>
+          <a:prstGeom prst="rect">
+            <a:avLst/>
+          </a:prstGeom>
+        </p:spPr>
+        <p:txBody>
+          <a:bodyPr wrap="none">
+            <a:spAutoFit/>
+          </a:bodyPr>
+          <a:lstStyle/>
+          <a:p>
+            <a:pPr algn="ctr"/>
+            <a:r>
+              <a:rPr lang="de-DE" sz="13800" b="1" dirty="0" err="1">
+                <a:solidFill>
+                  <a:srgbClr val="025249"/>
+                </a:solidFill>
+                <a:latin typeface="Source Sans Pro" charset="0"/>
+                <a:ea typeface="Source Sans Pro" charset="0"/>
+                <a:cs typeface="Source Sans Pro" charset="0"/>
+              </a:rPr>
+              <a:t>Questions</a:t>
+            </a:r>
+            <a:r>
+              <a:rPr lang="de-DE" sz="13800" b="1" dirty="0">
+                <a:solidFill>
+                  <a:srgbClr val="025249"/>
+                </a:solidFill>
+                <a:latin typeface="Source Sans Pro" charset="0"/>
+                <a:ea typeface="Source Sans Pro" charset="0"/>
+                <a:cs typeface="Source Sans Pro" charset="0"/>
+              </a:rPr>
+              <a:t>?</a:t>
+            </a:r>
+          </a:p>
+        </p:txBody>
+      </p:sp>
+      <p:sp>
+        <p:nvSpPr>
+          <p:cNvPr id="6" name="Rechteck 5"/>
+          <p:cNvSpPr/>
+          <p:nvPr/>
+        </p:nvSpPr>
+        <p:spPr>
+          <a:xfrm>
+            <a:off x="2447891" y="1836717"/>
+            <a:ext cx="5010219" cy="400110"/>
+          </a:xfrm>
+          <a:prstGeom prst="rect">
+            <a:avLst/>
+          </a:prstGeom>
+        </p:spPr>
+        <p:txBody>
+          <a:bodyPr wrap="none">
+            <a:spAutoFit/>
+          </a:bodyPr>
+          <a:lstStyle/>
+          <a:p>
+            <a:pPr algn="ctr"/>
+            <a:r>
+              <a:rPr lang="de-DE" sz="2000" b="1" dirty="0" err="1">
+                <a:solidFill>
+                  <a:srgbClr val="025249"/>
+                </a:solidFill>
+              </a:rPr>
+              <a:t>Slides</a:t>
+            </a:r>
+            <a:r>
+              <a:rPr lang="de-DE" sz="2000" b="1" dirty="0">
+                <a:solidFill>
+                  <a:srgbClr val="025249"/>
+                </a:solidFill>
+              </a:rPr>
+              <a:t>: http://</a:t>
+            </a:r>
+            <a:r>
+              <a:rPr lang="de-DE" sz="2000" b="1" dirty="0" err="1">
+                <a:solidFill>
+                  <a:srgbClr val="025249"/>
+                </a:solidFill>
+              </a:rPr>
+              <a:t>bit.ly</a:t>
+            </a:r>
+            <a:r>
+              <a:rPr lang="de-DE" sz="2000" b="1" dirty="0">
+                <a:solidFill>
+                  <a:srgbClr val="025249"/>
+                </a:solidFill>
+              </a:rPr>
+              <a:t>/</a:t>
+            </a:r>
+            <a:r>
+              <a:rPr lang="de-DE" sz="2000" b="1" dirty="0" err="1">
+                <a:solidFill>
+                  <a:srgbClr val="025249"/>
+                </a:solidFill>
+              </a:rPr>
+              <a:t>voxxed-vienna-typescript</a:t>
+            </a:r>
+            <a:endParaRPr lang="de-DE" sz="2000" b="1" dirty="0">
+              <a:solidFill>
+                <a:srgbClr val="025249"/>
+              </a:solidFill>
+            </a:endParaRPr>
+          </a:p>
+        </p:txBody>
+      </p:sp>
+    </p:spTree>
+    <p:extLst>
+      <p:ext uri="{BB962C8B-B14F-4D97-AF65-F5344CB8AC3E}">
+        <p14:creationId xmlns:p14="http://schemas.microsoft.com/office/powerpoint/2010/main" val="881093354"/>
       </p:ext>
     </p:extLst>
   </p:cSld>
@@ -9353,7 +10583,57 @@
       </p:grpSpPr>
       <p:sp>
         <p:nvSpPr>
-          <p:cNvPr id="2" name="Titel 1"/>
+          <p:cNvPr id="4" name="Rechteck 3"/>
+          <p:cNvSpPr/>
+          <p:nvPr/>
+        </p:nvSpPr>
+        <p:spPr>
+          <a:xfrm>
+            <a:off x="2298266" y="3797848"/>
+            <a:ext cx="5309467" cy="1831271"/>
+          </a:xfrm>
+          <a:prstGeom prst="rect">
+            <a:avLst/>
+          </a:prstGeom>
+        </p:spPr>
+        <p:txBody>
+          <a:bodyPr wrap="none">
+            <a:spAutoFit/>
+          </a:bodyPr>
+          <a:lstStyle/>
+          <a:p>
+            <a:pPr algn="ctr"/>
+            <a:r>
+              <a:rPr lang="de-DE" sz="11300" b="1" dirty="0">
+                <a:solidFill>
+                  <a:srgbClr val="025249"/>
+                </a:solidFill>
+                <a:latin typeface="Montserrat" charset="0"/>
+                <a:ea typeface="Montserrat" charset="0"/>
+                <a:cs typeface="Montserrat" charset="0"/>
+              </a:rPr>
+              <a:t>Syntax</a:t>
+            </a:r>
+            <a:endParaRPr lang="de-DE" sz="2000" b="1" dirty="0">
+              <a:solidFill>
+                <a:srgbClr val="025249"/>
+              </a:solidFill>
+              <a:latin typeface="Montserrat" charset="0"/>
+              <a:ea typeface="Montserrat" charset="0"/>
+              <a:cs typeface="Montserrat" charset="0"/>
+            </a:endParaRPr>
+          </a:p>
+        </p:txBody>
+      </p:sp>
+      <p:sp>
+        <p:nvSpPr>
+          <p:cNvPr id="6" name="Titel 5">
+            <a:extLst>
+              <a:ext uri="{FF2B5EF4-FFF2-40B4-BE49-F238E27FC236}">
+                <a16:creationId xmlns:a16="http://schemas.microsoft.com/office/drawing/2014/main" id="{DCF768D8-5B85-6843-AD0A-D9DEB9902FC2}"/>
+              </a:ext>
+            </a:extLst>
+          </p:cNvPr>
           <p:cNvSpPr>
             <a:spLocks noGrp="1"/>
           </p:cNvSpPr>
@@ -9366,853 +10646,14 @@
           <a:bodyPr/>
           <a:lstStyle/>
           <a:p>
-            <a:r>
-              <a:rPr lang="de-DE" dirty="0"/>
-              <a:t>Type </a:t>
-            </a:r>
-            <a:r>
-              <a:rPr lang="de-DE" dirty="0" err="1"/>
-              <a:t>Checking</a:t>
-            </a:r>
-            <a:r>
-              <a:rPr lang="de-DE" dirty="0"/>
-              <a:t> JavaScript Code</a:t>
-            </a:r>
-          </a:p>
-        </p:txBody>
-      </p:sp>
-      <p:sp>
-        <p:nvSpPr>
-          <p:cNvPr id="3" name="Textfeld 2"/>
-          <p:cNvSpPr txBox="1"/>
-          <p:nvPr/>
-        </p:nvSpPr>
-        <p:spPr>
-          <a:xfrm>
-            <a:off x="203200" y="1268793"/>
-            <a:ext cx="9499600" cy="504946"/>
-          </a:xfrm>
-          <a:prstGeom prst="rect">
-            <a:avLst/>
-          </a:prstGeom>
-          <a:noFill/>
-        </p:spPr>
-        <p:txBody>
-          <a:bodyPr wrap="square" rtlCol="0">
-            <a:spAutoFit/>
-          </a:bodyPr>
-          <a:lstStyle/>
-          <a:p>
-            <a:pPr>
-              <a:lnSpc>
-                <a:spcPct val="120000"/>
-              </a:lnSpc>
-            </a:pPr>
-            <a:r>
-              <a:rPr lang="de-DE" sz="2400" b="1" dirty="0" err="1">
-                <a:solidFill>
-                  <a:srgbClr val="EF7D1D"/>
-                </a:solidFill>
-                <a:latin typeface="Source Sans Pro" charset="0"/>
-                <a:ea typeface="Source Sans Pro" charset="0"/>
-                <a:cs typeface="Source Sans Pro" charset="0"/>
-              </a:rPr>
-              <a:t>You</a:t>
-            </a:r>
-            <a:r>
-              <a:rPr lang="de-DE" sz="2400" b="1" dirty="0">
-                <a:solidFill>
-                  <a:srgbClr val="EF7D1D"/>
-                </a:solidFill>
-                <a:latin typeface="Source Sans Pro" charset="0"/>
-                <a:ea typeface="Source Sans Pro" charset="0"/>
-                <a:cs typeface="Source Sans Pro" charset="0"/>
-              </a:rPr>
-              <a:t> </a:t>
-            </a:r>
-            <a:r>
-              <a:rPr lang="de-DE" sz="2400" b="1" dirty="0" err="1">
-                <a:solidFill>
-                  <a:srgbClr val="EF7D1D"/>
-                </a:solidFill>
-                <a:latin typeface="Source Sans Pro" charset="0"/>
-                <a:ea typeface="Source Sans Pro" charset="0"/>
-                <a:cs typeface="Source Sans Pro" charset="0"/>
-              </a:rPr>
-              <a:t>can</a:t>
-            </a:r>
-            <a:r>
-              <a:rPr lang="de-DE" sz="2400" b="1" dirty="0">
-                <a:solidFill>
-                  <a:srgbClr val="EF7D1D"/>
-                </a:solidFill>
-                <a:latin typeface="Source Sans Pro" charset="0"/>
-                <a:ea typeface="Source Sans Pro" charset="0"/>
-                <a:cs typeface="Source Sans Pro" charset="0"/>
-              </a:rPr>
-              <a:t> </a:t>
-            </a:r>
-            <a:r>
-              <a:rPr lang="de-DE" sz="2400" b="1" dirty="0" err="1">
-                <a:solidFill>
-                  <a:srgbClr val="EF7D1D"/>
-                </a:solidFill>
-                <a:latin typeface="Source Sans Pro" charset="0"/>
-                <a:ea typeface="Source Sans Pro" charset="0"/>
-                <a:cs typeface="Source Sans Pro" charset="0"/>
-              </a:rPr>
-              <a:t>enable</a:t>
-            </a:r>
-            <a:r>
-              <a:rPr lang="de-DE" sz="2400" b="1" dirty="0">
-                <a:solidFill>
-                  <a:srgbClr val="EF7D1D"/>
-                </a:solidFill>
-                <a:latin typeface="Source Sans Pro" charset="0"/>
-                <a:ea typeface="Source Sans Pro" charset="0"/>
-                <a:cs typeface="Source Sans Pro" charset="0"/>
-              </a:rPr>
-              <a:t> type </a:t>
-            </a:r>
-            <a:r>
-              <a:rPr lang="de-DE" sz="2400" b="1" dirty="0" err="1">
-                <a:solidFill>
-                  <a:srgbClr val="EF7D1D"/>
-                </a:solidFill>
-                <a:latin typeface="Source Sans Pro" charset="0"/>
-                <a:ea typeface="Source Sans Pro" charset="0"/>
-                <a:cs typeface="Source Sans Pro" charset="0"/>
-              </a:rPr>
-              <a:t>checking</a:t>
-            </a:r>
-            <a:r>
-              <a:rPr lang="de-DE" sz="2400" b="1" dirty="0">
-                <a:solidFill>
-                  <a:srgbClr val="EF7D1D"/>
-                </a:solidFill>
-                <a:latin typeface="Source Sans Pro" charset="0"/>
-                <a:ea typeface="Source Sans Pro" charset="0"/>
-                <a:cs typeface="Source Sans Pro" charset="0"/>
-              </a:rPr>
-              <a:t> </a:t>
-            </a:r>
-            <a:r>
-              <a:rPr lang="de-DE" sz="2400" b="1" dirty="0" err="1">
-                <a:solidFill>
-                  <a:srgbClr val="EF7D1D"/>
-                </a:solidFill>
-                <a:latin typeface="Source Sans Pro" charset="0"/>
-                <a:ea typeface="Source Sans Pro" charset="0"/>
-                <a:cs typeface="Source Sans Pro" charset="0"/>
-              </a:rPr>
-              <a:t>even</a:t>
-            </a:r>
-            <a:r>
-              <a:rPr lang="de-DE" sz="2400" b="1" dirty="0">
-                <a:solidFill>
-                  <a:srgbClr val="EF7D1D"/>
-                </a:solidFill>
-                <a:latin typeface="Source Sans Pro" charset="0"/>
-                <a:ea typeface="Source Sans Pro" charset="0"/>
-                <a:cs typeface="Source Sans Pro" charset="0"/>
-              </a:rPr>
-              <a:t> in a JS </a:t>
-            </a:r>
-            <a:r>
-              <a:rPr lang="de-DE" sz="2400" b="1" dirty="0" err="1">
-                <a:solidFill>
-                  <a:srgbClr val="EF7D1D"/>
-                </a:solidFill>
-                <a:latin typeface="Source Sans Pro" charset="0"/>
-                <a:ea typeface="Source Sans Pro" charset="0"/>
-                <a:cs typeface="Source Sans Pro" charset="0"/>
-              </a:rPr>
-              <a:t>file</a:t>
-            </a:r>
-            <a:r>
-              <a:rPr lang="de-DE" sz="2400" b="1" dirty="0">
-                <a:solidFill>
-                  <a:srgbClr val="EF7D1D"/>
-                </a:solidFill>
-                <a:latin typeface="Source Sans Pro" charset="0"/>
-                <a:ea typeface="Source Sans Pro" charset="0"/>
-                <a:cs typeface="Source Sans Pro" charset="0"/>
-              </a:rPr>
-              <a:t>!</a:t>
-            </a:r>
-          </a:p>
-        </p:txBody>
-      </p:sp>
-      <p:sp>
-        <p:nvSpPr>
-          <p:cNvPr id="4" name="Textfeld 3"/>
-          <p:cNvSpPr txBox="1"/>
-          <p:nvPr/>
-        </p:nvSpPr>
-        <p:spPr>
-          <a:xfrm>
-            <a:off x="313483" y="1929622"/>
-            <a:ext cx="9471539" cy="3980320"/>
-          </a:xfrm>
-          <a:prstGeom prst="rect">
-            <a:avLst/>
-          </a:prstGeom>
-          <a:noFill/>
-        </p:spPr>
-        <p:txBody>
-          <a:bodyPr wrap="square" lIns="0" tIns="0" rIns="0" bIns="0" rtlCol="0">
-            <a:spAutoFit/>
-          </a:bodyPr>
-          <a:lstStyle/>
-          <a:p>
-            <a:pPr marL="342900" indent="-342900">
-              <a:lnSpc>
-                <a:spcPct val="120000"/>
-              </a:lnSpc>
-              <a:buFont typeface="Arial" panose="020B0604020202020204" pitchFamily="34" charset="0"/>
-              <a:buChar char="•"/>
-            </a:pPr>
-            <a:r>
-              <a:rPr lang="en-US" sz="2000" b="1" dirty="0">
-                <a:solidFill>
-                  <a:srgbClr val="025249"/>
-                </a:solidFill>
-                <a:latin typeface="Source Sans Pro Semibold" panose="020B0503030403020204" pitchFamily="34" charset="77"/>
-                <a:ea typeface="Source Code Pro Medium" charset="0"/>
-                <a:cs typeface="Source Code Pro Medium" charset="0"/>
-              </a:rPr>
-              <a:t>Use the </a:t>
-            </a:r>
-            <a:r>
-              <a:rPr lang="en-US" sz="2000" b="1" i="1" dirty="0" err="1">
-                <a:solidFill>
-                  <a:srgbClr val="025249"/>
-                </a:solidFill>
-                <a:latin typeface="Source Sans Pro Semibold" panose="020B0503030403020204" pitchFamily="34" charset="77"/>
-                <a:ea typeface="Source Code Pro Medium" charset="0"/>
-                <a:cs typeface="Source Code Pro Medium" charset="0"/>
-              </a:rPr>
-              <a:t>ts</a:t>
-            </a:r>
-            <a:r>
-              <a:rPr lang="en-US" sz="2000" b="1" i="1" dirty="0">
-                <a:solidFill>
-                  <a:srgbClr val="025249"/>
-                </a:solidFill>
-                <a:latin typeface="Source Sans Pro Semibold" panose="020B0503030403020204" pitchFamily="34" charset="77"/>
-                <a:ea typeface="Source Code Pro Medium" charset="0"/>
-                <a:cs typeface="Source Code Pro Medium" charset="0"/>
-              </a:rPr>
-              <a:t>-check</a:t>
-            </a:r>
-            <a:r>
-              <a:rPr lang="en-US" sz="2000" b="1" dirty="0">
-                <a:solidFill>
-                  <a:srgbClr val="025249"/>
-                </a:solidFill>
-                <a:latin typeface="Source Sans Pro Semibold" panose="020B0503030403020204" pitchFamily="34" charset="77"/>
-                <a:ea typeface="Source Code Pro Medium" charset="0"/>
-                <a:cs typeface="Source Code Pro Medium" charset="0"/>
-              </a:rPr>
-              <a:t> </a:t>
-            </a:r>
-            <a:r>
-              <a:rPr lang="en-US" sz="2000" b="1" i="1" dirty="0">
-                <a:solidFill>
-                  <a:srgbClr val="025249"/>
-                </a:solidFill>
-                <a:latin typeface="Source Sans Pro Semibold" panose="020B0503030403020204" pitchFamily="34" charset="77"/>
-                <a:ea typeface="Source Code Pro Medium" charset="0"/>
-                <a:cs typeface="Source Code Pro Medium" charset="0"/>
-              </a:rPr>
-              <a:t>directive</a:t>
-            </a:r>
-            <a:r>
-              <a:rPr lang="en-US" sz="2000" b="1" dirty="0">
-                <a:solidFill>
-                  <a:srgbClr val="025249"/>
-                </a:solidFill>
-                <a:latin typeface="Source Sans Pro Semibold" panose="020B0503030403020204" pitchFamily="34" charset="77"/>
-                <a:ea typeface="Source Code Pro Medium" charset="0"/>
-                <a:cs typeface="Source Code Pro Medium" charset="0"/>
-              </a:rPr>
-              <a:t> at the beginning of a file</a:t>
-            </a:r>
-          </a:p>
-          <a:p>
-            <a:pPr marL="342900" indent="-342900">
-              <a:lnSpc>
-                <a:spcPct val="120000"/>
-              </a:lnSpc>
-              <a:buFont typeface="Arial" panose="020B0604020202020204" pitchFamily="34" charset="0"/>
-              <a:buChar char="•"/>
-            </a:pPr>
-            <a:r>
-              <a:rPr lang="en-US" sz="2000" b="1" dirty="0">
-                <a:solidFill>
-                  <a:srgbClr val="025249"/>
-                </a:solidFill>
-                <a:latin typeface="Source Sans Pro Semibold" panose="020B0503030403020204" pitchFamily="34" charset="77"/>
-                <a:ea typeface="Source Code Pro Medium" charset="0"/>
-                <a:cs typeface="Source Code Pro Medium" charset="0"/>
-              </a:rPr>
-              <a:t>You can add type information using </a:t>
-            </a:r>
-            <a:r>
-              <a:rPr lang="en-US" sz="2000" b="1" dirty="0" err="1">
-                <a:solidFill>
-                  <a:srgbClr val="025249"/>
-                </a:solidFill>
-                <a:latin typeface="Source Sans Pro Semibold" panose="020B0503030403020204" pitchFamily="34" charset="77"/>
-                <a:ea typeface="Source Code Pro Medium" charset="0"/>
-                <a:cs typeface="Source Code Pro Medium" charset="0"/>
-              </a:rPr>
-              <a:t>JSDoc</a:t>
-            </a:r>
-            <a:r>
-              <a:rPr lang="en-US" sz="2000" b="1" dirty="0">
-                <a:solidFill>
-                  <a:srgbClr val="025249"/>
-                </a:solidFill>
-                <a:latin typeface="Source Sans Pro Semibold" panose="020B0503030403020204" pitchFamily="34" charset="77"/>
-                <a:ea typeface="Source Code Pro Medium" charset="0"/>
-                <a:cs typeface="Source Code Pro Medium" charset="0"/>
-              </a:rPr>
-              <a:t> syntax</a:t>
-            </a:r>
-          </a:p>
-          <a:p>
-            <a:pPr>
-              <a:lnSpc>
-                <a:spcPct val="120000"/>
-              </a:lnSpc>
-            </a:pPr>
-            <a:endParaRPr lang="en-US" sz="1463" dirty="0">
-              <a:solidFill>
-                <a:srgbClr val="025249"/>
-              </a:solidFill>
-              <a:latin typeface="Source Code Pro Medium" charset="0"/>
-              <a:ea typeface="Source Code Pro Medium" charset="0"/>
-              <a:cs typeface="Source Code Pro Medium" charset="0"/>
-            </a:endParaRPr>
-          </a:p>
-          <a:p>
-            <a:pPr>
-              <a:lnSpc>
-                <a:spcPct val="120000"/>
-              </a:lnSpc>
-            </a:pPr>
-            <a:r>
-              <a:rPr lang="en-US" sz="1463" dirty="0">
-                <a:solidFill>
-                  <a:srgbClr val="025249"/>
-                </a:solidFill>
-                <a:latin typeface="Source Code Pro Medium" charset="0"/>
-                <a:ea typeface="Source Code Pro Medium" charset="0"/>
-                <a:cs typeface="Source Code Pro Medium" charset="0"/>
-              </a:rPr>
-              <a:t>// </a:t>
-            </a:r>
-            <a:r>
-              <a:rPr lang="en-US" sz="1463" dirty="0">
-                <a:solidFill>
-                  <a:srgbClr val="41719C"/>
-                </a:solidFill>
-                <a:latin typeface="Source Code Pro Medium" charset="0"/>
-                <a:ea typeface="Source Code Pro Medium" charset="0"/>
-                <a:cs typeface="Source Code Pro Medium" charset="0"/>
-              </a:rPr>
-              <a:t>@</a:t>
-            </a:r>
-            <a:r>
-              <a:rPr lang="en-US" sz="1463" dirty="0" err="1">
-                <a:solidFill>
-                  <a:srgbClr val="41719C"/>
-                </a:solidFill>
-                <a:latin typeface="Source Code Pro Medium" charset="0"/>
-                <a:ea typeface="Source Code Pro Medium" charset="0"/>
-                <a:cs typeface="Source Code Pro Medium" charset="0"/>
-              </a:rPr>
-              <a:t>ts</a:t>
-            </a:r>
-            <a:r>
-              <a:rPr lang="en-US" sz="1463" dirty="0">
-                <a:solidFill>
-                  <a:srgbClr val="41719C"/>
-                </a:solidFill>
-                <a:latin typeface="Source Code Pro Medium" charset="0"/>
-                <a:ea typeface="Source Code Pro Medium" charset="0"/>
-                <a:cs typeface="Source Code Pro Medium" charset="0"/>
-              </a:rPr>
-              <a:t>-check</a:t>
-            </a:r>
-          </a:p>
-          <a:p>
-            <a:pPr>
-              <a:lnSpc>
-                <a:spcPct val="120000"/>
-              </a:lnSpc>
-            </a:pPr>
-            <a:endParaRPr lang="en-US" sz="1463" dirty="0">
-              <a:solidFill>
-                <a:srgbClr val="025249"/>
-              </a:solidFill>
-              <a:latin typeface="Source Code Pro Medium" charset="0"/>
-              <a:ea typeface="Source Code Pro Medium" charset="0"/>
-              <a:cs typeface="Source Code Pro Medium" charset="0"/>
-            </a:endParaRPr>
-          </a:p>
-          <a:p>
-            <a:pPr>
-              <a:lnSpc>
-                <a:spcPct val="120000"/>
-              </a:lnSpc>
-            </a:pPr>
-            <a:r>
-              <a:rPr lang="en-US" sz="1463" dirty="0">
-                <a:solidFill>
-                  <a:srgbClr val="025249"/>
-                </a:solidFill>
-                <a:latin typeface="Source Code Pro Medium" charset="0"/>
-                <a:ea typeface="Source Code Pro Medium" charset="0"/>
-                <a:cs typeface="Source Code Pro Medium" charset="0"/>
-              </a:rPr>
-              <a:t>/** </a:t>
-            </a:r>
-          </a:p>
-          <a:p>
-            <a:pPr>
-              <a:lnSpc>
-                <a:spcPct val="120000"/>
-              </a:lnSpc>
-            </a:pPr>
-            <a:r>
-              <a:rPr lang="en-US" sz="1463" dirty="0">
-                <a:solidFill>
-                  <a:srgbClr val="025249"/>
-                </a:solidFill>
-                <a:latin typeface="Source Code Pro Medium" charset="0"/>
-                <a:ea typeface="Source Code Pro Medium" charset="0"/>
-                <a:cs typeface="Source Code Pro Medium" charset="0"/>
-              </a:rPr>
-              <a:t> * @</a:t>
-            </a:r>
-            <a:r>
-              <a:rPr lang="en-US" sz="1463" dirty="0" err="1">
-                <a:solidFill>
-                  <a:srgbClr val="025249"/>
-                </a:solidFill>
-                <a:latin typeface="Source Code Pro Medium" charset="0"/>
-                <a:ea typeface="Source Code Pro Medium" charset="0"/>
-                <a:cs typeface="Source Code Pro Medium" charset="0"/>
-              </a:rPr>
-              <a:t>param</a:t>
-            </a:r>
-            <a:r>
-              <a:rPr lang="en-US" sz="1463" dirty="0">
-                <a:solidFill>
-                  <a:srgbClr val="025249"/>
-                </a:solidFill>
-                <a:latin typeface="Source Code Pro Medium" charset="0"/>
-                <a:ea typeface="Source Code Pro Medium" charset="0"/>
-                <a:cs typeface="Source Code Pro Medium" charset="0"/>
-              </a:rPr>
-              <a:t> {</a:t>
-            </a:r>
-            <a:r>
-              <a:rPr lang="en-US" sz="1463" dirty="0">
-                <a:solidFill>
-                  <a:srgbClr val="C14026"/>
-                </a:solidFill>
-                <a:latin typeface="Source Code Pro Medium" charset="0"/>
-                <a:ea typeface="Source Code Pro Medium" charset="0"/>
-                <a:cs typeface="Source Code Pro Medium" charset="0"/>
-              </a:rPr>
-              <a:t>string</a:t>
-            </a:r>
-            <a:r>
-              <a:rPr lang="en-US" sz="1463" dirty="0">
-                <a:solidFill>
-                  <a:srgbClr val="025249"/>
-                </a:solidFill>
-                <a:latin typeface="Source Code Pro Medium" charset="0"/>
-                <a:ea typeface="Source Code Pro Medium" charset="0"/>
-                <a:cs typeface="Source Code Pro Medium" charset="0"/>
-              </a:rPr>
-              <a:t>} </a:t>
-            </a:r>
-            <a:r>
-              <a:rPr lang="en-US" sz="1463" dirty="0">
-                <a:solidFill>
-                  <a:srgbClr val="41719C"/>
-                </a:solidFill>
-                <a:latin typeface="Source Code Pro Medium" charset="0"/>
-                <a:ea typeface="Source Code Pro Medium" charset="0"/>
-                <a:cs typeface="Source Code Pro Medium" charset="0"/>
-              </a:rPr>
-              <a:t>name</a:t>
-            </a:r>
-            <a:r>
-              <a:rPr lang="en-US" sz="1463" dirty="0">
-                <a:solidFill>
-                  <a:srgbClr val="025249"/>
-                </a:solidFill>
-                <a:latin typeface="Source Code Pro Medium" charset="0"/>
-                <a:ea typeface="Source Code Pro Medium" charset="0"/>
-                <a:cs typeface="Source Code Pro Medium" charset="0"/>
-              </a:rPr>
-              <a:t>  The name </a:t>
-            </a:r>
-          </a:p>
-          <a:p>
-            <a:pPr>
-              <a:lnSpc>
-                <a:spcPct val="120000"/>
-              </a:lnSpc>
-            </a:pPr>
-            <a:r>
-              <a:rPr lang="en-US" sz="1463" dirty="0">
-                <a:solidFill>
-                  <a:srgbClr val="025249"/>
-                </a:solidFill>
-                <a:latin typeface="Source Code Pro Medium" charset="0"/>
-                <a:ea typeface="Source Code Pro Medium" charset="0"/>
-                <a:cs typeface="Source Code Pro Medium" charset="0"/>
-              </a:rPr>
-              <a:t> * @</a:t>
-            </a:r>
-            <a:r>
-              <a:rPr lang="en-US" sz="1463" dirty="0" err="1">
-                <a:solidFill>
-                  <a:srgbClr val="025249"/>
-                </a:solidFill>
-                <a:latin typeface="Source Code Pro Medium" charset="0"/>
-                <a:ea typeface="Source Code Pro Medium" charset="0"/>
-                <a:cs typeface="Source Code Pro Medium" charset="0"/>
-              </a:rPr>
-              <a:t>param</a:t>
-            </a:r>
-            <a:r>
-              <a:rPr lang="en-US" sz="1463" dirty="0">
-                <a:solidFill>
-                  <a:srgbClr val="025249"/>
-                </a:solidFill>
-                <a:latin typeface="Source Code Pro Medium" charset="0"/>
-                <a:ea typeface="Source Code Pro Medium" charset="0"/>
-                <a:cs typeface="Source Code Pro Medium" charset="0"/>
-              </a:rPr>
-              <a:t> {</a:t>
-            </a:r>
-            <a:r>
-              <a:rPr lang="en-US" sz="1463" dirty="0">
-                <a:solidFill>
-                  <a:srgbClr val="C14026"/>
-                </a:solidFill>
-                <a:latin typeface="Source Code Pro Medium" charset="0"/>
-                <a:ea typeface="Source Code Pro Medium" charset="0"/>
-                <a:cs typeface="Source Code Pro Medium" charset="0"/>
-              </a:rPr>
-              <a:t>number</a:t>
-            </a:r>
-            <a:r>
-              <a:rPr lang="en-US" sz="1463" dirty="0">
-                <a:solidFill>
-                  <a:srgbClr val="025249"/>
-                </a:solidFill>
-                <a:latin typeface="Source Code Pro Medium" charset="0"/>
-                <a:ea typeface="Source Code Pro Medium" charset="0"/>
-                <a:cs typeface="Source Code Pro Medium" charset="0"/>
-              </a:rPr>
-              <a:t>} </a:t>
-            </a:r>
-            <a:r>
-              <a:rPr lang="en-US" sz="1463" dirty="0">
-                <a:solidFill>
-                  <a:srgbClr val="41719C"/>
-                </a:solidFill>
-                <a:latin typeface="Source Code Pro Medium" charset="0"/>
-                <a:ea typeface="Source Code Pro Medium" charset="0"/>
-                <a:cs typeface="Source Code Pro Medium" charset="0"/>
-              </a:rPr>
-              <a:t>age</a:t>
-            </a:r>
-            <a:r>
-              <a:rPr lang="en-US" sz="1463" dirty="0">
-                <a:solidFill>
-                  <a:srgbClr val="025249"/>
-                </a:solidFill>
-                <a:latin typeface="Source Code Pro Medium" charset="0"/>
-                <a:ea typeface="Source Code Pro Medium" charset="0"/>
-                <a:cs typeface="Source Code Pro Medium" charset="0"/>
-              </a:rPr>
-              <a:t> The age </a:t>
-            </a:r>
-          </a:p>
-          <a:p>
-            <a:pPr>
-              <a:lnSpc>
-                <a:spcPct val="120000"/>
-              </a:lnSpc>
-            </a:pPr>
-            <a:r>
-              <a:rPr lang="en-US" sz="1463" dirty="0">
-                <a:solidFill>
-                  <a:srgbClr val="025249"/>
-                </a:solidFill>
-                <a:latin typeface="Source Code Pro Medium" charset="0"/>
-                <a:ea typeface="Source Code Pro Medium" charset="0"/>
-                <a:cs typeface="Source Code Pro Medium" charset="0"/>
-              </a:rPr>
-              <a:t> */</a:t>
-            </a:r>
-          </a:p>
-          <a:p>
-            <a:pPr>
-              <a:lnSpc>
-                <a:spcPct val="120000"/>
-              </a:lnSpc>
-            </a:pPr>
-            <a:r>
-              <a:rPr lang="en-US" sz="1463" dirty="0">
-                <a:solidFill>
-                  <a:srgbClr val="025249"/>
-                </a:solidFill>
-                <a:latin typeface="Source Code Pro Medium" charset="0"/>
-                <a:ea typeface="Source Code Pro Medium" charset="0"/>
-                <a:cs typeface="Source Code Pro Medium" charset="0"/>
-              </a:rPr>
-              <a:t>function </a:t>
-            </a:r>
-            <a:r>
-              <a:rPr lang="en-US" sz="1463" dirty="0" err="1">
-                <a:solidFill>
-                  <a:srgbClr val="025249"/>
-                </a:solidFill>
-                <a:latin typeface="Source Code Pro Medium" charset="0"/>
-                <a:ea typeface="Source Code Pro Medium" charset="0"/>
-                <a:cs typeface="Source Code Pro Medium" charset="0"/>
-              </a:rPr>
-              <a:t>newPerson</a:t>
-            </a:r>
-            <a:r>
-              <a:rPr lang="en-US" sz="1463" dirty="0">
-                <a:solidFill>
-                  <a:srgbClr val="025249"/>
-                </a:solidFill>
-                <a:latin typeface="Source Code Pro Medium" charset="0"/>
-                <a:ea typeface="Source Code Pro Medium" charset="0"/>
-                <a:cs typeface="Source Code Pro Medium" charset="0"/>
-              </a:rPr>
-              <a:t>(</a:t>
-            </a:r>
-            <a:r>
-              <a:rPr lang="en-US" sz="1463" dirty="0">
-                <a:solidFill>
-                  <a:srgbClr val="41719C"/>
-                </a:solidFill>
-                <a:latin typeface="Source Code Pro Medium" charset="0"/>
-                <a:ea typeface="Source Code Pro Medium" charset="0"/>
-                <a:cs typeface="Source Code Pro Medium" charset="0"/>
-              </a:rPr>
-              <a:t>name</a:t>
-            </a:r>
-            <a:r>
-              <a:rPr lang="en-US" sz="1463" dirty="0">
-                <a:solidFill>
-                  <a:srgbClr val="025249"/>
-                </a:solidFill>
-                <a:latin typeface="Source Code Pro Medium" charset="0"/>
-                <a:ea typeface="Source Code Pro Medium" charset="0"/>
-                <a:cs typeface="Source Code Pro Medium" charset="0"/>
-              </a:rPr>
-              <a:t>, </a:t>
-            </a:r>
-            <a:r>
-              <a:rPr lang="en-US" sz="1463" dirty="0">
-                <a:solidFill>
-                  <a:srgbClr val="41719C"/>
-                </a:solidFill>
-                <a:latin typeface="Source Code Pro Medium" charset="0"/>
-                <a:ea typeface="Source Code Pro Medium" charset="0"/>
-                <a:cs typeface="Source Code Pro Medium" charset="0"/>
-              </a:rPr>
-              <a:t>age</a:t>
-            </a:r>
-            <a:r>
-              <a:rPr lang="en-US" sz="1463" dirty="0">
-                <a:solidFill>
-                  <a:srgbClr val="025249"/>
-                </a:solidFill>
-                <a:latin typeface="Source Code Pro Medium" charset="0"/>
-                <a:ea typeface="Source Code Pro Medium" charset="0"/>
-                <a:cs typeface="Source Code Pro Medium" charset="0"/>
-              </a:rPr>
-              <a:t>) {</a:t>
-            </a:r>
-          </a:p>
-          <a:p>
-            <a:pPr>
-              <a:lnSpc>
-                <a:spcPct val="120000"/>
-              </a:lnSpc>
-            </a:pPr>
-            <a:r>
-              <a:rPr lang="en-US" sz="1463" dirty="0">
-                <a:solidFill>
-                  <a:srgbClr val="41719C"/>
-                </a:solidFill>
-                <a:latin typeface="Source Code Pro Medium" charset="0"/>
-                <a:ea typeface="Source Code Pro Medium" charset="0"/>
-                <a:cs typeface="Source Code Pro Medium" charset="0"/>
-              </a:rPr>
-              <a:t>  </a:t>
-            </a:r>
-            <a:r>
-              <a:rPr lang="en-US" sz="1463" dirty="0" err="1">
-                <a:solidFill>
-                  <a:srgbClr val="41719C"/>
-                </a:solidFill>
-                <a:latin typeface="Source Code Pro Medium" charset="0"/>
-                <a:ea typeface="Source Code Pro Medium" charset="0"/>
-                <a:cs typeface="Source Code Pro Medium" charset="0"/>
-              </a:rPr>
-              <a:t>name</a:t>
-            </a:r>
-            <a:r>
-              <a:rPr lang="en-US" sz="1463" dirty="0" err="1">
-                <a:solidFill>
-                  <a:srgbClr val="025249"/>
-                </a:solidFill>
-                <a:latin typeface="Source Code Pro Medium" charset="0"/>
-                <a:ea typeface="Source Code Pro Medium" charset="0"/>
-                <a:cs typeface="Source Code Pro Medium" charset="0"/>
-              </a:rPr>
-              <a:t>.toLowerCase</a:t>
-            </a:r>
-            <a:r>
-              <a:rPr lang="en-US" sz="1463" dirty="0">
-                <a:solidFill>
-                  <a:srgbClr val="025249"/>
-                </a:solidFill>
-                <a:latin typeface="Source Code Pro Medium" charset="0"/>
-                <a:ea typeface="Source Code Pro Medium" charset="0"/>
-                <a:cs typeface="Source Code Pro Medium" charset="0"/>
-              </a:rPr>
-              <a:t>(); // OK</a:t>
-            </a:r>
-          </a:p>
-          <a:p>
-            <a:pPr>
-              <a:lnSpc>
-                <a:spcPct val="120000"/>
-              </a:lnSpc>
-            </a:pPr>
-            <a:r>
-              <a:rPr lang="en-US" sz="1463" dirty="0">
-                <a:solidFill>
-                  <a:srgbClr val="41719C"/>
-                </a:solidFill>
-                <a:latin typeface="Source Code Pro Medium" charset="0"/>
-                <a:ea typeface="Source Code Pro Medium" charset="0"/>
-                <a:cs typeface="Source Code Pro Medium" charset="0"/>
-              </a:rPr>
-              <a:t>  </a:t>
-            </a:r>
-            <a:r>
-              <a:rPr lang="en-US" sz="1463" dirty="0" err="1">
-                <a:solidFill>
-                  <a:srgbClr val="41719C"/>
-                </a:solidFill>
-                <a:latin typeface="Source Code Pro Medium" charset="0"/>
-                <a:ea typeface="Source Code Pro Medium" charset="0"/>
-                <a:cs typeface="Source Code Pro Medium" charset="0"/>
-              </a:rPr>
-              <a:t>age</a:t>
-            </a:r>
-            <a:r>
-              <a:rPr lang="en-US" sz="1463" dirty="0" err="1">
-                <a:solidFill>
-                  <a:srgbClr val="025249"/>
-                </a:solidFill>
-                <a:latin typeface="Source Code Pro Medium" charset="0"/>
-                <a:ea typeface="Source Code Pro Medium" charset="0"/>
-                <a:cs typeface="Source Code Pro Medium" charset="0"/>
-              </a:rPr>
-              <a:t>.toLowerCase</a:t>
-            </a:r>
-            <a:r>
-              <a:rPr lang="en-US" sz="1463" dirty="0">
-                <a:solidFill>
-                  <a:srgbClr val="025249"/>
-                </a:solidFill>
-                <a:latin typeface="Source Code Pro Medium" charset="0"/>
-                <a:ea typeface="Source Code Pro Medium" charset="0"/>
-                <a:cs typeface="Source Code Pro Medium" charset="0"/>
-              </a:rPr>
-              <a:t>(); // ERROR Property '</a:t>
-            </a:r>
-            <a:r>
-              <a:rPr lang="en-US" sz="1463" dirty="0" err="1">
-                <a:solidFill>
-                  <a:srgbClr val="025249"/>
-                </a:solidFill>
-                <a:latin typeface="Source Code Pro Medium" charset="0"/>
-                <a:ea typeface="Source Code Pro Medium" charset="0"/>
-                <a:cs typeface="Source Code Pro Medium" charset="0"/>
-              </a:rPr>
-              <a:t>toLowerCase</a:t>
-            </a:r>
-            <a:r>
-              <a:rPr lang="en-US" sz="1463" dirty="0">
-                <a:solidFill>
-                  <a:srgbClr val="025249"/>
-                </a:solidFill>
-                <a:latin typeface="Source Code Pro Medium" charset="0"/>
-                <a:ea typeface="Source Code Pro Medium" charset="0"/>
-                <a:cs typeface="Source Code Pro Medium" charset="0"/>
-              </a:rPr>
-              <a:t>' does not exist on type 'number'</a:t>
-            </a:r>
-          </a:p>
-          <a:p>
-            <a:pPr>
-              <a:lnSpc>
-                <a:spcPct val="120000"/>
-              </a:lnSpc>
-            </a:pPr>
-            <a:r>
-              <a:rPr lang="en-US" sz="1463" dirty="0">
-                <a:solidFill>
-                  <a:srgbClr val="025249"/>
-                </a:solidFill>
-                <a:latin typeface="Source Code Pro Medium" charset="0"/>
-                <a:ea typeface="Source Code Pro Medium" charset="0"/>
-                <a:cs typeface="Source Code Pro Medium" charset="0"/>
-              </a:rPr>
-              <a:t>}</a:t>
-            </a:r>
-          </a:p>
-          <a:p>
-            <a:pPr>
-              <a:lnSpc>
-                <a:spcPct val="120000"/>
-              </a:lnSpc>
-            </a:pPr>
-            <a:endParaRPr lang="en-US" sz="1463" dirty="0">
-              <a:solidFill>
-                <a:srgbClr val="025249"/>
-              </a:solidFill>
-              <a:latin typeface="Source Code Pro Medium" charset="0"/>
-              <a:ea typeface="Source Code Pro Medium" charset="0"/>
-              <a:cs typeface="Source Code Pro Medium" charset="0"/>
-            </a:endParaRPr>
+            <a:endParaRPr lang="de-DE"/>
           </a:p>
         </p:txBody>
       </p:sp>
     </p:spTree>
     <p:extLst>
       <p:ext uri="{BB962C8B-B14F-4D97-AF65-F5344CB8AC3E}">
-        <p14:creationId xmlns:p14="http://schemas.microsoft.com/office/powerpoint/2010/main" val="1436021691"/>
+        <p14:creationId xmlns:p14="http://schemas.microsoft.com/office/powerpoint/2010/main" val="2139158986"/>
       </p:ext>
     </p:extLst>
   </p:cSld>
@@ -10241,57 +10682,7 @@
       </p:grpSpPr>
       <p:sp>
         <p:nvSpPr>
-          <p:cNvPr id="4" name="Rechteck 3"/>
-          <p:cNvSpPr/>
-          <p:nvPr/>
-        </p:nvSpPr>
-        <p:spPr>
-          <a:xfrm>
-            <a:off x="2298266" y="3797848"/>
-            <a:ext cx="5309467" cy="1831271"/>
-          </a:xfrm>
-          <a:prstGeom prst="rect">
-            <a:avLst/>
-          </a:prstGeom>
-        </p:spPr>
-        <p:txBody>
-          <a:bodyPr wrap="none">
-            <a:spAutoFit/>
-          </a:bodyPr>
-          <a:lstStyle/>
-          <a:p>
-            <a:pPr algn="ctr"/>
-            <a:r>
-              <a:rPr lang="de-DE" sz="11300" b="1" dirty="0">
-                <a:solidFill>
-                  <a:srgbClr val="025249"/>
-                </a:solidFill>
-                <a:latin typeface="Montserrat" charset="0"/>
-                <a:ea typeface="Montserrat" charset="0"/>
-                <a:cs typeface="Montserrat" charset="0"/>
-              </a:rPr>
-              <a:t>Syntax</a:t>
-            </a:r>
-            <a:endParaRPr lang="de-DE" sz="2000" b="1" dirty="0">
-              <a:solidFill>
-                <a:srgbClr val="025249"/>
-              </a:solidFill>
-              <a:latin typeface="Montserrat" charset="0"/>
-              <a:ea typeface="Montserrat" charset="0"/>
-              <a:cs typeface="Montserrat" charset="0"/>
-            </a:endParaRPr>
-          </a:p>
-        </p:txBody>
-      </p:sp>
-      <p:sp>
-        <p:nvSpPr>
-          <p:cNvPr id="6" name="Titel 5">
-            <a:extLst>
-              <a:ext uri="{FF2B5EF4-FFF2-40B4-BE49-F238E27FC236}">
-                <a16:creationId xmlns:a16="http://schemas.microsoft.com/office/drawing/2014/main" id="{DCF768D8-5B85-6843-AD0A-D9DEB9902FC2}"/>
-              </a:ext>
-            </a:extLst>
-          </p:cNvPr>
+          <p:cNvPr id="2" name="Titel 1"/>
           <p:cNvSpPr>
             <a:spLocks noGrp="1"/>
           </p:cNvSpPr>
@@ -10304,14 +10695,234 @@
           <a:bodyPr/>
           <a:lstStyle/>
           <a:p>
-            <a:endParaRPr lang="de-DE"/>
+            <a:r>
+              <a:rPr lang="de-DE" dirty="0"/>
+              <a:t>Type </a:t>
+            </a:r>
+            <a:r>
+              <a:rPr lang="de-DE" dirty="0" err="1"/>
+              <a:t>annotations</a:t>
+            </a:r>
+            <a:endParaRPr lang="de-DE" dirty="0"/>
+          </a:p>
+        </p:txBody>
+      </p:sp>
+      <p:sp>
+        <p:nvSpPr>
+          <p:cNvPr id="3" name="Textfeld 2"/>
+          <p:cNvSpPr txBox="1"/>
+          <p:nvPr/>
+        </p:nvSpPr>
+        <p:spPr>
+          <a:xfrm>
+            <a:off x="203200" y="1268793"/>
+            <a:ext cx="9499600" cy="504946"/>
+          </a:xfrm>
+          <a:prstGeom prst="rect">
+            <a:avLst/>
+          </a:prstGeom>
+          <a:noFill/>
+        </p:spPr>
+        <p:txBody>
+          <a:bodyPr wrap="square" rtlCol="0">
+            <a:spAutoFit/>
+          </a:bodyPr>
+          <a:lstStyle/>
+          <a:p>
+            <a:pPr>
+              <a:lnSpc>
+                <a:spcPct val="120000"/>
+              </a:lnSpc>
+            </a:pPr>
+            <a:r>
+              <a:rPr lang="de-DE" sz="2400" b="1" dirty="0" err="1">
+                <a:solidFill>
+                  <a:srgbClr val="EF7D1D"/>
+                </a:solidFill>
+                <a:latin typeface="Source Sans Pro" charset="0"/>
+                <a:ea typeface="Source Sans Pro" charset="0"/>
+                <a:cs typeface="Source Sans Pro" charset="0"/>
+              </a:rPr>
+              <a:t>Using</a:t>
+            </a:r>
+            <a:r>
+              <a:rPr lang="de-DE" sz="2400" b="1" dirty="0">
+                <a:solidFill>
+                  <a:srgbClr val="EF7D1D"/>
+                </a:solidFill>
+                <a:latin typeface="Source Sans Pro" charset="0"/>
+                <a:ea typeface="Source Sans Pro" charset="0"/>
+                <a:cs typeface="Source Sans Pro" charset="0"/>
+              </a:rPr>
+              <a:t> </a:t>
+            </a:r>
+            <a:r>
+              <a:rPr lang="de-DE" sz="2400" b="1" dirty="0" err="1">
+                <a:solidFill>
+                  <a:srgbClr val="EF7D1D"/>
+                </a:solidFill>
+                <a:latin typeface="Source Sans Pro" charset="0"/>
+                <a:ea typeface="Source Sans Pro" charset="0"/>
+                <a:cs typeface="Source Sans Pro" charset="0"/>
+              </a:rPr>
+              <a:t>Types</a:t>
+            </a:r>
+            <a:endParaRPr lang="de-DE" sz="2400" b="1" dirty="0">
+              <a:solidFill>
+                <a:srgbClr val="EF7D1D"/>
+              </a:solidFill>
+              <a:latin typeface="Source Sans Pro" charset="0"/>
+              <a:ea typeface="Source Sans Pro" charset="0"/>
+              <a:cs typeface="Source Sans Pro" charset="0"/>
+            </a:endParaRPr>
+          </a:p>
+        </p:txBody>
+      </p:sp>
+      <p:sp>
+        <p:nvSpPr>
+          <p:cNvPr id="4" name="Textfeld 3"/>
+          <p:cNvSpPr txBox="1"/>
+          <p:nvPr/>
+        </p:nvSpPr>
+        <p:spPr>
+          <a:xfrm>
+            <a:off x="320736" y="1929621"/>
+            <a:ext cx="9279032" cy="1080552"/>
+          </a:xfrm>
+          <a:prstGeom prst="rect">
+            <a:avLst/>
+          </a:prstGeom>
+          <a:noFill/>
+        </p:spPr>
+        <p:txBody>
+          <a:bodyPr wrap="square" lIns="0" tIns="0" rIns="0" bIns="0" rtlCol="0">
+            <a:spAutoFit/>
+          </a:bodyPr>
+          <a:lstStyle/>
+          <a:p>
+            <a:pPr>
+              <a:lnSpc>
+                <a:spcPct val="120000"/>
+              </a:lnSpc>
+            </a:pPr>
+            <a:r>
+              <a:rPr lang="en-US" sz="1463" b="1" dirty="0">
+                <a:solidFill>
+                  <a:srgbClr val="EF7D1D"/>
+                </a:solidFill>
+                <a:latin typeface="Source Code Pro Medium" charset="0"/>
+                <a:ea typeface="Source Code Pro Medium" charset="0"/>
+                <a:cs typeface="Source Code Pro Medium" charset="0"/>
+              </a:rPr>
+              <a:t>Variables</a:t>
+            </a:r>
+          </a:p>
+          <a:p>
+            <a:pPr>
+              <a:lnSpc>
+                <a:spcPct val="120000"/>
+              </a:lnSpc>
+            </a:pPr>
+            <a:r>
+              <a:rPr lang="en-US" sz="1463" dirty="0">
+                <a:solidFill>
+                  <a:srgbClr val="C14026"/>
+                </a:solidFill>
+                <a:latin typeface="Source Code Pro Medium" charset="0"/>
+                <a:ea typeface="Source Code Pro Medium" charset="0"/>
+                <a:cs typeface="Source Code Pro Medium" charset="0"/>
+              </a:rPr>
+              <a:t>let</a:t>
+            </a:r>
+            <a:r>
+              <a:rPr lang="en-US" sz="1463" dirty="0">
+                <a:solidFill>
+                  <a:srgbClr val="025249"/>
+                </a:solidFill>
+                <a:latin typeface="Source Code Pro Medium" charset="0"/>
+                <a:ea typeface="Source Code Pro Medium" charset="0"/>
+                <a:cs typeface="Source Code Pro Medium" charset="0"/>
+              </a:rPr>
+              <a:t> foo: </a:t>
+            </a:r>
+            <a:r>
+              <a:rPr lang="en-US" sz="1463" dirty="0">
+                <a:solidFill>
+                  <a:srgbClr val="41719C"/>
+                </a:solidFill>
+                <a:latin typeface="Source Code Pro Medium" charset="0"/>
+                <a:ea typeface="Source Code Pro Medium" charset="0"/>
+                <a:cs typeface="Source Code Pro Medium" charset="0"/>
+              </a:rPr>
+              <a:t>string</a:t>
+            </a:r>
+            <a:r>
+              <a:rPr lang="en-US" sz="1463" dirty="0">
+                <a:solidFill>
+                  <a:srgbClr val="025249"/>
+                </a:solidFill>
+                <a:latin typeface="Source Code Pro Medium" charset="0"/>
+                <a:ea typeface="Source Code Pro Medium" charset="0"/>
+                <a:cs typeface="Source Code Pro Medium" charset="0"/>
+              </a:rPr>
+              <a:t>; // built-in types, for example: string, number, </a:t>
+            </a:r>
+            <a:r>
+              <a:rPr lang="en-US" sz="1463" dirty="0" err="1">
+                <a:solidFill>
+                  <a:srgbClr val="025249"/>
+                </a:solidFill>
+                <a:latin typeface="Source Code Pro Medium" charset="0"/>
+                <a:ea typeface="Source Code Pro Medium" charset="0"/>
+                <a:cs typeface="Source Code Pro Medium" charset="0"/>
+              </a:rPr>
+              <a:t>boolean</a:t>
+            </a:r>
+            <a:endParaRPr lang="en-US" sz="1463" dirty="0">
+              <a:solidFill>
+                <a:srgbClr val="025249"/>
+              </a:solidFill>
+              <a:latin typeface="Source Code Pro Medium" charset="0"/>
+              <a:ea typeface="Source Code Pro Medium" charset="0"/>
+              <a:cs typeface="Source Code Pro Medium" charset="0"/>
+            </a:endParaRPr>
+          </a:p>
+          <a:p>
+            <a:pPr>
+              <a:lnSpc>
+                <a:spcPct val="120000"/>
+              </a:lnSpc>
+            </a:pPr>
+            <a:endParaRPr lang="en-US" sz="1463" b="1" dirty="0">
+              <a:solidFill>
+                <a:srgbClr val="EF7D1D"/>
+              </a:solidFill>
+              <a:latin typeface="Source Code Pro" charset="0"/>
+              <a:ea typeface="Source Code Pro" charset="0"/>
+              <a:cs typeface="Source Code Pro" charset="0"/>
+            </a:endParaRPr>
+          </a:p>
+          <a:p>
+            <a:pPr>
+              <a:lnSpc>
+                <a:spcPct val="120000"/>
+              </a:lnSpc>
+            </a:pPr>
+            <a:endParaRPr lang="en-US" sz="1463" dirty="0">
+              <a:solidFill>
+                <a:srgbClr val="025249"/>
+              </a:solidFill>
+              <a:latin typeface="Source Code Pro Medium" charset="0"/>
+              <a:ea typeface="Source Code Pro Medium" charset="0"/>
+              <a:cs typeface="Source Code Pro Medium" charset="0"/>
+            </a:endParaRPr>
           </a:p>
         </p:txBody>
       </p:sp>
     </p:spTree>
     <p:extLst>
       <p:ext uri="{BB962C8B-B14F-4D97-AF65-F5344CB8AC3E}">
-        <p14:creationId xmlns:p14="http://schemas.microsoft.com/office/powerpoint/2010/main" val="2139158986"/>
+        <p14:creationId xmlns:p14="http://schemas.microsoft.com/office/powerpoint/2010/main" val="1235586599"/>
       </p:ext>
     </p:extLst>
   </p:cSld>
@@ -10445,7 +11056,7 @@
         <p:spPr>
           <a:xfrm>
             <a:off x="320736" y="1929621"/>
-            <a:ext cx="9279032" cy="1080552"/>
+            <a:ext cx="9279032" cy="2701381"/>
           </a:xfrm>
           <a:prstGeom prst="rect">
             <a:avLst/>
@@ -10466,7 +11077,7 @@
             <a:r>
               <a:rPr lang="en-US" sz="1463" b="1" dirty="0">
                 <a:solidFill>
-                  <a:srgbClr val="EF7D1D"/>
+                  <a:srgbClr val="36544F"/>
                 </a:solidFill>
                 <a:latin typeface="Source Code Pro Medium" charset="0"/>
                 <a:ea typeface="Source Code Pro Medium" charset="0"/>
@@ -10533,6 +11144,130 @@
                 <a:spcPct val="120000"/>
               </a:lnSpc>
             </a:pPr>
+            <a:endParaRPr lang="en-US" sz="1463" b="1" dirty="0">
+              <a:solidFill>
+                <a:srgbClr val="EF7D1D"/>
+              </a:solidFill>
+              <a:latin typeface="Source Code Pro" charset="0"/>
+              <a:ea typeface="Source Code Pro" charset="0"/>
+              <a:cs typeface="Source Code Pro" charset="0"/>
+            </a:endParaRPr>
+          </a:p>
+          <a:p>
+            <a:pPr>
+              <a:lnSpc>
+                <a:spcPct val="120000"/>
+              </a:lnSpc>
+            </a:pPr>
+            <a:r>
+              <a:rPr lang="en-US" sz="1463" b="1" dirty="0">
+                <a:solidFill>
+                  <a:srgbClr val="EF7D1D"/>
+                </a:solidFill>
+                <a:latin typeface="Source Code Pro" charset="0"/>
+                <a:ea typeface="Source Code Pro" charset="0"/>
+                <a:cs typeface="Source Code Pro" charset="0"/>
+              </a:rPr>
+              <a:t>Functions</a:t>
+            </a:r>
+          </a:p>
+          <a:p>
+            <a:pPr>
+              <a:lnSpc>
+                <a:spcPct val="120000"/>
+              </a:lnSpc>
+            </a:pPr>
+            <a:r>
+              <a:rPr lang="en-US" sz="1463" dirty="0">
+                <a:solidFill>
+                  <a:srgbClr val="025249"/>
+                </a:solidFill>
+                <a:latin typeface="Source Code Pro" charset="0"/>
+                <a:ea typeface="Source Code Pro" charset="0"/>
+                <a:cs typeface="Source Code Pro" charset="0"/>
+              </a:rPr>
+              <a:t>function </a:t>
+            </a:r>
+            <a:r>
+              <a:rPr lang="en-US" sz="1463" dirty="0" err="1">
+                <a:solidFill>
+                  <a:srgbClr val="025249"/>
+                </a:solidFill>
+                <a:latin typeface="Source Code Pro" charset="0"/>
+                <a:ea typeface="Source Code Pro" charset="0"/>
+                <a:cs typeface="Source Code Pro" charset="0"/>
+              </a:rPr>
+              <a:t>sayIt</a:t>
+            </a:r>
+            <a:r>
+              <a:rPr lang="en-US" sz="1463" dirty="0">
+                <a:solidFill>
+                  <a:srgbClr val="025249"/>
+                </a:solidFill>
+                <a:latin typeface="Source Code Pro" charset="0"/>
+                <a:ea typeface="Source Code Pro" charset="0"/>
+                <a:cs typeface="Source Code Pro" charset="0"/>
+              </a:rPr>
+              <a:t>(what: string) {</a:t>
+            </a:r>
+          </a:p>
+          <a:p>
+            <a:pPr>
+              <a:lnSpc>
+                <a:spcPct val="120000"/>
+              </a:lnSpc>
+            </a:pPr>
+            <a:r>
+              <a:rPr lang="en-US" sz="1463" dirty="0">
+                <a:solidFill>
+                  <a:srgbClr val="025249"/>
+                </a:solidFill>
+                <a:latin typeface="Source Code Pro" charset="0"/>
+                <a:ea typeface="Source Code Pro" charset="0"/>
+                <a:cs typeface="Source Code Pro" charset="0"/>
+              </a:rPr>
+              <a:t>   return `Saying: ${what}`; </a:t>
+            </a:r>
+          </a:p>
+          <a:p>
+            <a:pPr>
+              <a:lnSpc>
+                <a:spcPct val="120000"/>
+              </a:lnSpc>
+            </a:pPr>
+            <a:r>
+              <a:rPr lang="en-US" sz="1463" dirty="0">
+                <a:solidFill>
+                  <a:srgbClr val="025249"/>
+                </a:solidFill>
+                <a:latin typeface="Source Code Pro" charset="0"/>
+                <a:ea typeface="Source Code Pro" charset="0"/>
+                <a:cs typeface="Source Code Pro" charset="0"/>
+              </a:rPr>
+              <a:t>}</a:t>
+            </a:r>
+          </a:p>
+          <a:p>
+            <a:pPr>
+              <a:lnSpc>
+                <a:spcPct val="120000"/>
+              </a:lnSpc>
+            </a:pPr>
+            <a:endParaRPr lang="en-US" sz="1463" dirty="0">
+              <a:solidFill>
+                <a:srgbClr val="025249"/>
+              </a:solidFill>
+              <a:latin typeface="Source Code Pro" charset="0"/>
+              <a:ea typeface="Source Code Pro" charset="0"/>
+              <a:cs typeface="Source Code Pro" charset="0"/>
+            </a:endParaRPr>
+          </a:p>
+          <a:p>
+            <a:pPr>
+              <a:lnSpc>
+                <a:spcPct val="120000"/>
+              </a:lnSpc>
+            </a:pPr>
             <a:endParaRPr lang="en-US" sz="1463" dirty="0">
               <a:solidFill>
                 <a:srgbClr val="025249"/>
@@ -10547,7 +11282,7 @@
     </p:spTree>
     <p:extLst>
       <p:ext uri="{BB962C8B-B14F-4D97-AF65-F5344CB8AC3E}">
-        <p14:creationId xmlns:p14="http://schemas.microsoft.com/office/powerpoint/2010/main" val="1235586599"/>
+        <p14:creationId xmlns:p14="http://schemas.microsoft.com/office/powerpoint/2010/main" val="674878305"/>
       </p:ext>
     </p:extLst>
   </p:cSld>
@@ -10681,7 +11416,7 @@
         <p:spPr>
           <a:xfrm>
             <a:off x="320736" y="1929621"/>
-            <a:ext cx="9279032" cy="2701381"/>
+            <a:ext cx="9279032" cy="3781933"/>
           </a:xfrm>
           <a:prstGeom prst="rect">
             <a:avLst/>
@@ -10787,7 +11522,7 @@
             <a:r>
               <a:rPr lang="en-US" sz="1463" b="1" dirty="0">
                 <a:solidFill>
-                  <a:srgbClr val="EF7D1D"/>
+                  <a:srgbClr val="36544F"/>
                 </a:solidFill>
                 <a:latin typeface="Source Code Pro" charset="0"/>
                 <a:ea typeface="Source Code Pro" charset="0"/>
@@ -10897,6 +11632,141 @@
               <a:solidFill>
                 <a:srgbClr val="025249"/>
               </a:solidFill>
+              <a:latin typeface="Source Code Pro" charset="0"/>
+              <a:ea typeface="Source Code Pro" charset="0"/>
+              <a:cs typeface="Source Code Pro" charset="0"/>
+            </a:endParaRPr>
+          </a:p>
+          <a:p>
+            <a:pPr>
+              <a:lnSpc>
+                <a:spcPct val="120000"/>
+              </a:lnSpc>
+            </a:pPr>
+            <a:r>
+              <a:rPr lang="en-US" sz="1463" b="1" dirty="0">
+                <a:solidFill>
+                  <a:srgbClr val="EF7D1D"/>
+                </a:solidFill>
+                <a:latin typeface="Source Code Pro" charset="0"/>
+                <a:ea typeface="Source Code Pro" charset="0"/>
+                <a:cs typeface="Source Code Pro" charset="0"/>
+              </a:rPr>
+              <a:t>Specifying Types is optional, Types </a:t>
+            </a:r>
+            <a:r>
+              <a:rPr lang="en-US" sz="1463" b="1">
+                <a:solidFill>
+                  <a:srgbClr val="EF7D1D"/>
+                </a:solidFill>
+                <a:latin typeface="Source Code Pro" charset="0"/>
+                <a:ea typeface="Source Code Pro" charset="0"/>
+                <a:cs typeface="Source Code Pro" charset="0"/>
+              </a:rPr>
+              <a:t>will then be </a:t>
+            </a:r>
+            <a:r>
+              <a:rPr lang="en-US" sz="1463" b="1" dirty="0">
+                <a:solidFill>
+                  <a:srgbClr val="EF7D1D"/>
+                </a:solidFill>
+                <a:latin typeface="Source Code Pro" charset="0"/>
+                <a:ea typeface="Source Code Pro" charset="0"/>
+                <a:cs typeface="Source Code Pro" charset="0"/>
+              </a:rPr>
+              <a:t>inferred:</a:t>
+            </a:r>
+          </a:p>
+          <a:p>
+            <a:pPr>
+              <a:lnSpc>
+                <a:spcPct val="120000"/>
+              </a:lnSpc>
+            </a:pPr>
+            <a:r>
+              <a:rPr lang="en-US" sz="1463" dirty="0">
+                <a:solidFill>
+                  <a:srgbClr val="025249"/>
+                </a:solidFill>
+                <a:latin typeface="Source Code Pro" charset="0"/>
+                <a:ea typeface="Source Code Pro" charset="0"/>
+                <a:cs typeface="Source Code Pro" charset="0"/>
+              </a:rPr>
+              <a:t>let result = 7; inferred Type: number</a:t>
+            </a:r>
+          </a:p>
+          <a:p>
+            <a:pPr>
+              <a:lnSpc>
+                <a:spcPct val="120000"/>
+              </a:lnSpc>
+            </a:pPr>
+            <a:r>
+              <a:rPr lang="en-US" sz="1463" dirty="0">
+                <a:solidFill>
+                  <a:srgbClr val="025249"/>
+                </a:solidFill>
+                <a:latin typeface="Source Code Pro" charset="0"/>
+                <a:ea typeface="Source Code Pro" charset="0"/>
+                <a:cs typeface="Source Code Pro" charset="0"/>
+              </a:rPr>
+              <a:t>result = </a:t>
+            </a:r>
+            <a:r>
+              <a:rPr lang="en-US" sz="1463" dirty="0" err="1">
+                <a:solidFill>
+                  <a:srgbClr val="025249"/>
+                </a:solidFill>
+                <a:latin typeface="Source Code Pro" charset="0"/>
+                <a:ea typeface="Source Code Pro" charset="0"/>
+                <a:cs typeface="Source Code Pro" charset="0"/>
+              </a:rPr>
+              <a:t>sayIt</a:t>
+            </a:r>
+            <a:r>
+              <a:rPr lang="en-US" sz="1463" dirty="0">
+                <a:solidFill>
+                  <a:srgbClr val="025249"/>
+                </a:solidFill>
+                <a:latin typeface="Source Code Pro" charset="0"/>
+                <a:ea typeface="Source Code Pro" charset="0"/>
+                <a:cs typeface="Source Code Pro" charset="0"/>
+              </a:rPr>
+              <a:t>('Lars') // Error (inferred type of </a:t>
+            </a:r>
+            <a:r>
+              <a:rPr lang="en-US" sz="1463" b="1" dirty="0" err="1">
+                <a:solidFill>
+                  <a:srgbClr val="025249"/>
+                </a:solidFill>
+                <a:latin typeface="Source Code Pro" charset="0"/>
+                <a:ea typeface="Source Code Pro" charset="0"/>
+                <a:cs typeface="Source Code Pro" charset="0"/>
+              </a:rPr>
+              <a:t>sayIt</a:t>
+            </a:r>
+            <a:r>
+              <a:rPr lang="en-US" sz="1463" dirty="0">
+                <a:solidFill>
+                  <a:srgbClr val="025249"/>
+                </a:solidFill>
+                <a:latin typeface="Source Code Pro" charset="0"/>
+                <a:ea typeface="Source Code Pro" charset="0"/>
+                <a:cs typeface="Source Code Pro" charset="0"/>
+              </a:rPr>
+              <a:t>: string)</a:t>
+            </a:r>
+          </a:p>
+          <a:p>
+            <a:pPr>
+              <a:lnSpc>
+                <a:spcPct val="120000"/>
+              </a:lnSpc>
+            </a:pPr>
+            <a:endParaRPr lang="en-US" sz="1463" dirty="0">
+              <a:solidFill>
+                <a:srgbClr val="025249"/>
+              </a:solidFill>
               <a:latin typeface="Source Code Pro Medium" charset="0"/>
               <a:ea typeface="Source Code Pro Medium" charset="0"/>
               <a:cs typeface="Source Code Pro Medium" charset="0"/>
@@ -10907,7 +11777,7 @@
     </p:spTree>
     <p:extLst>
       <p:ext uri="{BB962C8B-B14F-4D97-AF65-F5344CB8AC3E}">
-        <p14:creationId xmlns:p14="http://schemas.microsoft.com/office/powerpoint/2010/main" val="674878305"/>
+        <p14:creationId xmlns:p14="http://schemas.microsoft.com/office/powerpoint/2010/main" val="4186973994"/>
       </p:ext>
     </p:extLst>
   </p:cSld>
